--- a/04-Poloha/01_Pro_ucitele/Prezentace/42-akcelerometr.pptx
+++ b/04-Poloha/01_Pro_ucitele/Prezentace/42-akcelerometr.pptx
@@ -1,22 +1,117 @@
 
 <file path=ppt/presentation.xml><?xml version="1.0" encoding="utf-8"?>
-<p:presentation xmlns:a="http://schemas.openxmlformats.org/drawingml/2006/main" xmlns:p="http://schemas.openxmlformats.org/presentationml/2006/main" xmlns:r="http://schemas.openxmlformats.org/officeDocument/2006/relationships" xmlns:p14="http://schemas.microsoft.com/office/powerpoint/2010/main" xmlns:p15="http://schemas.microsoft.com/office/powerpoint/2012/main" xmlns:mc="http://schemas.openxmlformats.org/markup-compatibility/2006">
+<p:presentation xmlns:a="http://schemas.openxmlformats.org/drawingml/2006/main" xmlns:r="http://schemas.openxmlformats.org/officeDocument/2006/relationships" xmlns:p="http://schemas.openxmlformats.org/presentationml/2006/main">
   <p:sldMasterIdLst>
-    <p:sldMasterId id="2147483648" r:id="rId2"/>
-    <p:sldMasterId id="2147483661" r:id="rId3"/>
+    <p:sldMasterId id="2147483648" r:id="rId1"/>
+    <p:sldMasterId id="2147483661" r:id="rId2"/>
   </p:sldMasterIdLst>
   <p:sldIdLst>
-    <p:sldId id="256" r:id="rId4"/>
-    <p:sldId id="257" r:id="rId5"/>
-    <p:sldId id="258" r:id="rId6"/>
+    <p:sldId id="256" r:id="rId3"/>
+    <p:sldId id="257" r:id="rId4"/>
+    <p:sldId id="258" r:id="rId5"/>
   </p:sldIdLst>
   <p:sldSz cx="10080625" cy="7559675"/>
-  <p:notesSz cx="7559675" cy="10691812"/>
+  <p:notesSz cx="7559675" cy="10691813"/>
+  <p:defaultTextStyle>
+    <a:defPPr>
+      <a:defRPr lang="cs-CZ"/>
+    </a:defPPr>
+    <a:lvl1pPr marL="0" algn="l" defTabSz="914400" rtl="0" eaLnBrk="1" latinLnBrk="0" hangingPunct="1">
+      <a:defRPr sz="1800" kern="1200">
+        <a:solidFill>
+          <a:schemeClr val="tx1"/>
+        </a:solidFill>
+        <a:latin typeface="+mn-lt"/>
+        <a:ea typeface="+mn-ea"/>
+        <a:cs typeface="+mn-cs"/>
+      </a:defRPr>
+    </a:lvl1pPr>
+    <a:lvl2pPr marL="457200" algn="l" defTabSz="914400" rtl="0" eaLnBrk="1" latinLnBrk="0" hangingPunct="1">
+      <a:defRPr sz="1800" kern="1200">
+        <a:solidFill>
+          <a:schemeClr val="tx1"/>
+        </a:solidFill>
+        <a:latin typeface="+mn-lt"/>
+        <a:ea typeface="+mn-ea"/>
+        <a:cs typeface="+mn-cs"/>
+      </a:defRPr>
+    </a:lvl2pPr>
+    <a:lvl3pPr marL="914400" algn="l" defTabSz="914400" rtl="0" eaLnBrk="1" latinLnBrk="0" hangingPunct="1">
+      <a:defRPr sz="1800" kern="1200">
+        <a:solidFill>
+          <a:schemeClr val="tx1"/>
+        </a:solidFill>
+        <a:latin typeface="+mn-lt"/>
+        <a:ea typeface="+mn-ea"/>
+        <a:cs typeface="+mn-cs"/>
+      </a:defRPr>
+    </a:lvl3pPr>
+    <a:lvl4pPr marL="1371600" algn="l" defTabSz="914400" rtl="0" eaLnBrk="1" latinLnBrk="0" hangingPunct="1">
+      <a:defRPr sz="1800" kern="1200">
+        <a:solidFill>
+          <a:schemeClr val="tx1"/>
+        </a:solidFill>
+        <a:latin typeface="+mn-lt"/>
+        <a:ea typeface="+mn-ea"/>
+        <a:cs typeface="+mn-cs"/>
+      </a:defRPr>
+    </a:lvl4pPr>
+    <a:lvl5pPr marL="1828800" algn="l" defTabSz="914400" rtl="0" eaLnBrk="1" latinLnBrk="0" hangingPunct="1">
+      <a:defRPr sz="1800" kern="1200">
+        <a:solidFill>
+          <a:schemeClr val="tx1"/>
+        </a:solidFill>
+        <a:latin typeface="+mn-lt"/>
+        <a:ea typeface="+mn-ea"/>
+        <a:cs typeface="+mn-cs"/>
+      </a:defRPr>
+    </a:lvl5pPr>
+    <a:lvl6pPr marL="2286000" algn="l" defTabSz="914400" rtl="0" eaLnBrk="1" latinLnBrk="0" hangingPunct="1">
+      <a:defRPr sz="1800" kern="1200">
+        <a:solidFill>
+          <a:schemeClr val="tx1"/>
+        </a:solidFill>
+        <a:latin typeface="+mn-lt"/>
+        <a:ea typeface="+mn-ea"/>
+        <a:cs typeface="+mn-cs"/>
+      </a:defRPr>
+    </a:lvl6pPr>
+    <a:lvl7pPr marL="2743200" algn="l" defTabSz="914400" rtl="0" eaLnBrk="1" latinLnBrk="0" hangingPunct="1">
+      <a:defRPr sz="1800" kern="1200">
+        <a:solidFill>
+          <a:schemeClr val="tx1"/>
+        </a:solidFill>
+        <a:latin typeface="+mn-lt"/>
+        <a:ea typeface="+mn-ea"/>
+        <a:cs typeface="+mn-cs"/>
+      </a:defRPr>
+    </a:lvl7pPr>
+    <a:lvl8pPr marL="3200400" algn="l" defTabSz="914400" rtl="0" eaLnBrk="1" latinLnBrk="0" hangingPunct="1">
+      <a:defRPr sz="1800" kern="1200">
+        <a:solidFill>
+          <a:schemeClr val="tx1"/>
+        </a:solidFill>
+        <a:latin typeface="+mn-lt"/>
+        <a:ea typeface="+mn-ea"/>
+        <a:cs typeface="+mn-cs"/>
+      </a:defRPr>
+    </a:lvl8pPr>
+    <a:lvl9pPr marL="3657600" algn="l" defTabSz="914400" rtl="0" eaLnBrk="1" latinLnBrk="0" hangingPunct="1">
+      <a:defRPr sz="1800" kern="1200">
+        <a:solidFill>
+          <a:schemeClr val="tx1"/>
+        </a:solidFill>
+        <a:latin typeface="+mn-lt"/>
+        <a:ea typeface="+mn-ea"/>
+        <a:cs typeface="+mn-cs"/>
+      </a:defRPr>
+    </a:lvl9pPr>
+  </p:defaultTextStyle>
 </p:presentation>
 </file>
 
 <file path=ppt/slideLayouts/slideLayout1.xml><?xml version="1.0" encoding="utf-8"?>
-<p:sldLayout xmlns:a="http://schemas.openxmlformats.org/drawingml/2006/main" xmlns:p="http://schemas.openxmlformats.org/presentationml/2006/main" xmlns:r="http://schemas.openxmlformats.org/officeDocument/2006/relationships" xmlns:p14="http://schemas.microsoft.com/office/powerpoint/2010/main" xmlns:p15="http://schemas.microsoft.com/office/powerpoint/2012/main" xmlns:mc="http://schemas.openxmlformats.org/markup-compatibility/2006" type="blank" preserve="1">
+<p:sldLayout xmlns:a="http://schemas.openxmlformats.org/drawingml/2006/main" xmlns:r="http://schemas.openxmlformats.org/officeDocument/2006/relationships" xmlns:p="http://schemas.openxmlformats.org/presentationml/2006/main" type="blank" preserve="1">
   <p:cSld name="Blank Slide">
     <p:spTree>
       <p:nvGrpSpPr>
@@ -34,11 +129,14 @@
       </p:grpSpPr>
     </p:spTree>
   </p:cSld>
+  <p:clrMapOvr>
+    <a:masterClrMapping/>
+  </p:clrMapOvr>
 </p:sldLayout>
 </file>
 
 <file path=ppt/slideLayouts/slideLayout10.xml><?xml version="1.0" encoding="utf-8"?>
-<p:sldLayout xmlns:a="http://schemas.openxmlformats.org/drawingml/2006/main" xmlns:p="http://schemas.openxmlformats.org/presentationml/2006/main" xmlns:r="http://schemas.openxmlformats.org/officeDocument/2006/relationships" xmlns:p14="http://schemas.microsoft.com/office/powerpoint/2010/main" xmlns:p15="http://schemas.microsoft.com/office/powerpoint/2012/main" xmlns:mc="http://schemas.openxmlformats.org/markup-compatibility/2006" type="objOverTx" preserve="1">
+<p:sldLayout xmlns:a="http://schemas.openxmlformats.org/drawingml/2006/main" xmlns:r="http://schemas.openxmlformats.org/officeDocument/2006/relationships" xmlns:p="http://schemas.openxmlformats.org/presentationml/2006/main" type="objOverTx" preserve="1">
   <p:cSld name="Title, Content over Content">
     <p:spTree>
       <p:nvGrpSpPr>
@@ -74,9 +172,10 @@
           </a:prstGeom>
         </p:spPr>
         <p:txBody>
-          <a:bodyPr lIns="0" rIns="0" tIns="0" bIns="0" anchor="ctr"/>
-          <a:p>
-            <a:endParaRPr b="0" lang="cs-CZ" sz="1800" spc="-1" strike="noStrike">
+          <a:bodyPr lIns="0" tIns="0" rIns="0" bIns="0" anchor="ctr"/>
+          <a:lstStyle/>
+          <a:p>
+            <a:endParaRPr lang="cs-CZ" sz="1800" b="0" strike="noStrike" spc="-1">
               <a:solidFill>
                 <a:srgbClr val="000000"/>
               </a:solidFill>
@@ -105,11 +204,12 @@
           </a:prstGeom>
         </p:spPr>
         <p:txBody>
-          <a:bodyPr lIns="0" rIns="0" tIns="0" bIns="0">
+          <a:bodyPr lIns="0" tIns="0" rIns="0" bIns="0">
             <a:normAutofit/>
           </a:bodyPr>
-          <a:p>
-            <a:endParaRPr b="0" lang="cs-CZ" sz="2800" spc="-1" strike="noStrike">
+          <a:lstStyle/>
+          <a:p>
+            <a:endParaRPr lang="cs-CZ" sz="2800" b="0" strike="noStrike" spc="-1">
               <a:solidFill>
                 <a:srgbClr val="000000"/>
               </a:solidFill>
@@ -138,11 +238,12 @@
           </a:prstGeom>
         </p:spPr>
         <p:txBody>
-          <a:bodyPr lIns="0" rIns="0" tIns="0" bIns="0">
+          <a:bodyPr lIns="0" tIns="0" rIns="0" bIns="0">
             <a:normAutofit/>
           </a:bodyPr>
-          <a:p>
-            <a:endParaRPr b="0" lang="cs-CZ" sz="2800" spc="-1" strike="noStrike">
+          <a:lstStyle/>
+          <a:p>
+            <a:endParaRPr lang="cs-CZ" sz="2800" b="0" strike="noStrike" spc="-1">
               <a:solidFill>
                 <a:srgbClr val="000000"/>
               </a:solidFill>
@@ -153,11 +254,14 @@
       </p:sp>
     </p:spTree>
   </p:cSld>
+  <p:clrMapOvr>
+    <a:masterClrMapping/>
+  </p:clrMapOvr>
 </p:sldLayout>
 </file>
 
 <file path=ppt/slideLayouts/slideLayout11.xml><?xml version="1.0" encoding="utf-8"?>
-<p:sldLayout xmlns:a="http://schemas.openxmlformats.org/drawingml/2006/main" xmlns:p="http://schemas.openxmlformats.org/presentationml/2006/main" xmlns:r="http://schemas.openxmlformats.org/officeDocument/2006/relationships" xmlns:p14="http://schemas.microsoft.com/office/powerpoint/2010/main" xmlns:p15="http://schemas.microsoft.com/office/powerpoint/2012/main" xmlns:mc="http://schemas.openxmlformats.org/markup-compatibility/2006" type="fourObj" preserve="1">
+<p:sldLayout xmlns:a="http://schemas.openxmlformats.org/drawingml/2006/main" xmlns:r="http://schemas.openxmlformats.org/officeDocument/2006/relationships" xmlns:p="http://schemas.openxmlformats.org/presentationml/2006/main" type="fourObj" preserve="1">
   <p:cSld name="Title, 4 Content">
     <p:spTree>
       <p:nvGrpSpPr>
@@ -193,9 +297,10 @@
           </a:prstGeom>
         </p:spPr>
         <p:txBody>
-          <a:bodyPr lIns="0" rIns="0" tIns="0" bIns="0" anchor="ctr"/>
-          <a:p>
-            <a:endParaRPr b="0" lang="cs-CZ" sz="1800" spc="-1" strike="noStrike">
+          <a:bodyPr lIns="0" tIns="0" rIns="0" bIns="0" anchor="ctr"/>
+          <a:lstStyle/>
+          <a:p>
+            <a:endParaRPr lang="cs-CZ" sz="1800" b="0" strike="noStrike" spc="-1">
               <a:solidFill>
                 <a:srgbClr val="000000"/>
               </a:solidFill>
@@ -224,11 +329,12 @@
           </a:prstGeom>
         </p:spPr>
         <p:txBody>
-          <a:bodyPr lIns="0" rIns="0" tIns="0" bIns="0">
+          <a:bodyPr lIns="0" tIns="0" rIns="0" bIns="0">
             <a:normAutofit/>
           </a:bodyPr>
-          <a:p>
-            <a:endParaRPr b="0" lang="cs-CZ" sz="2800" spc="-1" strike="noStrike">
+          <a:lstStyle/>
+          <a:p>
+            <a:endParaRPr lang="cs-CZ" sz="2800" b="0" strike="noStrike" spc="-1">
               <a:solidFill>
                 <a:srgbClr val="000000"/>
               </a:solidFill>
@@ -257,11 +363,12 @@
           </a:prstGeom>
         </p:spPr>
         <p:txBody>
-          <a:bodyPr lIns="0" rIns="0" tIns="0" bIns="0">
+          <a:bodyPr lIns="0" tIns="0" rIns="0" bIns="0">
             <a:normAutofit/>
           </a:bodyPr>
-          <a:p>
-            <a:endParaRPr b="0" lang="cs-CZ" sz="2800" spc="-1" strike="noStrike">
+          <a:lstStyle/>
+          <a:p>
+            <a:endParaRPr lang="cs-CZ" sz="2800" b="0" strike="noStrike" spc="-1">
               <a:solidFill>
                 <a:srgbClr val="000000"/>
               </a:solidFill>
@@ -290,11 +397,12 @@
           </a:prstGeom>
         </p:spPr>
         <p:txBody>
-          <a:bodyPr lIns="0" rIns="0" tIns="0" bIns="0">
+          <a:bodyPr lIns="0" tIns="0" rIns="0" bIns="0">
             <a:normAutofit/>
           </a:bodyPr>
-          <a:p>
-            <a:endParaRPr b="0" lang="cs-CZ" sz="2800" spc="-1" strike="noStrike">
+          <a:lstStyle/>
+          <a:p>
+            <a:endParaRPr lang="cs-CZ" sz="2800" b="0" strike="noStrike" spc="-1">
               <a:solidFill>
                 <a:srgbClr val="000000"/>
               </a:solidFill>
@@ -323,11 +431,12 @@
           </a:prstGeom>
         </p:spPr>
         <p:txBody>
-          <a:bodyPr lIns="0" rIns="0" tIns="0" bIns="0">
+          <a:bodyPr lIns="0" tIns="0" rIns="0" bIns="0">
             <a:normAutofit/>
           </a:bodyPr>
-          <a:p>
-            <a:endParaRPr b="0" lang="cs-CZ" sz="2800" spc="-1" strike="noStrike">
+          <a:lstStyle/>
+          <a:p>
+            <a:endParaRPr lang="cs-CZ" sz="2800" b="0" strike="noStrike" spc="-1">
               <a:solidFill>
                 <a:srgbClr val="000000"/>
               </a:solidFill>
@@ -338,11 +447,14 @@
       </p:sp>
     </p:spTree>
   </p:cSld>
+  <p:clrMapOvr>
+    <a:masterClrMapping/>
+  </p:clrMapOvr>
 </p:sldLayout>
 </file>
 
 <file path=ppt/slideLayouts/slideLayout12.xml><?xml version="1.0" encoding="utf-8"?>
-<p:sldLayout xmlns:a="http://schemas.openxmlformats.org/drawingml/2006/main" xmlns:p="http://schemas.openxmlformats.org/presentationml/2006/main" xmlns:r="http://schemas.openxmlformats.org/officeDocument/2006/relationships" xmlns:p14="http://schemas.microsoft.com/office/powerpoint/2010/main" xmlns:p15="http://schemas.microsoft.com/office/powerpoint/2012/main" xmlns:mc="http://schemas.openxmlformats.org/markup-compatibility/2006" type="blank" preserve="1">
+<p:sldLayout xmlns:a="http://schemas.openxmlformats.org/drawingml/2006/main" xmlns:r="http://schemas.openxmlformats.org/officeDocument/2006/relationships" xmlns:p="http://schemas.openxmlformats.org/presentationml/2006/main" type="blank" preserve="1">
   <p:cSld name="Title, 6 Content">
     <p:spTree>
       <p:nvGrpSpPr>
@@ -378,9 +490,10 @@
           </a:prstGeom>
         </p:spPr>
         <p:txBody>
-          <a:bodyPr lIns="0" rIns="0" tIns="0" bIns="0" anchor="ctr"/>
-          <a:p>
-            <a:endParaRPr b="0" lang="cs-CZ" sz="1800" spc="-1" strike="noStrike">
+          <a:bodyPr lIns="0" tIns="0" rIns="0" bIns="0" anchor="ctr"/>
+          <a:lstStyle/>
+          <a:p>
+            <a:endParaRPr lang="cs-CZ" sz="1800" b="0" strike="noStrike" spc="-1">
               <a:solidFill>
                 <a:srgbClr val="000000"/>
               </a:solidFill>
@@ -409,11 +522,12 @@
           </a:prstGeom>
         </p:spPr>
         <p:txBody>
-          <a:bodyPr lIns="0" rIns="0" tIns="0" bIns="0">
+          <a:bodyPr lIns="0" tIns="0" rIns="0" bIns="0">
             <a:normAutofit/>
           </a:bodyPr>
-          <a:p>
-            <a:endParaRPr b="0" lang="cs-CZ" sz="2800" spc="-1" strike="noStrike">
+          <a:lstStyle/>
+          <a:p>
+            <a:endParaRPr lang="cs-CZ" sz="2800" b="0" strike="noStrike" spc="-1">
               <a:solidFill>
                 <a:srgbClr val="000000"/>
               </a:solidFill>
@@ -442,11 +556,12 @@
           </a:prstGeom>
         </p:spPr>
         <p:txBody>
-          <a:bodyPr lIns="0" rIns="0" tIns="0" bIns="0">
+          <a:bodyPr lIns="0" tIns="0" rIns="0" bIns="0">
             <a:normAutofit/>
           </a:bodyPr>
-          <a:p>
-            <a:endParaRPr b="0" lang="cs-CZ" sz="2800" spc="-1" strike="noStrike">
+          <a:lstStyle/>
+          <a:p>
+            <a:endParaRPr lang="cs-CZ" sz="2800" b="0" strike="noStrike" spc="-1">
               <a:solidFill>
                 <a:srgbClr val="000000"/>
               </a:solidFill>
@@ -475,11 +590,12 @@
           </a:prstGeom>
         </p:spPr>
         <p:txBody>
-          <a:bodyPr lIns="0" rIns="0" tIns="0" bIns="0">
+          <a:bodyPr lIns="0" tIns="0" rIns="0" bIns="0">
             <a:normAutofit/>
           </a:bodyPr>
-          <a:p>
-            <a:endParaRPr b="0" lang="cs-CZ" sz="2800" spc="-1" strike="noStrike">
+          <a:lstStyle/>
+          <a:p>
+            <a:endParaRPr lang="cs-CZ" sz="2800" b="0" strike="noStrike" spc="-1">
               <a:solidFill>
                 <a:srgbClr val="000000"/>
               </a:solidFill>
@@ -508,11 +624,12 @@
           </a:prstGeom>
         </p:spPr>
         <p:txBody>
-          <a:bodyPr lIns="0" rIns="0" tIns="0" bIns="0">
+          <a:bodyPr lIns="0" tIns="0" rIns="0" bIns="0">
             <a:normAutofit/>
           </a:bodyPr>
-          <a:p>
-            <a:endParaRPr b="0" lang="cs-CZ" sz="2800" spc="-1" strike="noStrike">
+          <a:lstStyle/>
+          <a:p>
+            <a:endParaRPr lang="cs-CZ" sz="2800" b="0" strike="noStrike" spc="-1">
               <a:solidFill>
                 <a:srgbClr val="000000"/>
               </a:solidFill>
@@ -541,11 +658,12 @@
           </a:prstGeom>
         </p:spPr>
         <p:txBody>
-          <a:bodyPr lIns="0" rIns="0" tIns="0" bIns="0">
+          <a:bodyPr lIns="0" tIns="0" rIns="0" bIns="0">
             <a:normAutofit/>
           </a:bodyPr>
-          <a:p>
-            <a:endParaRPr b="0" lang="cs-CZ" sz="2800" spc="-1" strike="noStrike">
+          <a:lstStyle/>
+          <a:p>
+            <a:endParaRPr lang="cs-CZ" sz="2800" b="0" strike="noStrike" spc="-1">
               <a:solidFill>
                 <a:srgbClr val="000000"/>
               </a:solidFill>
@@ -574,11 +692,12 @@
           </a:prstGeom>
         </p:spPr>
         <p:txBody>
-          <a:bodyPr lIns="0" rIns="0" tIns="0" bIns="0">
+          <a:bodyPr lIns="0" tIns="0" rIns="0" bIns="0">
             <a:normAutofit/>
           </a:bodyPr>
-          <a:p>
-            <a:endParaRPr b="0" lang="cs-CZ" sz="2800" spc="-1" strike="noStrike">
+          <a:lstStyle/>
+          <a:p>
+            <a:endParaRPr lang="cs-CZ" sz="2800" b="0" strike="noStrike" spc="-1">
               <a:solidFill>
                 <a:srgbClr val="000000"/>
               </a:solidFill>
@@ -589,11 +708,14 @@
       </p:sp>
     </p:spTree>
   </p:cSld>
+  <p:clrMapOvr>
+    <a:masterClrMapping/>
+  </p:clrMapOvr>
 </p:sldLayout>
 </file>
 
 <file path=ppt/slideLayouts/slideLayout13.xml><?xml version="1.0" encoding="utf-8"?>
-<p:sldLayout xmlns:a="http://schemas.openxmlformats.org/drawingml/2006/main" xmlns:p="http://schemas.openxmlformats.org/presentationml/2006/main" xmlns:r="http://schemas.openxmlformats.org/officeDocument/2006/relationships" xmlns:p14="http://schemas.microsoft.com/office/powerpoint/2010/main" xmlns:p15="http://schemas.microsoft.com/office/powerpoint/2012/main" xmlns:mc="http://schemas.openxmlformats.org/markup-compatibility/2006" type="blank" preserve="1">
+<p:sldLayout xmlns:a="http://schemas.openxmlformats.org/drawingml/2006/main" xmlns:r="http://schemas.openxmlformats.org/officeDocument/2006/relationships" xmlns:p="http://schemas.openxmlformats.org/presentationml/2006/main" type="blank" preserve="1">
   <p:cSld name="Blank Slide">
     <p:spTree>
       <p:nvGrpSpPr>
@@ -611,11 +733,14 @@
       </p:grpSpPr>
     </p:spTree>
   </p:cSld>
+  <p:clrMapOvr>
+    <a:masterClrMapping/>
+  </p:clrMapOvr>
 </p:sldLayout>
 </file>
 
 <file path=ppt/slideLayouts/slideLayout14.xml><?xml version="1.0" encoding="utf-8"?>
-<p:sldLayout xmlns:a="http://schemas.openxmlformats.org/drawingml/2006/main" xmlns:p="http://schemas.openxmlformats.org/presentationml/2006/main" xmlns:r="http://schemas.openxmlformats.org/officeDocument/2006/relationships" xmlns:p14="http://schemas.microsoft.com/office/powerpoint/2010/main" xmlns:p15="http://schemas.microsoft.com/office/powerpoint/2012/main" xmlns:mc="http://schemas.openxmlformats.org/markup-compatibility/2006" type="tx" preserve="1">
+<p:sldLayout xmlns:a="http://schemas.openxmlformats.org/drawingml/2006/main" xmlns:r="http://schemas.openxmlformats.org/officeDocument/2006/relationships" xmlns:p="http://schemas.openxmlformats.org/presentationml/2006/main" type="tx" preserve="1">
   <p:cSld name="Title Slide">
     <p:spTree>
       <p:nvGrpSpPr>
@@ -651,9 +776,10 @@
           </a:prstGeom>
         </p:spPr>
         <p:txBody>
-          <a:bodyPr lIns="0" rIns="0" tIns="0" bIns="0" anchor="ctr"/>
-          <a:p>
-            <a:endParaRPr b="0" lang="cs-CZ" sz="1800" spc="-1" strike="noStrike">
+          <a:bodyPr lIns="0" tIns="0" rIns="0" bIns="0" anchor="ctr"/>
+          <a:lstStyle/>
+          <a:p>
+            <a:endParaRPr lang="cs-CZ" sz="1800" b="0" strike="noStrike" spc="-1">
               <a:solidFill>
                 <a:srgbClr val="000000"/>
               </a:solidFill>
@@ -682,10 +808,11 @@
           </a:prstGeom>
         </p:spPr>
         <p:txBody>
-          <a:bodyPr lIns="0" rIns="0" tIns="0" bIns="0" anchor="ctr"/>
+          <a:bodyPr lIns="0" tIns="0" rIns="0" bIns="0" anchor="ctr"/>
+          <a:lstStyle/>
           <a:p>
             <a:pPr algn="ctr"/>
-            <a:endParaRPr b="0" lang="cs-CZ" sz="3200" spc="-1" strike="noStrike">
+            <a:endParaRPr lang="cs-CZ" sz="3200" b="0" strike="noStrike" spc="-1">
               <a:latin typeface="Arial"/>
             </a:endParaRPr>
           </a:p>
@@ -693,11 +820,14 @@
       </p:sp>
     </p:spTree>
   </p:cSld>
+  <p:clrMapOvr>
+    <a:masterClrMapping/>
+  </p:clrMapOvr>
 </p:sldLayout>
 </file>
 
 <file path=ppt/slideLayouts/slideLayout15.xml><?xml version="1.0" encoding="utf-8"?>
-<p:sldLayout xmlns:a="http://schemas.openxmlformats.org/drawingml/2006/main" xmlns:p="http://schemas.openxmlformats.org/presentationml/2006/main" xmlns:r="http://schemas.openxmlformats.org/officeDocument/2006/relationships" xmlns:p14="http://schemas.microsoft.com/office/powerpoint/2010/main" xmlns:p15="http://schemas.microsoft.com/office/powerpoint/2012/main" xmlns:mc="http://schemas.openxmlformats.org/markup-compatibility/2006" type="obj" preserve="1">
+<p:sldLayout xmlns:a="http://schemas.openxmlformats.org/drawingml/2006/main" xmlns:r="http://schemas.openxmlformats.org/officeDocument/2006/relationships" xmlns:p="http://schemas.openxmlformats.org/presentationml/2006/main" type="obj" preserve="1">
   <p:cSld name="Title, Content">
     <p:spTree>
       <p:nvGrpSpPr>
@@ -733,9 +863,10 @@
           </a:prstGeom>
         </p:spPr>
         <p:txBody>
-          <a:bodyPr lIns="0" rIns="0" tIns="0" bIns="0" anchor="ctr"/>
-          <a:p>
-            <a:endParaRPr b="0" lang="cs-CZ" sz="1800" spc="-1" strike="noStrike">
+          <a:bodyPr lIns="0" tIns="0" rIns="0" bIns="0" anchor="ctr"/>
+          <a:lstStyle/>
+          <a:p>
+            <a:endParaRPr lang="cs-CZ" sz="1800" b="0" strike="noStrike" spc="-1">
               <a:solidFill>
                 <a:srgbClr val="000000"/>
               </a:solidFill>
@@ -764,11 +895,12 @@
           </a:prstGeom>
         </p:spPr>
         <p:txBody>
-          <a:bodyPr lIns="0" rIns="0" tIns="0" bIns="0">
+          <a:bodyPr lIns="0" tIns="0" rIns="0" bIns="0">
             <a:normAutofit/>
           </a:bodyPr>
-          <a:p>
-            <a:endParaRPr b="0" lang="cs-CZ" sz="2800" spc="-1" strike="noStrike">
+          <a:lstStyle/>
+          <a:p>
+            <a:endParaRPr lang="cs-CZ" sz="2800" b="0" strike="noStrike" spc="-1">
               <a:solidFill>
                 <a:srgbClr val="000000"/>
               </a:solidFill>
@@ -779,11 +911,14 @@
       </p:sp>
     </p:spTree>
   </p:cSld>
+  <p:clrMapOvr>
+    <a:masterClrMapping/>
+  </p:clrMapOvr>
 </p:sldLayout>
 </file>
 
 <file path=ppt/slideLayouts/slideLayout16.xml><?xml version="1.0" encoding="utf-8"?>
-<p:sldLayout xmlns:a="http://schemas.openxmlformats.org/drawingml/2006/main" xmlns:p="http://schemas.openxmlformats.org/presentationml/2006/main" xmlns:r="http://schemas.openxmlformats.org/officeDocument/2006/relationships" xmlns:p14="http://schemas.microsoft.com/office/powerpoint/2010/main" xmlns:p15="http://schemas.microsoft.com/office/powerpoint/2012/main" xmlns:mc="http://schemas.openxmlformats.org/markup-compatibility/2006" type="twoObj" preserve="1">
+<p:sldLayout xmlns:a="http://schemas.openxmlformats.org/drawingml/2006/main" xmlns:r="http://schemas.openxmlformats.org/officeDocument/2006/relationships" xmlns:p="http://schemas.openxmlformats.org/presentationml/2006/main" type="twoObj" preserve="1">
   <p:cSld name="Title, 2 Content">
     <p:spTree>
       <p:nvGrpSpPr>
@@ -819,9 +954,10 @@
           </a:prstGeom>
         </p:spPr>
         <p:txBody>
-          <a:bodyPr lIns="0" rIns="0" tIns="0" bIns="0" anchor="ctr"/>
-          <a:p>
-            <a:endParaRPr b="0" lang="cs-CZ" sz="1800" spc="-1" strike="noStrike">
+          <a:bodyPr lIns="0" tIns="0" rIns="0" bIns="0" anchor="ctr"/>
+          <a:lstStyle/>
+          <a:p>
+            <a:endParaRPr lang="cs-CZ" sz="1800" b="0" strike="noStrike" spc="-1">
               <a:solidFill>
                 <a:srgbClr val="000000"/>
               </a:solidFill>
@@ -850,11 +986,12 @@
           </a:prstGeom>
         </p:spPr>
         <p:txBody>
-          <a:bodyPr lIns="0" rIns="0" tIns="0" bIns="0">
+          <a:bodyPr lIns="0" tIns="0" rIns="0" bIns="0">
             <a:normAutofit/>
           </a:bodyPr>
-          <a:p>
-            <a:endParaRPr b="0" lang="cs-CZ" sz="2800" spc="-1" strike="noStrike">
+          <a:lstStyle/>
+          <a:p>
+            <a:endParaRPr lang="cs-CZ" sz="2800" b="0" strike="noStrike" spc="-1">
               <a:solidFill>
                 <a:srgbClr val="000000"/>
               </a:solidFill>
@@ -883,11 +1020,12 @@
           </a:prstGeom>
         </p:spPr>
         <p:txBody>
-          <a:bodyPr lIns="0" rIns="0" tIns="0" bIns="0">
+          <a:bodyPr lIns="0" tIns="0" rIns="0" bIns="0">
             <a:normAutofit/>
           </a:bodyPr>
-          <a:p>
-            <a:endParaRPr b="0" lang="cs-CZ" sz="2800" spc="-1" strike="noStrike">
+          <a:lstStyle/>
+          <a:p>
+            <a:endParaRPr lang="cs-CZ" sz="2800" b="0" strike="noStrike" spc="-1">
               <a:solidFill>
                 <a:srgbClr val="000000"/>
               </a:solidFill>
@@ -898,11 +1036,14 @@
       </p:sp>
     </p:spTree>
   </p:cSld>
+  <p:clrMapOvr>
+    <a:masterClrMapping/>
+  </p:clrMapOvr>
 </p:sldLayout>
 </file>
 
 <file path=ppt/slideLayouts/slideLayout17.xml><?xml version="1.0" encoding="utf-8"?>
-<p:sldLayout xmlns:a="http://schemas.openxmlformats.org/drawingml/2006/main" xmlns:p="http://schemas.openxmlformats.org/presentationml/2006/main" xmlns:r="http://schemas.openxmlformats.org/officeDocument/2006/relationships" xmlns:p14="http://schemas.microsoft.com/office/powerpoint/2010/main" xmlns:p15="http://schemas.microsoft.com/office/powerpoint/2012/main" xmlns:mc="http://schemas.openxmlformats.org/markup-compatibility/2006" type="titleOnly" preserve="1">
+<p:sldLayout xmlns:a="http://schemas.openxmlformats.org/drawingml/2006/main" xmlns:r="http://schemas.openxmlformats.org/officeDocument/2006/relationships" xmlns:p="http://schemas.openxmlformats.org/presentationml/2006/main" type="titleOnly" preserve="1">
   <p:cSld name="Title Only">
     <p:spTree>
       <p:nvGrpSpPr>
@@ -938,9 +1079,10 @@
           </a:prstGeom>
         </p:spPr>
         <p:txBody>
-          <a:bodyPr lIns="0" rIns="0" tIns="0" bIns="0" anchor="ctr"/>
-          <a:p>
-            <a:endParaRPr b="0" lang="cs-CZ" sz="1800" spc="-1" strike="noStrike">
+          <a:bodyPr lIns="0" tIns="0" rIns="0" bIns="0" anchor="ctr"/>
+          <a:lstStyle/>
+          <a:p>
+            <a:endParaRPr lang="cs-CZ" sz="1800" b="0" strike="noStrike" spc="-1">
               <a:solidFill>
                 <a:srgbClr val="000000"/>
               </a:solidFill>
@@ -951,11 +1093,14 @@
       </p:sp>
     </p:spTree>
   </p:cSld>
+  <p:clrMapOvr>
+    <a:masterClrMapping/>
+  </p:clrMapOvr>
 </p:sldLayout>
 </file>
 
 <file path=ppt/slideLayouts/slideLayout18.xml><?xml version="1.0" encoding="utf-8"?>
-<p:sldLayout xmlns:a="http://schemas.openxmlformats.org/drawingml/2006/main" xmlns:p="http://schemas.openxmlformats.org/presentationml/2006/main" xmlns:r="http://schemas.openxmlformats.org/officeDocument/2006/relationships" xmlns:p14="http://schemas.microsoft.com/office/powerpoint/2010/main" xmlns:p15="http://schemas.microsoft.com/office/powerpoint/2012/main" xmlns:mc="http://schemas.openxmlformats.org/markup-compatibility/2006" type="objOnly" preserve="1">
+<p:sldLayout xmlns:a="http://schemas.openxmlformats.org/drawingml/2006/main" xmlns:r="http://schemas.openxmlformats.org/officeDocument/2006/relationships" xmlns:p="http://schemas.openxmlformats.org/presentationml/2006/main" type="objOnly" preserve="1">
   <p:cSld name="Centered Text">
     <p:spTree>
       <p:nvGrpSpPr>
@@ -991,10 +1136,11 @@
           </a:prstGeom>
         </p:spPr>
         <p:txBody>
-          <a:bodyPr lIns="0" rIns="0" tIns="0" bIns="0" anchor="ctr"/>
+          <a:bodyPr lIns="0" tIns="0" rIns="0" bIns="0" anchor="ctr"/>
+          <a:lstStyle/>
           <a:p>
             <a:pPr algn="ctr"/>
-            <a:endParaRPr b="0" lang="cs-CZ" sz="3200" spc="-1" strike="noStrike">
+            <a:endParaRPr lang="cs-CZ" sz="3200" b="0" strike="noStrike" spc="-1">
               <a:latin typeface="Arial"/>
             </a:endParaRPr>
           </a:p>
@@ -1002,11 +1148,14 @@
       </p:sp>
     </p:spTree>
   </p:cSld>
+  <p:clrMapOvr>
+    <a:masterClrMapping/>
+  </p:clrMapOvr>
 </p:sldLayout>
 </file>
 
 <file path=ppt/slideLayouts/slideLayout19.xml><?xml version="1.0" encoding="utf-8"?>
-<p:sldLayout xmlns:a="http://schemas.openxmlformats.org/drawingml/2006/main" xmlns:p="http://schemas.openxmlformats.org/presentationml/2006/main" xmlns:r="http://schemas.openxmlformats.org/officeDocument/2006/relationships" xmlns:p14="http://schemas.microsoft.com/office/powerpoint/2010/main" xmlns:p15="http://schemas.microsoft.com/office/powerpoint/2012/main" xmlns:mc="http://schemas.openxmlformats.org/markup-compatibility/2006" type="twoObjAndObj" preserve="1">
+<p:sldLayout xmlns:a="http://schemas.openxmlformats.org/drawingml/2006/main" xmlns:r="http://schemas.openxmlformats.org/officeDocument/2006/relationships" xmlns:p="http://schemas.openxmlformats.org/presentationml/2006/main" type="twoObjAndObj" preserve="1">
   <p:cSld name="Title, 2 Content and Content">
     <p:spTree>
       <p:nvGrpSpPr>
@@ -1042,9 +1191,10 @@
           </a:prstGeom>
         </p:spPr>
         <p:txBody>
-          <a:bodyPr lIns="0" rIns="0" tIns="0" bIns="0" anchor="ctr"/>
-          <a:p>
-            <a:endParaRPr b="0" lang="cs-CZ" sz="1800" spc="-1" strike="noStrike">
+          <a:bodyPr lIns="0" tIns="0" rIns="0" bIns="0" anchor="ctr"/>
+          <a:lstStyle/>
+          <a:p>
+            <a:endParaRPr lang="cs-CZ" sz="1800" b="0" strike="noStrike" spc="-1">
               <a:solidFill>
                 <a:srgbClr val="000000"/>
               </a:solidFill>
@@ -1073,11 +1223,12 @@
           </a:prstGeom>
         </p:spPr>
         <p:txBody>
-          <a:bodyPr lIns="0" rIns="0" tIns="0" bIns="0">
+          <a:bodyPr lIns="0" tIns="0" rIns="0" bIns="0">
             <a:normAutofit/>
           </a:bodyPr>
-          <a:p>
-            <a:endParaRPr b="0" lang="cs-CZ" sz="2800" spc="-1" strike="noStrike">
+          <a:lstStyle/>
+          <a:p>
+            <a:endParaRPr lang="cs-CZ" sz="2800" b="0" strike="noStrike" spc="-1">
               <a:solidFill>
                 <a:srgbClr val="000000"/>
               </a:solidFill>
@@ -1106,11 +1257,12 @@
           </a:prstGeom>
         </p:spPr>
         <p:txBody>
-          <a:bodyPr lIns="0" rIns="0" tIns="0" bIns="0">
+          <a:bodyPr lIns="0" tIns="0" rIns="0" bIns="0">
             <a:normAutofit/>
           </a:bodyPr>
-          <a:p>
-            <a:endParaRPr b="0" lang="cs-CZ" sz="2800" spc="-1" strike="noStrike">
+          <a:lstStyle/>
+          <a:p>
+            <a:endParaRPr lang="cs-CZ" sz="2800" b="0" strike="noStrike" spc="-1">
               <a:solidFill>
                 <a:srgbClr val="000000"/>
               </a:solidFill>
@@ -1139,11 +1291,12 @@
           </a:prstGeom>
         </p:spPr>
         <p:txBody>
-          <a:bodyPr lIns="0" rIns="0" tIns="0" bIns="0">
+          <a:bodyPr lIns="0" tIns="0" rIns="0" bIns="0">
             <a:normAutofit/>
           </a:bodyPr>
-          <a:p>
-            <a:endParaRPr b="0" lang="cs-CZ" sz="2800" spc="-1" strike="noStrike">
+          <a:lstStyle/>
+          <a:p>
+            <a:endParaRPr lang="cs-CZ" sz="2800" b="0" strike="noStrike" spc="-1">
               <a:solidFill>
                 <a:srgbClr val="000000"/>
               </a:solidFill>
@@ -1154,11 +1307,14 @@
       </p:sp>
     </p:spTree>
   </p:cSld>
+  <p:clrMapOvr>
+    <a:masterClrMapping/>
+  </p:clrMapOvr>
 </p:sldLayout>
 </file>
 
 <file path=ppt/slideLayouts/slideLayout2.xml><?xml version="1.0" encoding="utf-8"?>
-<p:sldLayout xmlns:a="http://schemas.openxmlformats.org/drawingml/2006/main" xmlns:p="http://schemas.openxmlformats.org/presentationml/2006/main" xmlns:r="http://schemas.openxmlformats.org/officeDocument/2006/relationships" xmlns:p14="http://schemas.microsoft.com/office/powerpoint/2010/main" xmlns:p15="http://schemas.microsoft.com/office/powerpoint/2012/main" xmlns:mc="http://schemas.openxmlformats.org/markup-compatibility/2006" type="tx" preserve="1">
+<p:sldLayout xmlns:a="http://schemas.openxmlformats.org/drawingml/2006/main" xmlns:r="http://schemas.openxmlformats.org/officeDocument/2006/relationships" xmlns:p="http://schemas.openxmlformats.org/presentationml/2006/main" type="tx" preserve="1">
   <p:cSld name="Title Slide">
     <p:spTree>
       <p:nvGrpSpPr>
@@ -1194,9 +1350,10 @@
           </a:prstGeom>
         </p:spPr>
         <p:txBody>
-          <a:bodyPr lIns="0" rIns="0" tIns="0" bIns="0" anchor="ctr"/>
-          <a:p>
-            <a:endParaRPr b="0" lang="cs-CZ" sz="1800" spc="-1" strike="noStrike">
+          <a:bodyPr lIns="0" tIns="0" rIns="0" bIns="0" anchor="ctr"/>
+          <a:lstStyle/>
+          <a:p>
+            <a:endParaRPr lang="cs-CZ" sz="1800" b="0" strike="noStrike" spc="-1">
               <a:solidFill>
                 <a:srgbClr val="000000"/>
               </a:solidFill>
@@ -1225,10 +1382,11 @@
           </a:prstGeom>
         </p:spPr>
         <p:txBody>
-          <a:bodyPr lIns="0" rIns="0" tIns="0" bIns="0" anchor="ctr"/>
+          <a:bodyPr lIns="0" tIns="0" rIns="0" bIns="0" anchor="ctr"/>
+          <a:lstStyle/>
           <a:p>
             <a:pPr algn="ctr"/>
-            <a:endParaRPr b="0" lang="cs-CZ" sz="3200" spc="-1" strike="noStrike">
+            <a:endParaRPr lang="cs-CZ" sz="3200" b="0" strike="noStrike" spc="-1">
               <a:latin typeface="Arial"/>
             </a:endParaRPr>
           </a:p>
@@ -1236,11 +1394,14 @@
       </p:sp>
     </p:spTree>
   </p:cSld>
+  <p:clrMapOvr>
+    <a:masterClrMapping/>
+  </p:clrMapOvr>
 </p:sldLayout>
 </file>
 
 <file path=ppt/slideLayouts/slideLayout20.xml><?xml version="1.0" encoding="utf-8"?>
-<p:sldLayout xmlns:a="http://schemas.openxmlformats.org/drawingml/2006/main" xmlns:p="http://schemas.openxmlformats.org/presentationml/2006/main" xmlns:r="http://schemas.openxmlformats.org/officeDocument/2006/relationships" xmlns:p14="http://schemas.microsoft.com/office/powerpoint/2010/main" xmlns:p15="http://schemas.microsoft.com/office/powerpoint/2012/main" xmlns:mc="http://schemas.openxmlformats.org/markup-compatibility/2006" type="objAndTwoObj" preserve="1">
+<p:sldLayout xmlns:a="http://schemas.openxmlformats.org/drawingml/2006/main" xmlns:r="http://schemas.openxmlformats.org/officeDocument/2006/relationships" xmlns:p="http://schemas.openxmlformats.org/presentationml/2006/main" type="objAndTwoObj" preserve="1">
   <p:cSld name="Title Content and 2 Content">
     <p:spTree>
       <p:nvGrpSpPr>
@@ -1276,9 +1437,10 @@
           </a:prstGeom>
         </p:spPr>
         <p:txBody>
-          <a:bodyPr lIns="0" rIns="0" tIns="0" bIns="0" anchor="ctr"/>
-          <a:p>
-            <a:endParaRPr b="0" lang="cs-CZ" sz="1800" spc="-1" strike="noStrike">
+          <a:bodyPr lIns="0" tIns="0" rIns="0" bIns="0" anchor="ctr"/>
+          <a:lstStyle/>
+          <a:p>
+            <a:endParaRPr lang="cs-CZ" sz="1800" b="0" strike="noStrike" spc="-1">
               <a:solidFill>
                 <a:srgbClr val="000000"/>
               </a:solidFill>
@@ -1307,11 +1469,12 @@
           </a:prstGeom>
         </p:spPr>
         <p:txBody>
-          <a:bodyPr lIns="0" rIns="0" tIns="0" bIns="0">
+          <a:bodyPr lIns="0" tIns="0" rIns="0" bIns="0">
             <a:normAutofit/>
           </a:bodyPr>
-          <a:p>
-            <a:endParaRPr b="0" lang="cs-CZ" sz="2800" spc="-1" strike="noStrike">
+          <a:lstStyle/>
+          <a:p>
+            <a:endParaRPr lang="cs-CZ" sz="2800" b="0" strike="noStrike" spc="-1">
               <a:solidFill>
                 <a:srgbClr val="000000"/>
               </a:solidFill>
@@ -1340,11 +1503,12 @@
           </a:prstGeom>
         </p:spPr>
         <p:txBody>
-          <a:bodyPr lIns="0" rIns="0" tIns="0" bIns="0">
+          <a:bodyPr lIns="0" tIns="0" rIns="0" bIns="0">
             <a:normAutofit/>
           </a:bodyPr>
-          <a:p>
-            <a:endParaRPr b="0" lang="cs-CZ" sz="2800" spc="-1" strike="noStrike">
+          <a:lstStyle/>
+          <a:p>
+            <a:endParaRPr lang="cs-CZ" sz="2800" b="0" strike="noStrike" spc="-1">
               <a:solidFill>
                 <a:srgbClr val="000000"/>
               </a:solidFill>
@@ -1373,11 +1537,12 @@
           </a:prstGeom>
         </p:spPr>
         <p:txBody>
-          <a:bodyPr lIns="0" rIns="0" tIns="0" bIns="0">
+          <a:bodyPr lIns="0" tIns="0" rIns="0" bIns="0">
             <a:normAutofit/>
           </a:bodyPr>
-          <a:p>
-            <a:endParaRPr b="0" lang="cs-CZ" sz="2800" spc="-1" strike="noStrike">
+          <a:lstStyle/>
+          <a:p>
+            <a:endParaRPr lang="cs-CZ" sz="2800" b="0" strike="noStrike" spc="-1">
               <a:solidFill>
                 <a:srgbClr val="000000"/>
               </a:solidFill>
@@ -1388,11 +1553,14 @@
       </p:sp>
     </p:spTree>
   </p:cSld>
+  <p:clrMapOvr>
+    <a:masterClrMapping/>
+  </p:clrMapOvr>
 </p:sldLayout>
 </file>
 
 <file path=ppt/slideLayouts/slideLayout21.xml><?xml version="1.0" encoding="utf-8"?>
-<p:sldLayout xmlns:a="http://schemas.openxmlformats.org/drawingml/2006/main" xmlns:p="http://schemas.openxmlformats.org/presentationml/2006/main" xmlns:r="http://schemas.openxmlformats.org/officeDocument/2006/relationships" xmlns:p14="http://schemas.microsoft.com/office/powerpoint/2010/main" xmlns:p15="http://schemas.microsoft.com/office/powerpoint/2012/main" xmlns:mc="http://schemas.openxmlformats.org/markup-compatibility/2006" type="twoObjOverTx" preserve="1">
+<p:sldLayout xmlns:a="http://schemas.openxmlformats.org/drawingml/2006/main" xmlns:r="http://schemas.openxmlformats.org/officeDocument/2006/relationships" xmlns:p="http://schemas.openxmlformats.org/presentationml/2006/main" type="twoObjOverTx" preserve="1">
   <p:cSld name="Title, 2 Content over Content">
     <p:spTree>
       <p:nvGrpSpPr>
@@ -1428,9 +1596,10 @@
           </a:prstGeom>
         </p:spPr>
         <p:txBody>
-          <a:bodyPr lIns="0" rIns="0" tIns="0" bIns="0" anchor="ctr"/>
-          <a:p>
-            <a:endParaRPr b="0" lang="cs-CZ" sz="1800" spc="-1" strike="noStrike">
+          <a:bodyPr lIns="0" tIns="0" rIns="0" bIns="0" anchor="ctr"/>
+          <a:lstStyle/>
+          <a:p>
+            <a:endParaRPr lang="cs-CZ" sz="1800" b="0" strike="noStrike" spc="-1">
               <a:solidFill>
                 <a:srgbClr val="000000"/>
               </a:solidFill>
@@ -1459,11 +1628,12 @@
           </a:prstGeom>
         </p:spPr>
         <p:txBody>
-          <a:bodyPr lIns="0" rIns="0" tIns="0" bIns="0">
+          <a:bodyPr lIns="0" tIns="0" rIns="0" bIns="0">
             <a:normAutofit/>
           </a:bodyPr>
-          <a:p>
-            <a:endParaRPr b="0" lang="cs-CZ" sz="2800" spc="-1" strike="noStrike">
+          <a:lstStyle/>
+          <a:p>
+            <a:endParaRPr lang="cs-CZ" sz="2800" b="0" strike="noStrike" spc="-1">
               <a:solidFill>
                 <a:srgbClr val="000000"/>
               </a:solidFill>
@@ -1492,11 +1662,12 @@
           </a:prstGeom>
         </p:spPr>
         <p:txBody>
-          <a:bodyPr lIns="0" rIns="0" tIns="0" bIns="0">
+          <a:bodyPr lIns="0" tIns="0" rIns="0" bIns="0">
             <a:normAutofit/>
           </a:bodyPr>
-          <a:p>
-            <a:endParaRPr b="0" lang="cs-CZ" sz="2800" spc="-1" strike="noStrike">
+          <a:lstStyle/>
+          <a:p>
+            <a:endParaRPr lang="cs-CZ" sz="2800" b="0" strike="noStrike" spc="-1">
               <a:solidFill>
                 <a:srgbClr val="000000"/>
               </a:solidFill>
@@ -1525,11 +1696,12 @@
           </a:prstGeom>
         </p:spPr>
         <p:txBody>
-          <a:bodyPr lIns="0" rIns="0" tIns="0" bIns="0">
+          <a:bodyPr lIns="0" tIns="0" rIns="0" bIns="0">
             <a:normAutofit/>
           </a:bodyPr>
-          <a:p>
-            <a:endParaRPr b="0" lang="cs-CZ" sz="2800" spc="-1" strike="noStrike">
+          <a:lstStyle/>
+          <a:p>
+            <a:endParaRPr lang="cs-CZ" sz="2800" b="0" strike="noStrike" spc="-1">
               <a:solidFill>
                 <a:srgbClr val="000000"/>
               </a:solidFill>
@@ -1540,11 +1712,14 @@
       </p:sp>
     </p:spTree>
   </p:cSld>
+  <p:clrMapOvr>
+    <a:masterClrMapping/>
+  </p:clrMapOvr>
 </p:sldLayout>
 </file>
 
 <file path=ppt/slideLayouts/slideLayout22.xml><?xml version="1.0" encoding="utf-8"?>
-<p:sldLayout xmlns:a="http://schemas.openxmlformats.org/drawingml/2006/main" xmlns:p="http://schemas.openxmlformats.org/presentationml/2006/main" xmlns:r="http://schemas.openxmlformats.org/officeDocument/2006/relationships" xmlns:p14="http://schemas.microsoft.com/office/powerpoint/2010/main" xmlns:p15="http://schemas.microsoft.com/office/powerpoint/2012/main" xmlns:mc="http://schemas.openxmlformats.org/markup-compatibility/2006" type="objOverTx" preserve="1">
+<p:sldLayout xmlns:a="http://schemas.openxmlformats.org/drawingml/2006/main" xmlns:r="http://schemas.openxmlformats.org/officeDocument/2006/relationships" xmlns:p="http://schemas.openxmlformats.org/presentationml/2006/main" type="objOverTx" preserve="1">
   <p:cSld name="Title, Content over Content">
     <p:spTree>
       <p:nvGrpSpPr>
@@ -1580,9 +1755,10 @@
           </a:prstGeom>
         </p:spPr>
         <p:txBody>
-          <a:bodyPr lIns="0" rIns="0" tIns="0" bIns="0" anchor="ctr"/>
-          <a:p>
-            <a:endParaRPr b="0" lang="cs-CZ" sz="1800" spc="-1" strike="noStrike">
+          <a:bodyPr lIns="0" tIns="0" rIns="0" bIns="0" anchor="ctr"/>
+          <a:lstStyle/>
+          <a:p>
+            <a:endParaRPr lang="cs-CZ" sz="1800" b="0" strike="noStrike" spc="-1">
               <a:solidFill>
                 <a:srgbClr val="000000"/>
               </a:solidFill>
@@ -1611,11 +1787,12 @@
           </a:prstGeom>
         </p:spPr>
         <p:txBody>
-          <a:bodyPr lIns="0" rIns="0" tIns="0" bIns="0">
+          <a:bodyPr lIns="0" tIns="0" rIns="0" bIns="0">
             <a:normAutofit/>
           </a:bodyPr>
-          <a:p>
-            <a:endParaRPr b="0" lang="cs-CZ" sz="2800" spc="-1" strike="noStrike">
+          <a:lstStyle/>
+          <a:p>
+            <a:endParaRPr lang="cs-CZ" sz="2800" b="0" strike="noStrike" spc="-1">
               <a:solidFill>
                 <a:srgbClr val="000000"/>
               </a:solidFill>
@@ -1644,11 +1821,12 @@
           </a:prstGeom>
         </p:spPr>
         <p:txBody>
-          <a:bodyPr lIns="0" rIns="0" tIns="0" bIns="0">
+          <a:bodyPr lIns="0" tIns="0" rIns="0" bIns="0">
             <a:normAutofit/>
           </a:bodyPr>
-          <a:p>
-            <a:endParaRPr b="0" lang="cs-CZ" sz="2800" spc="-1" strike="noStrike">
+          <a:lstStyle/>
+          <a:p>
+            <a:endParaRPr lang="cs-CZ" sz="2800" b="0" strike="noStrike" spc="-1">
               <a:solidFill>
                 <a:srgbClr val="000000"/>
               </a:solidFill>
@@ -1659,11 +1837,14 @@
       </p:sp>
     </p:spTree>
   </p:cSld>
+  <p:clrMapOvr>
+    <a:masterClrMapping/>
+  </p:clrMapOvr>
 </p:sldLayout>
 </file>
 
 <file path=ppt/slideLayouts/slideLayout23.xml><?xml version="1.0" encoding="utf-8"?>
-<p:sldLayout xmlns:a="http://schemas.openxmlformats.org/drawingml/2006/main" xmlns:p="http://schemas.openxmlformats.org/presentationml/2006/main" xmlns:r="http://schemas.openxmlformats.org/officeDocument/2006/relationships" xmlns:p14="http://schemas.microsoft.com/office/powerpoint/2010/main" xmlns:p15="http://schemas.microsoft.com/office/powerpoint/2012/main" xmlns:mc="http://schemas.openxmlformats.org/markup-compatibility/2006" type="fourObj" preserve="1">
+<p:sldLayout xmlns:a="http://schemas.openxmlformats.org/drawingml/2006/main" xmlns:r="http://schemas.openxmlformats.org/officeDocument/2006/relationships" xmlns:p="http://schemas.openxmlformats.org/presentationml/2006/main" type="fourObj" preserve="1">
   <p:cSld name="Title, 4 Content">
     <p:spTree>
       <p:nvGrpSpPr>
@@ -1699,9 +1880,10 @@
           </a:prstGeom>
         </p:spPr>
         <p:txBody>
-          <a:bodyPr lIns="0" rIns="0" tIns="0" bIns="0" anchor="ctr"/>
-          <a:p>
-            <a:endParaRPr b="0" lang="cs-CZ" sz="1800" spc="-1" strike="noStrike">
+          <a:bodyPr lIns="0" tIns="0" rIns="0" bIns="0" anchor="ctr"/>
+          <a:lstStyle/>
+          <a:p>
+            <a:endParaRPr lang="cs-CZ" sz="1800" b="0" strike="noStrike" spc="-1">
               <a:solidFill>
                 <a:srgbClr val="000000"/>
               </a:solidFill>
@@ -1730,11 +1912,12 @@
           </a:prstGeom>
         </p:spPr>
         <p:txBody>
-          <a:bodyPr lIns="0" rIns="0" tIns="0" bIns="0">
+          <a:bodyPr lIns="0" tIns="0" rIns="0" bIns="0">
             <a:normAutofit/>
           </a:bodyPr>
-          <a:p>
-            <a:endParaRPr b="0" lang="cs-CZ" sz="2800" spc="-1" strike="noStrike">
+          <a:lstStyle/>
+          <a:p>
+            <a:endParaRPr lang="cs-CZ" sz="2800" b="0" strike="noStrike" spc="-1">
               <a:solidFill>
                 <a:srgbClr val="000000"/>
               </a:solidFill>
@@ -1763,11 +1946,12 @@
           </a:prstGeom>
         </p:spPr>
         <p:txBody>
-          <a:bodyPr lIns="0" rIns="0" tIns="0" bIns="0">
+          <a:bodyPr lIns="0" tIns="0" rIns="0" bIns="0">
             <a:normAutofit/>
           </a:bodyPr>
-          <a:p>
-            <a:endParaRPr b="0" lang="cs-CZ" sz="2800" spc="-1" strike="noStrike">
+          <a:lstStyle/>
+          <a:p>
+            <a:endParaRPr lang="cs-CZ" sz="2800" b="0" strike="noStrike" spc="-1">
               <a:solidFill>
                 <a:srgbClr val="000000"/>
               </a:solidFill>
@@ -1796,11 +1980,12 @@
           </a:prstGeom>
         </p:spPr>
         <p:txBody>
-          <a:bodyPr lIns="0" rIns="0" tIns="0" bIns="0">
+          <a:bodyPr lIns="0" tIns="0" rIns="0" bIns="0">
             <a:normAutofit/>
           </a:bodyPr>
-          <a:p>
-            <a:endParaRPr b="0" lang="cs-CZ" sz="2800" spc="-1" strike="noStrike">
+          <a:lstStyle/>
+          <a:p>
+            <a:endParaRPr lang="cs-CZ" sz="2800" b="0" strike="noStrike" spc="-1">
               <a:solidFill>
                 <a:srgbClr val="000000"/>
               </a:solidFill>
@@ -1829,11 +2014,12 @@
           </a:prstGeom>
         </p:spPr>
         <p:txBody>
-          <a:bodyPr lIns="0" rIns="0" tIns="0" bIns="0">
+          <a:bodyPr lIns="0" tIns="0" rIns="0" bIns="0">
             <a:normAutofit/>
           </a:bodyPr>
-          <a:p>
-            <a:endParaRPr b="0" lang="cs-CZ" sz="2800" spc="-1" strike="noStrike">
+          <a:lstStyle/>
+          <a:p>
+            <a:endParaRPr lang="cs-CZ" sz="2800" b="0" strike="noStrike" spc="-1">
               <a:solidFill>
                 <a:srgbClr val="000000"/>
               </a:solidFill>
@@ -1844,11 +2030,14 @@
       </p:sp>
     </p:spTree>
   </p:cSld>
+  <p:clrMapOvr>
+    <a:masterClrMapping/>
+  </p:clrMapOvr>
 </p:sldLayout>
 </file>
 
 <file path=ppt/slideLayouts/slideLayout24.xml><?xml version="1.0" encoding="utf-8"?>
-<p:sldLayout xmlns:a="http://schemas.openxmlformats.org/drawingml/2006/main" xmlns:p="http://schemas.openxmlformats.org/presentationml/2006/main" xmlns:r="http://schemas.openxmlformats.org/officeDocument/2006/relationships" xmlns:p14="http://schemas.microsoft.com/office/powerpoint/2010/main" xmlns:p15="http://schemas.microsoft.com/office/powerpoint/2012/main" xmlns:mc="http://schemas.openxmlformats.org/markup-compatibility/2006" type="blank" preserve="1">
+<p:sldLayout xmlns:a="http://schemas.openxmlformats.org/drawingml/2006/main" xmlns:r="http://schemas.openxmlformats.org/officeDocument/2006/relationships" xmlns:p="http://schemas.openxmlformats.org/presentationml/2006/main" type="blank" preserve="1">
   <p:cSld name="Title, 6 Content">
     <p:spTree>
       <p:nvGrpSpPr>
@@ -1884,9 +2073,10 @@
           </a:prstGeom>
         </p:spPr>
         <p:txBody>
-          <a:bodyPr lIns="0" rIns="0" tIns="0" bIns="0" anchor="ctr"/>
-          <a:p>
-            <a:endParaRPr b="0" lang="cs-CZ" sz="1800" spc="-1" strike="noStrike">
+          <a:bodyPr lIns="0" tIns="0" rIns="0" bIns="0" anchor="ctr"/>
+          <a:lstStyle/>
+          <a:p>
+            <a:endParaRPr lang="cs-CZ" sz="1800" b="0" strike="noStrike" spc="-1">
               <a:solidFill>
                 <a:srgbClr val="000000"/>
               </a:solidFill>
@@ -1915,11 +2105,12 @@
           </a:prstGeom>
         </p:spPr>
         <p:txBody>
-          <a:bodyPr lIns="0" rIns="0" tIns="0" bIns="0">
+          <a:bodyPr lIns="0" tIns="0" rIns="0" bIns="0">
             <a:normAutofit/>
           </a:bodyPr>
-          <a:p>
-            <a:endParaRPr b="0" lang="cs-CZ" sz="2800" spc="-1" strike="noStrike">
+          <a:lstStyle/>
+          <a:p>
+            <a:endParaRPr lang="cs-CZ" sz="2800" b="0" strike="noStrike" spc="-1">
               <a:solidFill>
                 <a:srgbClr val="000000"/>
               </a:solidFill>
@@ -1948,11 +2139,12 @@
           </a:prstGeom>
         </p:spPr>
         <p:txBody>
-          <a:bodyPr lIns="0" rIns="0" tIns="0" bIns="0">
+          <a:bodyPr lIns="0" tIns="0" rIns="0" bIns="0">
             <a:normAutofit/>
           </a:bodyPr>
-          <a:p>
-            <a:endParaRPr b="0" lang="cs-CZ" sz="2800" spc="-1" strike="noStrike">
+          <a:lstStyle/>
+          <a:p>
+            <a:endParaRPr lang="cs-CZ" sz="2800" b="0" strike="noStrike" spc="-1">
               <a:solidFill>
                 <a:srgbClr val="000000"/>
               </a:solidFill>
@@ -1981,11 +2173,12 @@
           </a:prstGeom>
         </p:spPr>
         <p:txBody>
-          <a:bodyPr lIns="0" rIns="0" tIns="0" bIns="0">
+          <a:bodyPr lIns="0" tIns="0" rIns="0" bIns="0">
             <a:normAutofit/>
           </a:bodyPr>
-          <a:p>
-            <a:endParaRPr b="0" lang="cs-CZ" sz="2800" spc="-1" strike="noStrike">
+          <a:lstStyle/>
+          <a:p>
+            <a:endParaRPr lang="cs-CZ" sz="2800" b="0" strike="noStrike" spc="-1">
               <a:solidFill>
                 <a:srgbClr val="000000"/>
               </a:solidFill>
@@ -2014,11 +2207,12 @@
           </a:prstGeom>
         </p:spPr>
         <p:txBody>
-          <a:bodyPr lIns="0" rIns="0" tIns="0" bIns="0">
+          <a:bodyPr lIns="0" tIns="0" rIns="0" bIns="0">
             <a:normAutofit/>
           </a:bodyPr>
-          <a:p>
-            <a:endParaRPr b="0" lang="cs-CZ" sz="2800" spc="-1" strike="noStrike">
+          <a:lstStyle/>
+          <a:p>
+            <a:endParaRPr lang="cs-CZ" sz="2800" b="0" strike="noStrike" spc="-1">
               <a:solidFill>
                 <a:srgbClr val="000000"/>
               </a:solidFill>
@@ -2047,11 +2241,12 @@
           </a:prstGeom>
         </p:spPr>
         <p:txBody>
-          <a:bodyPr lIns="0" rIns="0" tIns="0" bIns="0">
+          <a:bodyPr lIns="0" tIns="0" rIns="0" bIns="0">
             <a:normAutofit/>
           </a:bodyPr>
-          <a:p>
-            <a:endParaRPr b="0" lang="cs-CZ" sz="2800" spc="-1" strike="noStrike">
+          <a:lstStyle/>
+          <a:p>
+            <a:endParaRPr lang="cs-CZ" sz="2800" b="0" strike="noStrike" spc="-1">
               <a:solidFill>
                 <a:srgbClr val="000000"/>
               </a:solidFill>
@@ -2080,11 +2275,12 @@
           </a:prstGeom>
         </p:spPr>
         <p:txBody>
-          <a:bodyPr lIns="0" rIns="0" tIns="0" bIns="0">
+          <a:bodyPr lIns="0" tIns="0" rIns="0" bIns="0">
             <a:normAutofit/>
           </a:bodyPr>
-          <a:p>
-            <a:endParaRPr b="0" lang="cs-CZ" sz="2800" spc="-1" strike="noStrike">
+          <a:lstStyle/>
+          <a:p>
+            <a:endParaRPr lang="cs-CZ" sz="2800" b="0" strike="noStrike" spc="-1">
               <a:solidFill>
                 <a:srgbClr val="000000"/>
               </a:solidFill>
@@ -2095,11 +2291,14 @@
       </p:sp>
     </p:spTree>
   </p:cSld>
+  <p:clrMapOvr>
+    <a:masterClrMapping/>
+  </p:clrMapOvr>
 </p:sldLayout>
 </file>
 
 <file path=ppt/slideLayouts/slideLayout3.xml><?xml version="1.0" encoding="utf-8"?>
-<p:sldLayout xmlns:a="http://schemas.openxmlformats.org/drawingml/2006/main" xmlns:p="http://schemas.openxmlformats.org/presentationml/2006/main" xmlns:r="http://schemas.openxmlformats.org/officeDocument/2006/relationships" xmlns:p14="http://schemas.microsoft.com/office/powerpoint/2010/main" xmlns:p15="http://schemas.microsoft.com/office/powerpoint/2012/main" xmlns:mc="http://schemas.openxmlformats.org/markup-compatibility/2006" type="obj" preserve="1">
+<p:sldLayout xmlns:a="http://schemas.openxmlformats.org/drawingml/2006/main" xmlns:r="http://schemas.openxmlformats.org/officeDocument/2006/relationships" xmlns:p="http://schemas.openxmlformats.org/presentationml/2006/main" type="obj" preserve="1">
   <p:cSld name="Title, Content">
     <p:spTree>
       <p:nvGrpSpPr>
@@ -2135,9 +2334,10 @@
           </a:prstGeom>
         </p:spPr>
         <p:txBody>
-          <a:bodyPr lIns="0" rIns="0" tIns="0" bIns="0" anchor="ctr"/>
-          <a:p>
-            <a:endParaRPr b="0" lang="cs-CZ" sz="1800" spc="-1" strike="noStrike">
+          <a:bodyPr lIns="0" tIns="0" rIns="0" bIns="0" anchor="ctr"/>
+          <a:lstStyle/>
+          <a:p>
+            <a:endParaRPr lang="cs-CZ" sz="1800" b="0" strike="noStrike" spc="-1">
               <a:solidFill>
                 <a:srgbClr val="000000"/>
               </a:solidFill>
@@ -2166,11 +2366,12 @@
           </a:prstGeom>
         </p:spPr>
         <p:txBody>
-          <a:bodyPr lIns="0" rIns="0" tIns="0" bIns="0">
+          <a:bodyPr lIns="0" tIns="0" rIns="0" bIns="0">
             <a:normAutofit/>
           </a:bodyPr>
-          <a:p>
-            <a:endParaRPr b="0" lang="cs-CZ" sz="2800" spc="-1" strike="noStrike">
+          <a:lstStyle/>
+          <a:p>
+            <a:endParaRPr lang="cs-CZ" sz="2800" b="0" strike="noStrike" spc="-1">
               <a:solidFill>
                 <a:srgbClr val="000000"/>
               </a:solidFill>
@@ -2181,11 +2382,14 @@
       </p:sp>
     </p:spTree>
   </p:cSld>
+  <p:clrMapOvr>
+    <a:masterClrMapping/>
+  </p:clrMapOvr>
 </p:sldLayout>
 </file>
 
 <file path=ppt/slideLayouts/slideLayout4.xml><?xml version="1.0" encoding="utf-8"?>
-<p:sldLayout xmlns:a="http://schemas.openxmlformats.org/drawingml/2006/main" xmlns:p="http://schemas.openxmlformats.org/presentationml/2006/main" xmlns:r="http://schemas.openxmlformats.org/officeDocument/2006/relationships" xmlns:p14="http://schemas.microsoft.com/office/powerpoint/2010/main" xmlns:p15="http://schemas.microsoft.com/office/powerpoint/2012/main" xmlns:mc="http://schemas.openxmlformats.org/markup-compatibility/2006" type="twoObj" preserve="1">
+<p:sldLayout xmlns:a="http://schemas.openxmlformats.org/drawingml/2006/main" xmlns:r="http://schemas.openxmlformats.org/officeDocument/2006/relationships" xmlns:p="http://schemas.openxmlformats.org/presentationml/2006/main" type="twoObj" preserve="1">
   <p:cSld name="Title, 2 Content">
     <p:spTree>
       <p:nvGrpSpPr>
@@ -2221,9 +2425,10 @@
           </a:prstGeom>
         </p:spPr>
         <p:txBody>
-          <a:bodyPr lIns="0" rIns="0" tIns="0" bIns="0" anchor="ctr"/>
-          <a:p>
-            <a:endParaRPr b="0" lang="cs-CZ" sz="1800" spc="-1" strike="noStrike">
+          <a:bodyPr lIns="0" tIns="0" rIns="0" bIns="0" anchor="ctr"/>
+          <a:lstStyle/>
+          <a:p>
+            <a:endParaRPr lang="cs-CZ" sz="1800" b="0" strike="noStrike" spc="-1">
               <a:solidFill>
                 <a:srgbClr val="000000"/>
               </a:solidFill>
@@ -2252,11 +2457,12 @@
           </a:prstGeom>
         </p:spPr>
         <p:txBody>
-          <a:bodyPr lIns="0" rIns="0" tIns="0" bIns="0">
+          <a:bodyPr lIns="0" tIns="0" rIns="0" bIns="0">
             <a:normAutofit/>
           </a:bodyPr>
-          <a:p>
-            <a:endParaRPr b="0" lang="cs-CZ" sz="2800" spc="-1" strike="noStrike">
+          <a:lstStyle/>
+          <a:p>
+            <a:endParaRPr lang="cs-CZ" sz="2800" b="0" strike="noStrike" spc="-1">
               <a:solidFill>
                 <a:srgbClr val="000000"/>
               </a:solidFill>
@@ -2285,11 +2491,12 @@
           </a:prstGeom>
         </p:spPr>
         <p:txBody>
-          <a:bodyPr lIns="0" rIns="0" tIns="0" bIns="0">
+          <a:bodyPr lIns="0" tIns="0" rIns="0" bIns="0">
             <a:normAutofit/>
           </a:bodyPr>
-          <a:p>
-            <a:endParaRPr b="0" lang="cs-CZ" sz="2800" spc="-1" strike="noStrike">
+          <a:lstStyle/>
+          <a:p>
+            <a:endParaRPr lang="cs-CZ" sz="2800" b="0" strike="noStrike" spc="-1">
               <a:solidFill>
                 <a:srgbClr val="000000"/>
               </a:solidFill>
@@ -2300,11 +2507,14 @@
       </p:sp>
     </p:spTree>
   </p:cSld>
+  <p:clrMapOvr>
+    <a:masterClrMapping/>
+  </p:clrMapOvr>
 </p:sldLayout>
 </file>
 
 <file path=ppt/slideLayouts/slideLayout5.xml><?xml version="1.0" encoding="utf-8"?>
-<p:sldLayout xmlns:a="http://schemas.openxmlformats.org/drawingml/2006/main" xmlns:p="http://schemas.openxmlformats.org/presentationml/2006/main" xmlns:r="http://schemas.openxmlformats.org/officeDocument/2006/relationships" xmlns:p14="http://schemas.microsoft.com/office/powerpoint/2010/main" xmlns:p15="http://schemas.microsoft.com/office/powerpoint/2012/main" xmlns:mc="http://schemas.openxmlformats.org/markup-compatibility/2006" type="titleOnly" preserve="1">
+<p:sldLayout xmlns:a="http://schemas.openxmlformats.org/drawingml/2006/main" xmlns:r="http://schemas.openxmlformats.org/officeDocument/2006/relationships" xmlns:p="http://schemas.openxmlformats.org/presentationml/2006/main" type="titleOnly" preserve="1">
   <p:cSld name="Title Only">
     <p:spTree>
       <p:nvGrpSpPr>
@@ -2340,9 +2550,10 @@
           </a:prstGeom>
         </p:spPr>
         <p:txBody>
-          <a:bodyPr lIns="0" rIns="0" tIns="0" bIns="0" anchor="ctr"/>
-          <a:p>
-            <a:endParaRPr b="0" lang="cs-CZ" sz="1800" spc="-1" strike="noStrike">
+          <a:bodyPr lIns="0" tIns="0" rIns="0" bIns="0" anchor="ctr"/>
+          <a:lstStyle/>
+          <a:p>
+            <a:endParaRPr lang="cs-CZ" sz="1800" b="0" strike="noStrike" spc="-1">
               <a:solidFill>
                 <a:srgbClr val="000000"/>
               </a:solidFill>
@@ -2353,11 +2564,14 @@
       </p:sp>
     </p:spTree>
   </p:cSld>
+  <p:clrMapOvr>
+    <a:masterClrMapping/>
+  </p:clrMapOvr>
 </p:sldLayout>
 </file>
 
 <file path=ppt/slideLayouts/slideLayout6.xml><?xml version="1.0" encoding="utf-8"?>
-<p:sldLayout xmlns:a="http://schemas.openxmlformats.org/drawingml/2006/main" xmlns:p="http://schemas.openxmlformats.org/presentationml/2006/main" xmlns:r="http://schemas.openxmlformats.org/officeDocument/2006/relationships" xmlns:p14="http://schemas.microsoft.com/office/powerpoint/2010/main" xmlns:p15="http://schemas.microsoft.com/office/powerpoint/2012/main" xmlns:mc="http://schemas.openxmlformats.org/markup-compatibility/2006" type="objOnly" preserve="1">
+<p:sldLayout xmlns:a="http://schemas.openxmlformats.org/drawingml/2006/main" xmlns:r="http://schemas.openxmlformats.org/officeDocument/2006/relationships" xmlns:p="http://schemas.openxmlformats.org/presentationml/2006/main" type="objOnly" preserve="1">
   <p:cSld name="Centered Text">
     <p:spTree>
       <p:nvGrpSpPr>
@@ -2393,10 +2607,11 @@
           </a:prstGeom>
         </p:spPr>
         <p:txBody>
-          <a:bodyPr lIns="0" rIns="0" tIns="0" bIns="0" anchor="ctr"/>
+          <a:bodyPr lIns="0" tIns="0" rIns="0" bIns="0" anchor="ctr"/>
+          <a:lstStyle/>
           <a:p>
             <a:pPr algn="ctr"/>
-            <a:endParaRPr b="0" lang="cs-CZ" sz="3200" spc="-1" strike="noStrike">
+            <a:endParaRPr lang="cs-CZ" sz="3200" b="0" strike="noStrike" spc="-1">
               <a:latin typeface="Arial"/>
             </a:endParaRPr>
           </a:p>
@@ -2404,11 +2619,14 @@
       </p:sp>
     </p:spTree>
   </p:cSld>
+  <p:clrMapOvr>
+    <a:masterClrMapping/>
+  </p:clrMapOvr>
 </p:sldLayout>
 </file>
 
 <file path=ppt/slideLayouts/slideLayout7.xml><?xml version="1.0" encoding="utf-8"?>
-<p:sldLayout xmlns:a="http://schemas.openxmlformats.org/drawingml/2006/main" xmlns:p="http://schemas.openxmlformats.org/presentationml/2006/main" xmlns:r="http://schemas.openxmlformats.org/officeDocument/2006/relationships" xmlns:p14="http://schemas.microsoft.com/office/powerpoint/2010/main" xmlns:p15="http://schemas.microsoft.com/office/powerpoint/2012/main" xmlns:mc="http://schemas.openxmlformats.org/markup-compatibility/2006" type="twoObjAndObj" preserve="1">
+<p:sldLayout xmlns:a="http://schemas.openxmlformats.org/drawingml/2006/main" xmlns:r="http://schemas.openxmlformats.org/officeDocument/2006/relationships" xmlns:p="http://schemas.openxmlformats.org/presentationml/2006/main" type="twoObjAndObj" preserve="1">
   <p:cSld name="Title, 2 Content and Content">
     <p:spTree>
       <p:nvGrpSpPr>
@@ -2444,9 +2662,10 @@
           </a:prstGeom>
         </p:spPr>
         <p:txBody>
-          <a:bodyPr lIns="0" rIns="0" tIns="0" bIns="0" anchor="ctr"/>
-          <a:p>
-            <a:endParaRPr b="0" lang="cs-CZ" sz="1800" spc="-1" strike="noStrike">
+          <a:bodyPr lIns="0" tIns="0" rIns="0" bIns="0" anchor="ctr"/>
+          <a:lstStyle/>
+          <a:p>
+            <a:endParaRPr lang="cs-CZ" sz="1800" b="0" strike="noStrike" spc="-1">
               <a:solidFill>
                 <a:srgbClr val="000000"/>
               </a:solidFill>
@@ -2475,11 +2694,12 @@
           </a:prstGeom>
         </p:spPr>
         <p:txBody>
-          <a:bodyPr lIns="0" rIns="0" tIns="0" bIns="0">
+          <a:bodyPr lIns="0" tIns="0" rIns="0" bIns="0">
             <a:normAutofit/>
           </a:bodyPr>
-          <a:p>
-            <a:endParaRPr b="0" lang="cs-CZ" sz="2800" spc="-1" strike="noStrike">
+          <a:lstStyle/>
+          <a:p>
+            <a:endParaRPr lang="cs-CZ" sz="2800" b="0" strike="noStrike" spc="-1">
               <a:solidFill>
                 <a:srgbClr val="000000"/>
               </a:solidFill>
@@ -2508,11 +2728,12 @@
           </a:prstGeom>
         </p:spPr>
         <p:txBody>
-          <a:bodyPr lIns="0" rIns="0" tIns="0" bIns="0">
+          <a:bodyPr lIns="0" tIns="0" rIns="0" bIns="0">
             <a:normAutofit/>
           </a:bodyPr>
-          <a:p>
-            <a:endParaRPr b="0" lang="cs-CZ" sz="2800" spc="-1" strike="noStrike">
+          <a:lstStyle/>
+          <a:p>
+            <a:endParaRPr lang="cs-CZ" sz="2800" b="0" strike="noStrike" spc="-1">
               <a:solidFill>
                 <a:srgbClr val="000000"/>
               </a:solidFill>
@@ -2541,11 +2762,12 @@
           </a:prstGeom>
         </p:spPr>
         <p:txBody>
-          <a:bodyPr lIns="0" rIns="0" tIns="0" bIns="0">
+          <a:bodyPr lIns="0" tIns="0" rIns="0" bIns="0">
             <a:normAutofit/>
           </a:bodyPr>
-          <a:p>
-            <a:endParaRPr b="0" lang="cs-CZ" sz="2800" spc="-1" strike="noStrike">
+          <a:lstStyle/>
+          <a:p>
+            <a:endParaRPr lang="cs-CZ" sz="2800" b="0" strike="noStrike" spc="-1">
               <a:solidFill>
                 <a:srgbClr val="000000"/>
               </a:solidFill>
@@ -2556,11 +2778,14 @@
       </p:sp>
     </p:spTree>
   </p:cSld>
+  <p:clrMapOvr>
+    <a:masterClrMapping/>
+  </p:clrMapOvr>
 </p:sldLayout>
 </file>
 
 <file path=ppt/slideLayouts/slideLayout8.xml><?xml version="1.0" encoding="utf-8"?>
-<p:sldLayout xmlns:a="http://schemas.openxmlformats.org/drawingml/2006/main" xmlns:p="http://schemas.openxmlformats.org/presentationml/2006/main" xmlns:r="http://schemas.openxmlformats.org/officeDocument/2006/relationships" xmlns:p14="http://schemas.microsoft.com/office/powerpoint/2010/main" xmlns:p15="http://schemas.microsoft.com/office/powerpoint/2012/main" xmlns:mc="http://schemas.openxmlformats.org/markup-compatibility/2006" type="objAndTwoObj" preserve="1">
+<p:sldLayout xmlns:a="http://schemas.openxmlformats.org/drawingml/2006/main" xmlns:r="http://schemas.openxmlformats.org/officeDocument/2006/relationships" xmlns:p="http://schemas.openxmlformats.org/presentationml/2006/main" type="objAndTwoObj" preserve="1">
   <p:cSld name="Title Content and 2 Content">
     <p:spTree>
       <p:nvGrpSpPr>
@@ -2596,9 +2821,10 @@
           </a:prstGeom>
         </p:spPr>
         <p:txBody>
-          <a:bodyPr lIns="0" rIns="0" tIns="0" bIns="0" anchor="ctr"/>
-          <a:p>
-            <a:endParaRPr b="0" lang="cs-CZ" sz="1800" spc="-1" strike="noStrike">
+          <a:bodyPr lIns="0" tIns="0" rIns="0" bIns="0" anchor="ctr"/>
+          <a:lstStyle/>
+          <a:p>
+            <a:endParaRPr lang="cs-CZ" sz="1800" b="0" strike="noStrike" spc="-1">
               <a:solidFill>
                 <a:srgbClr val="000000"/>
               </a:solidFill>
@@ -2627,11 +2853,12 @@
           </a:prstGeom>
         </p:spPr>
         <p:txBody>
-          <a:bodyPr lIns="0" rIns="0" tIns="0" bIns="0">
+          <a:bodyPr lIns="0" tIns="0" rIns="0" bIns="0">
             <a:normAutofit/>
           </a:bodyPr>
-          <a:p>
-            <a:endParaRPr b="0" lang="cs-CZ" sz="2800" spc="-1" strike="noStrike">
+          <a:lstStyle/>
+          <a:p>
+            <a:endParaRPr lang="cs-CZ" sz="2800" b="0" strike="noStrike" spc="-1">
               <a:solidFill>
                 <a:srgbClr val="000000"/>
               </a:solidFill>
@@ -2660,11 +2887,12 @@
           </a:prstGeom>
         </p:spPr>
         <p:txBody>
-          <a:bodyPr lIns="0" rIns="0" tIns="0" bIns="0">
+          <a:bodyPr lIns="0" tIns="0" rIns="0" bIns="0">
             <a:normAutofit/>
           </a:bodyPr>
-          <a:p>
-            <a:endParaRPr b="0" lang="cs-CZ" sz="2800" spc="-1" strike="noStrike">
+          <a:lstStyle/>
+          <a:p>
+            <a:endParaRPr lang="cs-CZ" sz="2800" b="0" strike="noStrike" spc="-1">
               <a:solidFill>
                 <a:srgbClr val="000000"/>
               </a:solidFill>
@@ -2693,11 +2921,12 @@
           </a:prstGeom>
         </p:spPr>
         <p:txBody>
-          <a:bodyPr lIns="0" rIns="0" tIns="0" bIns="0">
+          <a:bodyPr lIns="0" tIns="0" rIns="0" bIns="0">
             <a:normAutofit/>
           </a:bodyPr>
-          <a:p>
-            <a:endParaRPr b="0" lang="cs-CZ" sz="2800" spc="-1" strike="noStrike">
+          <a:lstStyle/>
+          <a:p>
+            <a:endParaRPr lang="cs-CZ" sz="2800" b="0" strike="noStrike" spc="-1">
               <a:solidFill>
                 <a:srgbClr val="000000"/>
               </a:solidFill>
@@ -2708,11 +2937,14 @@
       </p:sp>
     </p:spTree>
   </p:cSld>
+  <p:clrMapOvr>
+    <a:masterClrMapping/>
+  </p:clrMapOvr>
 </p:sldLayout>
 </file>
 
 <file path=ppt/slideLayouts/slideLayout9.xml><?xml version="1.0" encoding="utf-8"?>
-<p:sldLayout xmlns:a="http://schemas.openxmlformats.org/drawingml/2006/main" xmlns:p="http://schemas.openxmlformats.org/presentationml/2006/main" xmlns:r="http://schemas.openxmlformats.org/officeDocument/2006/relationships" xmlns:p14="http://schemas.microsoft.com/office/powerpoint/2010/main" xmlns:p15="http://schemas.microsoft.com/office/powerpoint/2012/main" xmlns:mc="http://schemas.openxmlformats.org/markup-compatibility/2006" type="twoObjOverTx" preserve="1">
+<p:sldLayout xmlns:a="http://schemas.openxmlformats.org/drawingml/2006/main" xmlns:r="http://schemas.openxmlformats.org/officeDocument/2006/relationships" xmlns:p="http://schemas.openxmlformats.org/presentationml/2006/main" type="twoObjOverTx" preserve="1">
   <p:cSld name="Title, 2 Content over Content">
     <p:spTree>
       <p:nvGrpSpPr>
@@ -2748,9 +2980,10 @@
           </a:prstGeom>
         </p:spPr>
         <p:txBody>
-          <a:bodyPr lIns="0" rIns="0" tIns="0" bIns="0" anchor="ctr"/>
-          <a:p>
-            <a:endParaRPr b="0" lang="cs-CZ" sz="1800" spc="-1" strike="noStrike">
+          <a:bodyPr lIns="0" tIns="0" rIns="0" bIns="0" anchor="ctr"/>
+          <a:lstStyle/>
+          <a:p>
+            <a:endParaRPr lang="cs-CZ" sz="1800" b="0" strike="noStrike" spc="-1">
               <a:solidFill>
                 <a:srgbClr val="000000"/>
               </a:solidFill>
@@ -2779,11 +3012,12 @@
           </a:prstGeom>
         </p:spPr>
         <p:txBody>
-          <a:bodyPr lIns="0" rIns="0" tIns="0" bIns="0">
+          <a:bodyPr lIns="0" tIns="0" rIns="0" bIns="0">
             <a:normAutofit/>
           </a:bodyPr>
-          <a:p>
-            <a:endParaRPr b="0" lang="cs-CZ" sz="2800" spc="-1" strike="noStrike">
+          <a:lstStyle/>
+          <a:p>
+            <a:endParaRPr lang="cs-CZ" sz="2800" b="0" strike="noStrike" spc="-1">
               <a:solidFill>
                 <a:srgbClr val="000000"/>
               </a:solidFill>
@@ -2812,11 +3046,12 @@
           </a:prstGeom>
         </p:spPr>
         <p:txBody>
-          <a:bodyPr lIns="0" rIns="0" tIns="0" bIns="0">
+          <a:bodyPr lIns="0" tIns="0" rIns="0" bIns="0">
             <a:normAutofit/>
           </a:bodyPr>
-          <a:p>
-            <a:endParaRPr b="0" lang="cs-CZ" sz="2800" spc="-1" strike="noStrike">
+          <a:lstStyle/>
+          <a:p>
+            <a:endParaRPr lang="cs-CZ" sz="2800" b="0" strike="noStrike" spc="-1">
               <a:solidFill>
                 <a:srgbClr val="000000"/>
               </a:solidFill>
@@ -2845,11 +3080,12 @@
           </a:prstGeom>
         </p:spPr>
         <p:txBody>
-          <a:bodyPr lIns="0" rIns="0" tIns="0" bIns="0">
+          <a:bodyPr lIns="0" tIns="0" rIns="0" bIns="0">
             <a:normAutofit/>
           </a:bodyPr>
-          <a:p>
-            <a:endParaRPr b="0" lang="cs-CZ" sz="2800" spc="-1" strike="noStrike">
+          <a:lstStyle/>
+          <a:p>
+            <a:endParaRPr lang="cs-CZ" sz="2800" b="0" strike="noStrike" spc="-1">
               <a:solidFill>
                 <a:srgbClr val="000000"/>
               </a:solidFill>
@@ -2860,20 +3096,24 @@
       </p:sp>
     </p:spTree>
   </p:cSld>
+  <p:clrMapOvr>
+    <a:masterClrMapping/>
+  </p:clrMapOvr>
 </p:sldLayout>
 </file>
 
 <file path=ppt/slideMasters/slideMaster1.xml><?xml version="1.0" encoding="utf-8"?>
-<p:sldMaster xmlns:a="http://schemas.openxmlformats.org/drawingml/2006/main" xmlns:p="http://schemas.openxmlformats.org/presentationml/2006/main" xmlns:r="http://schemas.openxmlformats.org/officeDocument/2006/relationships" xmlns:p14="http://schemas.microsoft.com/office/powerpoint/2010/main" xmlns:p15="http://schemas.microsoft.com/office/powerpoint/2012/main" xmlns:mc="http://schemas.openxmlformats.org/markup-compatibility/2006">
+<p:sldMaster xmlns:a="http://schemas.openxmlformats.org/drawingml/2006/main" xmlns:r="http://schemas.openxmlformats.org/officeDocument/2006/relationships" xmlns:p="http://schemas.openxmlformats.org/presentationml/2006/main">
   <p:cSld>
     <p:bg>
       <p:bgPr>
         <a:blipFill rotWithShape="0">
-          <a:blip r:embed="rId2"/>
+          <a:blip r:embed="rId14"/>
           <a:stretch>
             <a:fillRect/>
           </a:stretch>
         </a:blipFill>
+        <a:effectLst/>
       </p:bgPr>
     </p:bg>
     <p:spTree>
@@ -2892,7 +3132,7 @@
       </p:grpSpPr>
       <p:sp>
         <p:nvSpPr>
-          <p:cNvPr id="0" name="PlaceHolder 1"/>
+          <p:cNvPr id="2" name="PlaceHolder 1"/>
           <p:cNvSpPr>
             <a:spLocks noGrp="1"/>
           </p:cNvSpPr>
@@ -2910,10 +3150,11 @@
           </a:prstGeom>
         </p:spPr>
         <p:txBody>
-          <a:bodyPr lIns="0" rIns="0" tIns="0" bIns="0" anchor="ctr"/>
-          <a:p>
-            <a:r>
-              <a:rPr b="0" lang="cs-CZ" sz="4400" spc="-1" strike="noStrike">
+          <a:bodyPr lIns="0" tIns="0" rIns="0" bIns="0" anchor="ctr"/>
+          <a:lstStyle/>
+          <a:p>
+            <a:r>
+              <a:rPr lang="cs-CZ" sz="4400" b="0" strike="noStrike" spc="-1">
                 <a:solidFill>
                   <a:srgbClr val="000000"/>
                 </a:solidFill>
@@ -2921,18 +3162,12 @@
               </a:rPr>
               <a:t>Klikněte pro úpravu formátu textu nadpisu</a:t>
             </a:r>
-            <a:endParaRPr b="0" lang="cs-CZ" sz="4400" spc="-1" strike="noStrike">
-              <a:solidFill>
-                <a:srgbClr val="000000"/>
-              </a:solidFill>
-              <a:latin typeface="Arial"/>
-            </a:endParaRPr>
-          </a:p>
-        </p:txBody>
-      </p:sp>
-      <p:sp>
-        <p:nvSpPr>
-          <p:cNvPr id="1" name="PlaceHolder 2"/>
+          </a:p>
+        </p:txBody>
+      </p:sp>
+      <p:sp>
+        <p:nvSpPr>
+          <p:cNvPr id="3" name="PlaceHolder 2"/>
           <p:cNvSpPr>
             <a:spLocks noGrp="1"/>
           </p:cNvSpPr>
@@ -2950,9 +3185,10 @@
           </a:prstGeom>
         </p:spPr>
         <p:txBody>
-          <a:bodyPr lIns="0" rIns="0" tIns="0" bIns="0">
+          <a:bodyPr lIns="0" tIns="0" rIns="0" bIns="0">
             <a:normAutofit/>
           </a:bodyPr>
+          <a:lstStyle/>
           <a:p>
             <a:pPr marL="432000" indent="-324000">
               <a:spcBef>
@@ -2966,7 +3202,7 @@
               <a:buChar char=""/>
             </a:pPr>
             <a:r>
-              <a:rPr b="0" lang="cs-CZ" sz="2800" spc="-1" strike="noStrike">
+              <a:rPr lang="cs-CZ" sz="2800" b="0" strike="noStrike" spc="-1">
                 <a:solidFill>
                   <a:srgbClr val="000000"/>
                 </a:solidFill>
@@ -2974,15 +3210,9 @@
               </a:rPr>
               <a:t>Klikněte pro úpravu formátu textu osnovy</a:t>
             </a:r>
-            <a:endParaRPr b="0" lang="cs-CZ" sz="2800" spc="-1" strike="noStrike">
-              <a:solidFill>
-                <a:srgbClr val="000000"/>
-              </a:solidFill>
-              <a:latin typeface="Arial"/>
-            </a:endParaRPr>
-          </a:p>
-          <a:p>
-            <a:pPr lvl="1" marL="864000" indent="-324000">
+          </a:p>
+          <a:p>
+            <a:pPr marL="864000" lvl="1" indent="-324000">
               <a:spcBef>
                 <a:spcPts val="1134"/>
               </a:spcBef>
@@ -2994,7 +3224,7 @@
               <a:buChar char=""/>
             </a:pPr>
             <a:r>
-              <a:rPr b="0" lang="cs-CZ" sz="2000" spc="-1" strike="noStrike">
+              <a:rPr lang="cs-CZ" sz="2000" b="0" strike="noStrike" spc="-1">
                 <a:solidFill>
                   <a:srgbClr val="000000"/>
                 </a:solidFill>
@@ -3002,15 +3232,9 @@
               </a:rPr>
               <a:t>Druhá úroveň</a:t>
             </a:r>
-            <a:endParaRPr b="0" lang="cs-CZ" sz="2000" spc="-1" strike="noStrike">
-              <a:solidFill>
-                <a:srgbClr val="000000"/>
-              </a:solidFill>
-              <a:latin typeface="Arial"/>
-            </a:endParaRPr>
-          </a:p>
-          <a:p>
-            <a:pPr lvl="2" marL="1296000" indent="-288000">
+          </a:p>
+          <a:p>
+            <a:pPr marL="1296000" lvl="2" indent="-288000">
               <a:spcBef>
                 <a:spcPts val="850"/>
               </a:spcBef>
@@ -3022,7 +3246,7 @@
               <a:buChar char=""/>
             </a:pPr>
             <a:r>
-              <a:rPr b="0" lang="cs-CZ" sz="1800" spc="-1" strike="noStrike">
+              <a:rPr lang="cs-CZ" sz="1800" b="0" strike="noStrike" spc="-1">
                 <a:solidFill>
                   <a:srgbClr val="000000"/>
                 </a:solidFill>
@@ -3030,15 +3254,9 @@
               </a:rPr>
               <a:t>Třetí úroveň</a:t>
             </a:r>
-            <a:endParaRPr b="0" lang="cs-CZ" sz="1800" spc="-1" strike="noStrike">
-              <a:solidFill>
-                <a:srgbClr val="000000"/>
-              </a:solidFill>
-              <a:latin typeface="Arial"/>
-            </a:endParaRPr>
-          </a:p>
-          <a:p>
-            <a:pPr lvl="3" marL="1728000" indent="-216000">
+          </a:p>
+          <a:p>
+            <a:pPr marL="1728000" lvl="3" indent="-216000">
               <a:spcBef>
                 <a:spcPts val="567"/>
               </a:spcBef>
@@ -3050,7 +3268,7 @@
               <a:buChar char=""/>
             </a:pPr>
             <a:r>
-              <a:rPr b="0" lang="cs-CZ" sz="1800" spc="-1" strike="noStrike">
+              <a:rPr lang="cs-CZ" sz="1800" b="0" strike="noStrike" spc="-1">
                 <a:solidFill>
                   <a:srgbClr val="000000"/>
                 </a:solidFill>
@@ -3058,15 +3276,9 @@
               </a:rPr>
               <a:t>Čtvrtá úroveň osnovy</a:t>
             </a:r>
-            <a:endParaRPr b="0" lang="cs-CZ" sz="1800" spc="-1" strike="noStrike">
-              <a:solidFill>
-                <a:srgbClr val="000000"/>
-              </a:solidFill>
-              <a:latin typeface="Arial"/>
-            </a:endParaRPr>
-          </a:p>
-          <a:p>
-            <a:pPr lvl="4" marL="2160000" indent="-216000">
+          </a:p>
+          <a:p>
+            <a:pPr marL="2160000" lvl="4" indent="-216000">
               <a:spcBef>
                 <a:spcPts val="283"/>
               </a:spcBef>
@@ -3078,7 +3290,7 @@
               <a:buChar char=""/>
             </a:pPr>
             <a:r>
-              <a:rPr b="0" lang="cs-CZ" sz="2000" spc="-1" strike="noStrike">
+              <a:rPr lang="cs-CZ" sz="2000" b="0" strike="noStrike" spc="-1">
                 <a:solidFill>
                   <a:srgbClr val="000000"/>
                 </a:solidFill>
@@ -3086,15 +3298,9 @@
               </a:rPr>
               <a:t>Pátá úroveň osnovy</a:t>
             </a:r>
-            <a:endParaRPr b="0" lang="cs-CZ" sz="2000" spc="-1" strike="noStrike">
-              <a:solidFill>
-                <a:srgbClr val="000000"/>
-              </a:solidFill>
-              <a:latin typeface="Arial"/>
-            </a:endParaRPr>
-          </a:p>
-          <a:p>
-            <a:pPr lvl="5" marL="2592000" indent="-216000">
+          </a:p>
+          <a:p>
+            <a:pPr marL="2592000" lvl="5" indent="-216000">
               <a:spcBef>
                 <a:spcPts val="283"/>
               </a:spcBef>
@@ -3106,7 +3312,7 @@
               <a:buChar char=""/>
             </a:pPr>
             <a:r>
-              <a:rPr b="0" lang="cs-CZ" sz="2000" spc="-1" strike="noStrike">
+              <a:rPr lang="cs-CZ" sz="2000" b="0" strike="noStrike" spc="-1">
                 <a:solidFill>
                   <a:srgbClr val="000000"/>
                 </a:solidFill>
@@ -3114,15 +3320,9 @@
               </a:rPr>
               <a:t>Šestá úroveň</a:t>
             </a:r>
-            <a:endParaRPr b="0" lang="cs-CZ" sz="2000" spc="-1" strike="noStrike">
-              <a:solidFill>
-                <a:srgbClr val="000000"/>
-              </a:solidFill>
-              <a:latin typeface="Arial"/>
-            </a:endParaRPr>
-          </a:p>
-          <a:p>
-            <a:pPr lvl="6" marL="3024000" indent="-216000">
+          </a:p>
+          <a:p>
+            <a:pPr marL="3024000" lvl="6" indent="-216000">
               <a:spcBef>
                 <a:spcPts val="283"/>
               </a:spcBef>
@@ -3134,7 +3334,7 @@
               <a:buChar char=""/>
             </a:pPr>
             <a:r>
-              <a:rPr b="0" lang="cs-CZ" sz="2000" spc="-1" strike="noStrike">
+              <a:rPr lang="cs-CZ" sz="2000" b="0" strike="noStrike" spc="-1">
                 <a:solidFill>
                   <a:srgbClr val="000000"/>
                 </a:solidFill>
@@ -3142,46 +3342,321 @@
               </a:rPr>
               <a:t>Sedmá úroveň</a:t>
             </a:r>
-            <a:endParaRPr b="0" lang="cs-CZ" sz="2000" spc="-1" strike="noStrike">
-              <a:solidFill>
-                <a:srgbClr val="000000"/>
-              </a:solidFill>
-              <a:latin typeface="Arial"/>
-            </a:endParaRPr>
           </a:p>
         </p:txBody>
       </p:sp>
     </p:spTree>
   </p:cSld>
-  <p:clrMap bg1="lt1" bg2="lt2" tx1="dk1" tx2="dk2" accent1="accent1" accent2="accent2" accent3="accent3" accent4="accent4" accent5="accent5" accent6="accent6" hlink="hlink" folHlink="folHlink"/>
+  <p:clrMap bg1="lt1" tx1="dk1" bg2="lt2" tx2="dk2" accent1="accent1" accent2="accent2" accent3="accent3" accent4="accent4" accent5="accent5" accent6="accent6" hlink="hlink" folHlink="folHlink"/>
   <p:sldLayoutIdLst>
-    <p:sldLayoutId id="2147483649" r:id="rId3"/>
-    <p:sldLayoutId id="2147483650" r:id="rId4"/>
-    <p:sldLayoutId id="2147483651" r:id="rId5"/>
-    <p:sldLayoutId id="2147483652" r:id="rId6"/>
-    <p:sldLayoutId id="2147483653" r:id="rId7"/>
-    <p:sldLayoutId id="2147483654" r:id="rId8"/>
-    <p:sldLayoutId id="2147483655" r:id="rId9"/>
-    <p:sldLayoutId id="2147483656" r:id="rId10"/>
-    <p:sldLayoutId id="2147483657" r:id="rId11"/>
-    <p:sldLayoutId id="2147483658" r:id="rId12"/>
-    <p:sldLayoutId id="2147483659" r:id="rId13"/>
-    <p:sldLayoutId id="2147483660" r:id="rId14"/>
+    <p:sldLayoutId id="2147483649" r:id="rId1"/>
+    <p:sldLayoutId id="2147483650" r:id="rId2"/>
+    <p:sldLayoutId id="2147483651" r:id="rId3"/>
+    <p:sldLayoutId id="2147483652" r:id="rId4"/>
+    <p:sldLayoutId id="2147483653" r:id="rId5"/>
+    <p:sldLayoutId id="2147483654" r:id="rId6"/>
+    <p:sldLayoutId id="2147483655" r:id="rId7"/>
+    <p:sldLayoutId id="2147483656" r:id="rId8"/>
+    <p:sldLayoutId id="2147483657" r:id="rId9"/>
+    <p:sldLayoutId id="2147483658" r:id="rId10"/>
+    <p:sldLayoutId id="2147483659" r:id="rId11"/>
+    <p:sldLayoutId id="2147483660" r:id="rId12"/>
   </p:sldLayoutIdLst>
+  <p:txStyles>
+    <p:titleStyle>
+      <a:lvl1pPr algn="l" defTabSz="914400" rtl="0" eaLnBrk="1" latinLnBrk="0" hangingPunct="1">
+        <a:lnSpc>
+          <a:spcPct val="90000"/>
+        </a:lnSpc>
+        <a:spcBef>
+          <a:spcPct val="0"/>
+        </a:spcBef>
+        <a:buNone/>
+        <a:defRPr sz="4400" kern="1200">
+          <a:solidFill>
+            <a:schemeClr val="tx1"/>
+          </a:solidFill>
+          <a:latin typeface="+mj-lt"/>
+          <a:ea typeface="+mj-ea"/>
+          <a:cs typeface="+mj-cs"/>
+        </a:defRPr>
+      </a:lvl1pPr>
+    </p:titleStyle>
+    <p:bodyStyle>
+      <a:lvl1pPr marL="228600" indent="-228600" algn="l" defTabSz="914400" rtl="0" eaLnBrk="1" latinLnBrk="0" hangingPunct="1">
+        <a:lnSpc>
+          <a:spcPct val="90000"/>
+        </a:lnSpc>
+        <a:spcBef>
+          <a:spcPts val="1000"/>
+        </a:spcBef>
+        <a:buFont typeface="Arial" panose="020B0604020202020204" pitchFamily="34" charset="0"/>
+        <a:buChar char="•"/>
+        <a:defRPr sz="2800" kern="1200">
+          <a:solidFill>
+            <a:schemeClr val="tx1"/>
+          </a:solidFill>
+          <a:latin typeface="+mn-lt"/>
+          <a:ea typeface="+mn-ea"/>
+          <a:cs typeface="+mn-cs"/>
+        </a:defRPr>
+      </a:lvl1pPr>
+      <a:lvl2pPr marL="685800" indent="-228600" algn="l" defTabSz="914400" rtl="0" eaLnBrk="1" latinLnBrk="0" hangingPunct="1">
+        <a:lnSpc>
+          <a:spcPct val="90000"/>
+        </a:lnSpc>
+        <a:spcBef>
+          <a:spcPts val="500"/>
+        </a:spcBef>
+        <a:buFont typeface="Arial" panose="020B0604020202020204" pitchFamily="34" charset="0"/>
+        <a:buChar char="•"/>
+        <a:defRPr sz="2400" kern="1200">
+          <a:solidFill>
+            <a:schemeClr val="tx1"/>
+          </a:solidFill>
+          <a:latin typeface="+mn-lt"/>
+          <a:ea typeface="+mn-ea"/>
+          <a:cs typeface="+mn-cs"/>
+        </a:defRPr>
+      </a:lvl2pPr>
+      <a:lvl3pPr marL="1143000" indent="-228600" algn="l" defTabSz="914400" rtl="0" eaLnBrk="1" latinLnBrk="0" hangingPunct="1">
+        <a:lnSpc>
+          <a:spcPct val="90000"/>
+        </a:lnSpc>
+        <a:spcBef>
+          <a:spcPts val="500"/>
+        </a:spcBef>
+        <a:buFont typeface="Arial" panose="020B0604020202020204" pitchFamily="34" charset="0"/>
+        <a:buChar char="•"/>
+        <a:defRPr sz="2000" kern="1200">
+          <a:solidFill>
+            <a:schemeClr val="tx1"/>
+          </a:solidFill>
+          <a:latin typeface="+mn-lt"/>
+          <a:ea typeface="+mn-ea"/>
+          <a:cs typeface="+mn-cs"/>
+        </a:defRPr>
+      </a:lvl3pPr>
+      <a:lvl4pPr marL="1600200" indent="-228600" algn="l" defTabSz="914400" rtl="0" eaLnBrk="1" latinLnBrk="0" hangingPunct="1">
+        <a:lnSpc>
+          <a:spcPct val="90000"/>
+        </a:lnSpc>
+        <a:spcBef>
+          <a:spcPts val="500"/>
+        </a:spcBef>
+        <a:buFont typeface="Arial" panose="020B0604020202020204" pitchFamily="34" charset="0"/>
+        <a:buChar char="•"/>
+        <a:defRPr sz="1800" kern="1200">
+          <a:solidFill>
+            <a:schemeClr val="tx1"/>
+          </a:solidFill>
+          <a:latin typeface="+mn-lt"/>
+          <a:ea typeface="+mn-ea"/>
+          <a:cs typeface="+mn-cs"/>
+        </a:defRPr>
+      </a:lvl4pPr>
+      <a:lvl5pPr marL="2057400" indent="-228600" algn="l" defTabSz="914400" rtl="0" eaLnBrk="1" latinLnBrk="0" hangingPunct="1">
+        <a:lnSpc>
+          <a:spcPct val="90000"/>
+        </a:lnSpc>
+        <a:spcBef>
+          <a:spcPts val="500"/>
+        </a:spcBef>
+        <a:buFont typeface="Arial" panose="020B0604020202020204" pitchFamily="34" charset="0"/>
+        <a:buChar char="•"/>
+        <a:defRPr sz="1800" kern="1200">
+          <a:solidFill>
+            <a:schemeClr val="tx1"/>
+          </a:solidFill>
+          <a:latin typeface="+mn-lt"/>
+          <a:ea typeface="+mn-ea"/>
+          <a:cs typeface="+mn-cs"/>
+        </a:defRPr>
+      </a:lvl5pPr>
+      <a:lvl6pPr marL="2514600" indent="-228600" algn="l" defTabSz="914400" rtl="0" eaLnBrk="1" latinLnBrk="0" hangingPunct="1">
+        <a:lnSpc>
+          <a:spcPct val="90000"/>
+        </a:lnSpc>
+        <a:spcBef>
+          <a:spcPts val="500"/>
+        </a:spcBef>
+        <a:buFont typeface="Arial" panose="020B0604020202020204" pitchFamily="34" charset="0"/>
+        <a:buChar char="•"/>
+        <a:defRPr sz="1800" kern="1200">
+          <a:solidFill>
+            <a:schemeClr val="tx1"/>
+          </a:solidFill>
+          <a:latin typeface="+mn-lt"/>
+          <a:ea typeface="+mn-ea"/>
+          <a:cs typeface="+mn-cs"/>
+        </a:defRPr>
+      </a:lvl6pPr>
+      <a:lvl7pPr marL="2971800" indent="-228600" algn="l" defTabSz="914400" rtl="0" eaLnBrk="1" latinLnBrk="0" hangingPunct="1">
+        <a:lnSpc>
+          <a:spcPct val="90000"/>
+        </a:lnSpc>
+        <a:spcBef>
+          <a:spcPts val="500"/>
+        </a:spcBef>
+        <a:buFont typeface="Arial" panose="020B0604020202020204" pitchFamily="34" charset="0"/>
+        <a:buChar char="•"/>
+        <a:defRPr sz="1800" kern="1200">
+          <a:solidFill>
+            <a:schemeClr val="tx1"/>
+          </a:solidFill>
+          <a:latin typeface="+mn-lt"/>
+          <a:ea typeface="+mn-ea"/>
+          <a:cs typeface="+mn-cs"/>
+        </a:defRPr>
+      </a:lvl7pPr>
+      <a:lvl8pPr marL="3429000" indent="-228600" algn="l" defTabSz="914400" rtl="0" eaLnBrk="1" latinLnBrk="0" hangingPunct="1">
+        <a:lnSpc>
+          <a:spcPct val="90000"/>
+        </a:lnSpc>
+        <a:spcBef>
+          <a:spcPts val="500"/>
+        </a:spcBef>
+        <a:buFont typeface="Arial" panose="020B0604020202020204" pitchFamily="34" charset="0"/>
+        <a:buChar char="•"/>
+        <a:defRPr sz="1800" kern="1200">
+          <a:solidFill>
+            <a:schemeClr val="tx1"/>
+          </a:solidFill>
+          <a:latin typeface="+mn-lt"/>
+          <a:ea typeface="+mn-ea"/>
+          <a:cs typeface="+mn-cs"/>
+        </a:defRPr>
+      </a:lvl8pPr>
+      <a:lvl9pPr marL="3886200" indent="-228600" algn="l" defTabSz="914400" rtl="0" eaLnBrk="1" latinLnBrk="0" hangingPunct="1">
+        <a:lnSpc>
+          <a:spcPct val="90000"/>
+        </a:lnSpc>
+        <a:spcBef>
+          <a:spcPts val="500"/>
+        </a:spcBef>
+        <a:buFont typeface="Arial" panose="020B0604020202020204" pitchFamily="34" charset="0"/>
+        <a:buChar char="•"/>
+        <a:defRPr sz="1800" kern="1200">
+          <a:solidFill>
+            <a:schemeClr val="tx1"/>
+          </a:solidFill>
+          <a:latin typeface="+mn-lt"/>
+          <a:ea typeface="+mn-ea"/>
+          <a:cs typeface="+mn-cs"/>
+        </a:defRPr>
+      </a:lvl9pPr>
+    </p:bodyStyle>
+    <p:otherStyle>
+      <a:defPPr>
+        <a:defRPr lang="cs-CZ"/>
+      </a:defPPr>
+      <a:lvl1pPr marL="0" algn="l" defTabSz="914400" rtl="0" eaLnBrk="1" latinLnBrk="0" hangingPunct="1">
+        <a:defRPr sz="1800" kern="1200">
+          <a:solidFill>
+            <a:schemeClr val="tx1"/>
+          </a:solidFill>
+          <a:latin typeface="+mn-lt"/>
+          <a:ea typeface="+mn-ea"/>
+          <a:cs typeface="+mn-cs"/>
+        </a:defRPr>
+      </a:lvl1pPr>
+      <a:lvl2pPr marL="457200" algn="l" defTabSz="914400" rtl="0" eaLnBrk="1" latinLnBrk="0" hangingPunct="1">
+        <a:defRPr sz="1800" kern="1200">
+          <a:solidFill>
+            <a:schemeClr val="tx1"/>
+          </a:solidFill>
+          <a:latin typeface="+mn-lt"/>
+          <a:ea typeface="+mn-ea"/>
+          <a:cs typeface="+mn-cs"/>
+        </a:defRPr>
+      </a:lvl2pPr>
+      <a:lvl3pPr marL="914400" algn="l" defTabSz="914400" rtl="0" eaLnBrk="1" latinLnBrk="0" hangingPunct="1">
+        <a:defRPr sz="1800" kern="1200">
+          <a:solidFill>
+            <a:schemeClr val="tx1"/>
+          </a:solidFill>
+          <a:latin typeface="+mn-lt"/>
+          <a:ea typeface="+mn-ea"/>
+          <a:cs typeface="+mn-cs"/>
+        </a:defRPr>
+      </a:lvl3pPr>
+      <a:lvl4pPr marL="1371600" algn="l" defTabSz="914400" rtl="0" eaLnBrk="1" latinLnBrk="0" hangingPunct="1">
+        <a:defRPr sz="1800" kern="1200">
+          <a:solidFill>
+            <a:schemeClr val="tx1"/>
+          </a:solidFill>
+          <a:latin typeface="+mn-lt"/>
+          <a:ea typeface="+mn-ea"/>
+          <a:cs typeface="+mn-cs"/>
+        </a:defRPr>
+      </a:lvl4pPr>
+      <a:lvl5pPr marL="1828800" algn="l" defTabSz="914400" rtl="0" eaLnBrk="1" latinLnBrk="0" hangingPunct="1">
+        <a:defRPr sz="1800" kern="1200">
+          <a:solidFill>
+            <a:schemeClr val="tx1"/>
+          </a:solidFill>
+          <a:latin typeface="+mn-lt"/>
+          <a:ea typeface="+mn-ea"/>
+          <a:cs typeface="+mn-cs"/>
+        </a:defRPr>
+      </a:lvl5pPr>
+      <a:lvl6pPr marL="2286000" algn="l" defTabSz="914400" rtl="0" eaLnBrk="1" latinLnBrk="0" hangingPunct="1">
+        <a:defRPr sz="1800" kern="1200">
+          <a:solidFill>
+            <a:schemeClr val="tx1"/>
+          </a:solidFill>
+          <a:latin typeface="+mn-lt"/>
+          <a:ea typeface="+mn-ea"/>
+          <a:cs typeface="+mn-cs"/>
+        </a:defRPr>
+      </a:lvl6pPr>
+      <a:lvl7pPr marL="2743200" algn="l" defTabSz="914400" rtl="0" eaLnBrk="1" latinLnBrk="0" hangingPunct="1">
+        <a:defRPr sz="1800" kern="1200">
+          <a:solidFill>
+            <a:schemeClr val="tx1"/>
+          </a:solidFill>
+          <a:latin typeface="+mn-lt"/>
+          <a:ea typeface="+mn-ea"/>
+          <a:cs typeface="+mn-cs"/>
+        </a:defRPr>
+      </a:lvl7pPr>
+      <a:lvl8pPr marL="3200400" algn="l" defTabSz="914400" rtl="0" eaLnBrk="1" latinLnBrk="0" hangingPunct="1">
+        <a:defRPr sz="1800" kern="1200">
+          <a:solidFill>
+            <a:schemeClr val="tx1"/>
+          </a:solidFill>
+          <a:latin typeface="+mn-lt"/>
+          <a:ea typeface="+mn-ea"/>
+          <a:cs typeface="+mn-cs"/>
+        </a:defRPr>
+      </a:lvl8pPr>
+      <a:lvl9pPr marL="3657600" algn="l" defTabSz="914400" rtl="0" eaLnBrk="1" latinLnBrk="0" hangingPunct="1">
+        <a:defRPr sz="1800" kern="1200">
+          <a:solidFill>
+            <a:schemeClr val="tx1"/>
+          </a:solidFill>
+          <a:latin typeface="+mn-lt"/>
+          <a:ea typeface="+mn-ea"/>
+          <a:cs typeface="+mn-cs"/>
+        </a:defRPr>
+      </a:lvl9pPr>
+    </p:otherStyle>
+  </p:txStyles>
 </p:sldMaster>
 </file>
 
 <file path=ppt/slideMasters/slideMaster2.xml><?xml version="1.0" encoding="utf-8"?>
-<p:sldMaster xmlns:a="http://schemas.openxmlformats.org/drawingml/2006/main" xmlns:p="http://schemas.openxmlformats.org/presentationml/2006/main" xmlns:r="http://schemas.openxmlformats.org/officeDocument/2006/relationships" xmlns:p14="http://schemas.microsoft.com/office/powerpoint/2010/main" xmlns:p15="http://schemas.microsoft.com/office/powerpoint/2012/main" xmlns:mc="http://schemas.openxmlformats.org/markup-compatibility/2006">
+<p:sldMaster xmlns:a="http://schemas.openxmlformats.org/drawingml/2006/main" xmlns:r="http://schemas.openxmlformats.org/officeDocument/2006/relationships" xmlns:p="http://schemas.openxmlformats.org/presentationml/2006/main">
   <p:cSld>
     <p:bg>
       <p:bgPr>
         <a:blipFill rotWithShape="0">
-          <a:blip r:embed="rId2"/>
+          <a:blip r:embed="rId14"/>
           <a:stretch>
             <a:fillRect/>
           </a:stretch>
         </a:blipFill>
+        <a:effectLst/>
       </p:bgPr>
     </p:bg>
     <p:spTree>
@@ -3218,10 +3693,11 @@
           </a:prstGeom>
         </p:spPr>
         <p:txBody>
-          <a:bodyPr lIns="0" rIns="0" tIns="0" bIns="0" anchor="ctr"/>
-          <a:p>
-            <a:r>
-              <a:rPr b="0" lang="cs-CZ" sz="1800" spc="-1" strike="noStrike">
+          <a:bodyPr lIns="0" tIns="0" rIns="0" bIns="0" anchor="ctr"/>
+          <a:lstStyle/>
+          <a:p>
+            <a:r>
+              <a:rPr lang="cs-CZ" sz="1800" b="0" strike="noStrike" spc="-1">
                 <a:solidFill>
                   <a:srgbClr val="000000"/>
                 </a:solidFill>
@@ -3229,12 +3705,6 @@
               </a:rPr>
               <a:t>Klikněte pro úpravu formátu textu nadpisu</a:t>
             </a:r>
-            <a:endParaRPr b="0" lang="cs-CZ" sz="1800" spc="-1" strike="noStrike">
-              <a:solidFill>
-                <a:srgbClr val="000000"/>
-              </a:solidFill>
-              <a:latin typeface="Arial"/>
-            </a:endParaRPr>
           </a:p>
         </p:txBody>
       </p:sp>
@@ -3258,9 +3728,10 @@
           </a:prstGeom>
         </p:spPr>
         <p:txBody>
-          <a:bodyPr lIns="0" rIns="0" tIns="0" bIns="0">
+          <a:bodyPr lIns="0" tIns="0" rIns="0" bIns="0">
             <a:normAutofit/>
           </a:bodyPr>
+          <a:lstStyle/>
           <a:p>
             <a:pPr marL="432000" indent="-324000">
               <a:spcBef>
@@ -3274,7 +3745,7 @@
               <a:buChar char=""/>
             </a:pPr>
             <a:r>
-              <a:rPr b="0" lang="cs-CZ" sz="2800" spc="-1" strike="noStrike">
+              <a:rPr lang="cs-CZ" sz="2800" b="0" strike="noStrike" spc="-1">
                 <a:solidFill>
                   <a:srgbClr val="000000"/>
                 </a:solidFill>
@@ -3282,15 +3753,9 @@
               </a:rPr>
               <a:t>Klikněte pro úpravu formátu textu osnovy</a:t>
             </a:r>
-            <a:endParaRPr b="0" lang="cs-CZ" sz="2800" spc="-1" strike="noStrike">
-              <a:solidFill>
-                <a:srgbClr val="000000"/>
-              </a:solidFill>
-              <a:latin typeface="Arial"/>
-            </a:endParaRPr>
-          </a:p>
-          <a:p>
-            <a:pPr lvl="1" marL="864000" indent="-324000">
+          </a:p>
+          <a:p>
+            <a:pPr marL="864000" lvl="1" indent="-324000">
               <a:spcBef>
                 <a:spcPts val="1134"/>
               </a:spcBef>
@@ -3302,7 +3767,7 @@
               <a:buChar char=""/>
             </a:pPr>
             <a:r>
-              <a:rPr b="0" lang="cs-CZ" sz="2000" spc="-1" strike="noStrike">
+              <a:rPr lang="cs-CZ" sz="2000" b="0" strike="noStrike" spc="-1">
                 <a:solidFill>
                   <a:srgbClr val="000000"/>
                 </a:solidFill>
@@ -3310,15 +3775,9 @@
               </a:rPr>
               <a:t>Druhá úroveň</a:t>
             </a:r>
-            <a:endParaRPr b="0" lang="cs-CZ" sz="2000" spc="-1" strike="noStrike">
-              <a:solidFill>
-                <a:srgbClr val="000000"/>
-              </a:solidFill>
-              <a:latin typeface="Arial"/>
-            </a:endParaRPr>
-          </a:p>
-          <a:p>
-            <a:pPr lvl="2" marL="1296000" indent="-288000">
+          </a:p>
+          <a:p>
+            <a:pPr marL="1296000" lvl="2" indent="-288000">
               <a:spcBef>
                 <a:spcPts val="850"/>
               </a:spcBef>
@@ -3330,7 +3789,7 @@
               <a:buChar char=""/>
             </a:pPr>
             <a:r>
-              <a:rPr b="0" lang="cs-CZ" sz="1800" spc="-1" strike="noStrike">
+              <a:rPr lang="cs-CZ" sz="1800" b="0" strike="noStrike" spc="-1">
                 <a:solidFill>
                   <a:srgbClr val="000000"/>
                 </a:solidFill>
@@ -3338,15 +3797,9 @@
               </a:rPr>
               <a:t>Třetí úroveň</a:t>
             </a:r>
-            <a:endParaRPr b="0" lang="cs-CZ" sz="1800" spc="-1" strike="noStrike">
-              <a:solidFill>
-                <a:srgbClr val="000000"/>
-              </a:solidFill>
-              <a:latin typeface="Arial"/>
-            </a:endParaRPr>
-          </a:p>
-          <a:p>
-            <a:pPr lvl="3" marL="1728000" indent="-216000">
+          </a:p>
+          <a:p>
+            <a:pPr marL="1728000" lvl="3" indent="-216000">
               <a:spcBef>
                 <a:spcPts val="567"/>
               </a:spcBef>
@@ -3358,7 +3811,7 @@
               <a:buChar char=""/>
             </a:pPr>
             <a:r>
-              <a:rPr b="0" lang="cs-CZ" sz="1800" spc="-1" strike="noStrike">
+              <a:rPr lang="cs-CZ" sz="1800" b="0" strike="noStrike" spc="-1">
                 <a:solidFill>
                   <a:srgbClr val="000000"/>
                 </a:solidFill>
@@ -3366,15 +3819,9 @@
               </a:rPr>
               <a:t>Čtvrtá úroveň osnovy</a:t>
             </a:r>
-            <a:endParaRPr b="0" lang="cs-CZ" sz="1800" spc="-1" strike="noStrike">
-              <a:solidFill>
-                <a:srgbClr val="000000"/>
-              </a:solidFill>
-              <a:latin typeface="Arial"/>
-            </a:endParaRPr>
-          </a:p>
-          <a:p>
-            <a:pPr lvl="4" marL="2160000" indent="-216000">
+          </a:p>
+          <a:p>
+            <a:pPr marL="2160000" lvl="4" indent="-216000">
               <a:spcBef>
                 <a:spcPts val="283"/>
               </a:spcBef>
@@ -3386,7 +3833,7 @@
               <a:buChar char=""/>
             </a:pPr>
             <a:r>
-              <a:rPr b="0" lang="cs-CZ" sz="2000" spc="-1" strike="noStrike">
+              <a:rPr lang="cs-CZ" sz="2000" b="0" strike="noStrike" spc="-1">
                 <a:solidFill>
                   <a:srgbClr val="000000"/>
                 </a:solidFill>
@@ -3394,15 +3841,9 @@
               </a:rPr>
               <a:t>Pátá úroveň osnovy</a:t>
             </a:r>
-            <a:endParaRPr b="0" lang="cs-CZ" sz="2000" spc="-1" strike="noStrike">
-              <a:solidFill>
-                <a:srgbClr val="000000"/>
-              </a:solidFill>
-              <a:latin typeface="Arial"/>
-            </a:endParaRPr>
-          </a:p>
-          <a:p>
-            <a:pPr lvl="5" marL="2592000" indent="-216000">
+          </a:p>
+          <a:p>
+            <a:pPr marL="2592000" lvl="5" indent="-216000">
               <a:spcBef>
                 <a:spcPts val="283"/>
               </a:spcBef>
@@ -3414,7 +3855,7 @@
               <a:buChar char=""/>
             </a:pPr>
             <a:r>
-              <a:rPr b="0" lang="cs-CZ" sz="2000" spc="-1" strike="noStrike">
+              <a:rPr lang="cs-CZ" sz="2000" b="0" strike="noStrike" spc="-1">
                 <a:solidFill>
                   <a:srgbClr val="000000"/>
                 </a:solidFill>
@@ -3422,15 +3863,9 @@
               </a:rPr>
               <a:t>Šestá úroveň</a:t>
             </a:r>
-            <a:endParaRPr b="0" lang="cs-CZ" sz="2000" spc="-1" strike="noStrike">
-              <a:solidFill>
-                <a:srgbClr val="000000"/>
-              </a:solidFill>
-              <a:latin typeface="Arial"/>
-            </a:endParaRPr>
-          </a:p>
-          <a:p>
-            <a:pPr lvl="6" marL="3024000" indent="-216000">
+          </a:p>
+          <a:p>
+            <a:pPr marL="3024000" lvl="6" indent="-216000">
               <a:spcBef>
                 <a:spcPts val="283"/>
               </a:spcBef>
@@ -3442,7 +3877,7 @@
               <a:buChar char=""/>
             </a:pPr>
             <a:r>
-              <a:rPr b="0" lang="cs-CZ" sz="2000" spc="-1" strike="noStrike">
+              <a:rPr lang="cs-CZ" sz="2000" b="0" strike="noStrike" spc="-1">
                 <a:solidFill>
                   <a:srgbClr val="000000"/>
                 </a:solidFill>
@@ -3450,37 +3885,311 @@
               </a:rPr>
               <a:t>Sedmá úroveň</a:t>
             </a:r>
-            <a:endParaRPr b="0" lang="cs-CZ" sz="2000" spc="-1" strike="noStrike">
-              <a:solidFill>
-                <a:srgbClr val="000000"/>
-              </a:solidFill>
-              <a:latin typeface="Arial"/>
-            </a:endParaRPr>
           </a:p>
         </p:txBody>
       </p:sp>
     </p:spTree>
   </p:cSld>
-  <p:clrMap bg1="lt1" bg2="lt2" tx1="dk1" tx2="dk2" accent1="accent1" accent2="accent2" accent3="accent3" accent4="accent4" accent5="accent5" accent6="accent6" hlink="hlink" folHlink="folHlink"/>
+  <p:clrMap bg1="lt1" tx1="dk1" bg2="lt2" tx2="dk2" accent1="accent1" accent2="accent2" accent3="accent3" accent4="accent4" accent5="accent5" accent6="accent6" hlink="hlink" folHlink="folHlink"/>
   <p:sldLayoutIdLst>
-    <p:sldLayoutId id="2147483662" r:id="rId3"/>
-    <p:sldLayoutId id="2147483663" r:id="rId4"/>
-    <p:sldLayoutId id="2147483664" r:id="rId5"/>
-    <p:sldLayoutId id="2147483665" r:id="rId6"/>
-    <p:sldLayoutId id="2147483666" r:id="rId7"/>
-    <p:sldLayoutId id="2147483667" r:id="rId8"/>
-    <p:sldLayoutId id="2147483668" r:id="rId9"/>
-    <p:sldLayoutId id="2147483669" r:id="rId10"/>
-    <p:sldLayoutId id="2147483670" r:id="rId11"/>
-    <p:sldLayoutId id="2147483671" r:id="rId12"/>
-    <p:sldLayoutId id="2147483672" r:id="rId13"/>
-    <p:sldLayoutId id="2147483673" r:id="rId14"/>
+    <p:sldLayoutId id="2147483662" r:id="rId1"/>
+    <p:sldLayoutId id="2147483663" r:id="rId2"/>
+    <p:sldLayoutId id="2147483664" r:id="rId3"/>
+    <p:sldLayoutId id="2147483665" r:id="rId4"/>
+    <p:sldLayoutId id="2147483666" r:id="rId5"/>
+    <p:sldLayoutId id="2147483667" r:id="rId6"/>
+    <p:sldLayoutId id="2147483668" r:id="rId7"/>
+    <p:sldLayoutId id="2147483669" r:id="rId8"/>
+    <p:sldLayoutId id="2147483670" r:id="rId9"/>
+    <p:sldLayoutId id="2147483671" r:id="rId10"/>
+    <p:sldLayoutId id="2147483672" r:id="rId11"/>
+    <p:sldLayoutId id="2147483673" r:id="rId12"/>
   </p:sldLayoutIdLst>
+  <p:txStyles>
+    <p:titleStyle>
+      <a:lvl1pPr algn="l" defTabSz="914400" rtl="0" eaLnBrk="1" latinLnBrk="0" hangingPunct="1">
+        <a:lnSpc>
+          <a:spcPct val="90000"/>
+        </a:lnSpc>
+        <a:spcBef>
+          <a:spcPct val="0"/>
+        </a:spcBef>
+        <a:buNone/>
+        <a:defRPr sz="4400" kern="1200">
+          <a:solidFill>
+            <a:schemeClr val="tx1"/>
+          </a:solidFill>
+          <a:latin typeface="+mj-lt"/>
+          <a:ea typeface="+mj-ea"/>
+          <a:cs typeface="+mj-cs"/>
+        </a:defRPr>
+      </a:lvl1pPr>
+    </p:titleStyle>
+    <p:bodyStyle>
+      <a:lvl1pPr marL="228600" indent="-228600" algn="l" defTabSz="914400" rtl="0" eaLnBrk="1" latinLnBrk="0" hangingPunct="1">
+        <a:lnSpc>
+          <a:spcPct val="90000"/>
+        </a:lnSpc>
+        <a:spcBef>
+          <a:spcPts val="1000"/>
+        </a:spcBef>
+        <a:buFont typeface="Arial" panose="020B0604020202020204" pitchFamily="34" charset="0"/>
+        <a:buChar char="•"/>
+        <a:defRPr sz="2800" kern="1200">
+          <a:solidFill>
+            <a:schemeClr val="tx1"/>
+          </a:solidFill>
+          <a:latin typeface="+mn-lt"/>
+          <a:ea typeface="+mn-ea"/>
+          <a:cs typeface="+mn-cs"/>
+        </a:defRPr>
+      </a:lvl1pPr>
+      <a:lvl2pPr marL="685800" indent="-228600" algn="l" defTabSz="914400" rtl="0" eaLnBrk="1" latinLnBrk="0" hangingPunct="1">
+        <a:lnSpc>
+          <a:spcPct val="90000"/>
+        </a:lnSpc>
+        <a:spcBef>
+          <a:spcPts val="500"/>
+        </a:spcBef>
+        <a:buFont typeface="Arial" panose="020B0604020202020204" pitchFamily="34" charset="0"/>
+        <a:buChar char="•"/>
+        <a:defRPr sz="2400" kern="1200">
+          <a:solidFill>
+            <a:schemeClr val="tx1"/>
+          </a:solidFill>
+          <a:latin typeface="+mn-lt"/>
+          <a:ea typeface="+mn-ea"/>
+          <a:cs typeface="+mn-cs"/>
+        </a:defRPr>
+      </a:lvl2pPr>
+      <a:lvl3pPr marL="1143000" indent="-228600" algn="l" defTabSz="914400" rtl="0" eaLnBrk="1" latinLnBrk="0" hangingPunct="1">
+        <a:lnSpc>
+          <a:spcPct val="90000"/>
+        </a:lnSpc>
+        <a:spcBef>
+          <a:spcPts val="500"/>
+        </a:spcBef>
+        <a:buFont typeface="Arial" panose="020B0604020202020204" pitchFamily="34" charset="0"/>
+        <a:buChar char="•"/>
+        <a:defRPr sz="2000" kern="1200">
+          <a:solidFill>
+            <a:schemeClr val="tx1"/>
+          </a:solidFill>
+          <a:latin typeface="+mn-lt"/>
+          <a:ea typeface="+mn-ea"/>
+          <a:cs typeface="+mn-cs"/>
+        </a:defRPr>
+      </a:lvl3pPr>
+      <a:lvl4pPr marL="1600200" indent="-228600" algn="l" defTabSz="914400" rtl="0" eaLnBrk="1" latinLnBrk="0" hangingPunct="1">
+        <a:lnSpc>
+          <a:spcPct val="90000"/>
+        </a:lnSpc>
+        <a:spcBef>
+          <a:spcPts val="500"/>
+        </a:spcBef>
+        <a:buFont typeface="Arial" panose="020B0604020202020204" pitchFamily="34" charset="0"/>
+        <a:buChar char="•"/>
+        <a:defRPr sz="1800" kern="1200">
+          <a:solidFill>
+            <a:schemeClr val="tx1"/>
+          </a:solidFill>
+          <a:latin typeface="+mn-lt"/>
+          <a:ea typeface="+mn-ea"/>
+          <a:cs typeface="+mn-cs"/>
+        </a:defRPr>
+      </a:lvl4pPr>
+      <a:lvl5pPr marL="2057400" indent="-228600" algn="l" defTabSz="914400" rtl="0" eaLnBrk="1" latinLnBrk="0" hangingPunct="1">
+        <a:lnSpc>
+          <a:spcPct val="90000"/>
+        </a:lnSpc>
+        <a:spcBef>
+          <a:spcPts val="500"/>
+        </a:spcBef>
+        <a:buFont typeface="Arial" panose="020B0604020202020204" pitchFamily="34" charset="0"/>
+        <a:buChar char="•"/>
+        <a:defRPr sz="1800" kern="1200">
+          <a:solidFill>
+            <a:schemeClr val="tx1"/>
+          </a:solidFill>
+          <a:latin typeface="+mn-lt"/>
+          <a:ea typeface="+mn-ea"/>
+          <a:cs typeface="+mn-cs"/>
+        </a:defRPr>
+      </a:lvl5pPr>
+      <a:lvl6pPr marL="2514600" indent="-228600" algn="l" defTabSz="914400" rtl="0" eaLnBrk="1" latinLnBrk="0" hangingPunct="1">
+        <a:lnSpc>
+          <a:spcPct val="90000"/>
+        </a:lnSpc>
+        <a:spcBef>
+          <a:spcPts val="500"/>
+        </a:spcBef>
+        <a:buFont typeface="Arial" panose="020B0604020202020204" pitchFamily="34" charset="0"/>
+        <a:buChar char="•"/>
+        <a:defRPr sz="1800" kern="1200">
+          <a:solidFill>
+            <a:schemeClr val="tx1"/>
+          </a:solidFill>
+          <a:latin typeface="+mn-lt"/>
+          <a:ea typeface="+mn-ea"/>
+          <a:cs typeface="+mn-cs"/>
+        </a:defRPr>
+      </a:lvl6pPr>
+      <a:lvl7pPr marL="2971800" indent="-228600" algn="l" defTabSz="914400" rtl="0" eaLnBrk="1" latinLnBrk="0" hangingPunct="1">
+        <a:lnSpc>
+          <a:spcPct val="90000"/>
+        </a:lnSpc>
+        <a:spcBef>
+          <a:spcPts val="500"/>
+        </a:spcBef>
+        <a:buFont typeface="Arial" panose="020B0604020202020204" pitchFamily="34" charset="0"/>
+        <a:buChar char="•"/>
+        <a:defRPr sz="1800" kern="1200">
+          <a:solidFill>
+            <a:schemeClr val="tx1"/>
+          </a:solidFill>
+          <a:latin typeface="+mn-lt"/>
+          <a:ea typeface="+mn-ea"/>
+          <a:cs typeface="+mn-cs"/>
+        </a:defRPr>
+      </a:lvl7pPr>
+      <a:lvl8pPr marL="3429000" indent="-228600" algn="l" defTabSz="914400" rtl="0" eaLnBrk="1" latinLnBrk="0" hangingPunct="1">
+        <a:lnSpc>
+          <a:spcPct val="90000"/>
+        </a:lnSpc>
+        <a:spcBef>
+          <a:spcPts val="500"/>
+        </a:spcBef>
+        <a:buFont typeface="Arial" panose="020B0604020202020204" pitchFamily="34" charset="0"/>
+        <a:buChar char="•"/>
+        <a:defRPr sz="1800" kern="1200">
+          <a:solidFill>
+            <a:schemeClr val="tx1"/>
+          </a:solidFill>
+          <a:latin typeface="+mn-lt"/>
+          <a:ea typeface="+mn-ea"/>
+          <a:cs typeface="+mn-cs"/>
+        </a:defRPr>
+      </a:lvl8pPr>
+      <a:lvl9pPr marL="3886200" indent="-228600" algn="l" defTabSz="914400" rtl="0" eaLnBrk="1" latinLnBrk="0" hangingPunct="1">
+        <a:lnSpc>
+          <a:spcPct val="90000"/>
+        </a:lnSpc>
+        <a:spcBef>
+          <a:spcPts val="500"/>
+        </a:spcBef>
+        <a:buFont typeface="Arial" panose="020B0604020202020204" pitchFamily="34" charset="0"/>
+        <a:buChar char="•"/>
+        <a:defRPr sz="1800" kern="1200">
+          <a:solidFill>
+            <a:schemeClr val="tx1"/>
+          </a:solidFill>
+          <a:latin typeface="+mn-lt"/>
+          <a:ea typeface="+mn-ea"/>
+          <a:cs typeface="+mn-cs"/>
+        </a:defRPr>
+      </a:lvl9pPr>
+    </p:bodyStyle>
+    <p:otherStyle>
+      <a:defPPr>
+        <a:defRPr lang="cs-CZ"/>
+      </a:defPPr>
+      <a:lvl1pPr marL="0" algn="l" defTabSz="914400" rtl="0" eaLnBrk="1" latinLnBrk="0" hangingPunct="1">
+        <a:defRPr sz="1800" kern="1200">
+          <a:solidFill>
+            <a:schemeClr val="tx1"/>
+          </a:solidFill>
+          <a:latin typeface="+mn-lt"/>
+          <a:ea typeface="+mn-ea"/>
+          <a:cs typeface="+mn-cs"/>
+        </a:defRPr>
+      </a:lvl1pPr>
+      <a:lvl2pPr marL="457200" algn="l" defTabSz="914400" rtl="0" eaLnBrk="1" latinLnBrk="0" hangingPunct="1">
+        <a:defRPr sz="1800" kern="1200">
+          <a:solidFill>
+            <a:schemeClr val="tx1"/>
+          </a:solidFill>
+          <a:latin typeface="+mn-lt"/>
+          <a:ea typeface="+mn-ea"/>
+          <a:cs typeface="+mn-cs"/>
+        </a:defRPr>
+      </a:lvl2pPr>
+      <a:lvl3pPr marL="914400" algn="l" defTabSz="914400" rtl="0" eaLnBrk="1" latinLnBrk="0" hangingPunct="1">
+        <a:defRPr sz="1800" kern="1200">
+          <a:solidFill>
+            <a:schemeClr val="tx1"/>
+          </a:solidFill>
+          <a:latin typeface="+mn-lt"/>
+          <a:ea typeface="+mn-ea"/>
+          <a:cs typeface="+mn-cs"/>
+        </a:defRPr>
+      </a:lvl3pPr>
+      <a:lvl4pPr marL="1371600" algn="l" defTabSz="914400" rtl="0" eaLnBrk="1" latinLnBrk="0" hangingPunct="1">
+        <a:defRPr sz="1800" kern="1200">
+          <a:solidFill>
+            <a:schemeClr val="tx1"/>
+          </a:solidFill>
+          <a:latin typeface="+mn-lt"/>
+          <a:ea typeface="+mn-ea"/>
+          <a:cs typeface="+mn-cs"/>
+        </a:defRPr>
+      </a:lvl4pPr>
+      <a:lvl5pPr marL="1828800" algn="l" defTabSz="914400" rtl="0" eaLnBrk="1" latinLnBrk="0" hangingPunct="1">
+        <a:defRPr sz="1800" kern="1200">
+          <a:solidFill>
+            <a:schemeClr val="tx1"/>
+          </a:solidFill>
+          <a:latin typeface="+mn-lt"/>
+          <a:ea typeface="+mn-ea"/>
+          <a:cs typeface="+mn-cs"/>
+        </a:defRPr>
+      </a:lvl5pPr>
+      <a:lvl6pPr marL="2286000" algn="l" defTabSz="914400" rtl="0" eaLnBrk="1" latinLnBrk="0" hangingPunct="1">
+        <a:defRPr sz="1800" kern="1200">
+          <a:solidFill>
+            <a:schemeClr val="tx1"/>
+          </a:solidFill>
+          <a:latin typeface="+mn-lt"/>
+          <a:ea typeface="+mn-ea"/>
+          <a:cs typeface="+mn-cs"/>
+        </a:defRPr>
+      </a:lvl6pPr>
+      <a:lvl7pPr marL="2743200" algn="l" defTabSz="914400" rtl="0" eaLnBrk="1" latinLnBrk="0" hangingPunct="1">
+        <a:defRPr sz="1800" kern="1200">
+          <a:solidFill>
+            <a:schemeClr val="tx1"/>
+          </a:solidFill>
+          <a:latin typeface="+mn-lt"/>
+          <a:ea typeface="+mn-ea"/>
+          <a:cs typeface="+mn-cs"/>
+        </a:defRPr>
+      </a:lvl7pPr>
+      <a:lvl8pPr marL="3200400" algn="l" defTabSz="914400" rtl="0" eaLnBrk="1" latinLnBrk="0" hangingPunct="1">
+        <a:defRPr sz="1800" kern="1200">
+          <a:solidFill>
+            <a:schemeClr val="tx1"/>
+          </a:solidFill>
+          <a:latin typeface="+mn-lt"/>
+          <a:ea typeface="+mn-ea"/>
+          <a:cs typeface="+mn-cs"/>
+        </a:defRPr>
+      </a:lvl8pPr>
+      <a:lvl9pPr marL="3657600" algn="l" defTabSz="914400" rtl="0" eaLnBrk="1" latinLnBrk="0" hangingPunct="1">
+        <a:defRPr sz="1800" kern="1200">
+          <a:solidFill>
+            <a:schemeClr val="tx1"/>
+          </a:solidFill>
+          <a:latin typeface="+mn-lt"/>
+          <a:ea typeface="+mn-ea"/>
+          <a:cs typeface="+mn-cs"/>
+        </a:defRPr>
+      </a:lvl9pPr>
+    </p:otherStyle>
+  </p:txStyles>
 </p:sldMaster>
 </file>
 
 <file path=ppt/slides/slide1.xml><?xml version="1.0" encoding="utf-8"?>
-<p:sld xmlns:a="http://schemas.openxmlformats.org/drawingml/2006/main" xmlns:p="http://schemas.openxmlformats.org/presentationml/2006/main" xmlns:r="http://schemas.openxmlformats.org/officeDocument/2006/relationships" xmlns:p14="http://schemas.microsoft.com/office/powerpoint/2010/main" xmlns:p15="http://schemas.microsoft.com/office/powerpoint/2012/main" xmlns:mc="http://schemas.openxmlformats.org/markup-compatibility/2006">
+<p:sld xmlns:a="http://schemas.openxmlformats.org/drawingml/2006/main" xmlns:r="http://schemas.openxmlformats.org/officeDocument/2006/relationships" xmlns:p="http://schemas.openxmlformats.org/presentationml/2006/main">
   <p:cSld>
     <p:spTree>
       <p:nvGrpSpPr>
@@ -3516,15 +4225,22 @@
           </a:ln>
         </p:spPr>
         <p:style>
-          <a:lnRef idx="0"/>
-          <a:fillRef idx="0"/>
-          <a:effectRef idx="0"/>
+          <a:lnRef idx="0">
+            <a:scrgbClr r="0" g="0" b="0"/>
+          </a:lnRef>
+          <a:fillRef idx="0">
+            <a:scrgbClr r="0" g="0" b="0"/>
+          </a:fillRef>
+          <a:effectRef idx="0">
+            <a:scrgbClr r="0" g="0" b="0"/>
+          </a:effectRef>
           <a:fontRef idx="minor"/>
         </p:style>
         <p:txBody>
-          <a:bodyPr lIns="0" rIns="0" tIns="0" bIns="0" anchor="ctr">
+          <a:bodyPr lIns="0" tIns="0" rIns="0" bIns="0" anchor="ctr">
             <a:normAutofit/>
           </a:bodyPr>
+          <a:lstStyle/>
           <a:p>
             <a:pPr algn="ctr">
               <a:lnSpc>
@@ -3532,16 +4248,16 @@
               </a:lnSpc>
             </a:pPr>
             <a:r>
-              <a:rPr b="0" lang="cs-CZ" sz="4400" spc="-1" strike="noStrike">
-                <a:solidFill>
-                  <a:srgbClr val="ffffff"/>
+              <a:rPr lang="cs-CZ" sz="4400" b="0" strike="noStrike" spc="-1">
+                <a:solidFill>
+                  <a:srgbClr val="FFFFFF"/>
                 </a:solidFill>
                 <a:latin typeface="Ubuntu"/>
                 <a:ea typeface="DejaVu Sans"/>
               </a:rPr>
               <a:t>4-2 Gesta</a:t>
             </a:r>
-            <a:endParaRPr b="0" lang="cs-CZ" sz="4400" spc="-1" strike="noStrike">
+            <a:endParaRPr lang="cs-CZ" sz="4400" b="0" strike="noStrike" spc="-1">
               <a:latin typeface="Arial"/>
             </a:endParaRPr>
           </a:p>
@@ -3567,13 +4283,20 @@
           </a:ln>
         </p:spPr>
         <p:style>
-          <a:lnRef idx="0"/>
-          <a:fillRef idx="0"/>
-          <a:effectRef idx="0"/>
+          <a:lnRef idx="0">
+            <a:scrgbClr r="0" g="0" b="0"/>
+          </a:lnRef>
+          <a:fillRef idx="0">
+            <a:scrgbClr r="0" g="0" b="0"/>
+          </a:fillRef>
+          <a:effectRef idx="0">
+            <a:scrgbClr r="0" g="0" b="0"/>
+          </a:effectRef>
           <a:fontRef idx="minor"/>
         </p:style>
         <p:txBody>
-          <a:bodyPr lIns="90000" rIns="90000" tIns="45000" bIns="45000"/>
+          <a:bodyPr lIns="90000" tIns="45000" rIns="90000" bIns="45000"/>
+          <a:lstStyle/>
           <a:p>
             <a:pPr>
               <a:lnSpc>
@@ -3581,7 +4304,7 @@
               </a:lnSpc>
             </a:pPr>
             <a:r>
-              <a:rPr b="0" lang="cs-CZ" sz="6000" spc="-1" strike="noStrike">
+              <a:rPr lang="cs-CZ" sz="6000" b="0" strike="noStrike" spc="-1">
                 <a:solidFill>
                   <a:srgbClr val="000000"/>
                 </a:solidFill>
@@ -3590,7 +4313,7 @@
               </a:rPr>
               <a:t>PRIM – Micro:bit</a:t>
             </a:r>
-            <a:endParaRPr b="0" lang="cs-CZ" sz="6000" spc="-1" strike="noStrike">
+            <a:endParaRPr lang="cs-CZ" sz="6000" b="0" strike="noStrike" spc="-1">
               <a:latin typeface="Arial"/>
             </a:endParaRPr>
           </a:p>
@@ -3598,6 +4321,9 @@
       </p:sp>
     </p:spTree>
   </p:cSld>
+  <p:clrMapOvr>
+    <a:masterClrMapping/>
+  </p:clrMapOvr>
   <p:timing>
     <p:tnLst>
       <p:par>
@@ -3606,14 +4332,14 @@
             <p:seq>
               <p:cTn id="2" dur="indefinite" nodeType="mainSeq"/>
               <p:prevCondLst>
-                <p:cond delay="0" evt="onPrev">
+                <p:cond evt="onPrev" delay="0">
                   <p:tgtEl>
                     <p:sldTgt/>
                   </p:tgtEl>
                 </p:cond>
               </p:prevCondLst>
               <p:nextCondLst>
-                <p:cond delay="0" evt="onNext">
+                <p:cond evt="onNext" delay="0">
                   <p:tgtEl>
                     <p:sldTgt/>
                   </p:tgtEl>
@@ -3629,7 +4355,7 @@
 </file>
 
 <file path=ppt/slides/slide2.xml><?xml version="1.0" encoding="utf-8"?>
-<p:sld xmlns:a="http://schemas.openxmlformats.org/drawingml/2006/main" xmlns:p="http://schemas.openxmlformats.org/presentationml/2006/main" xmlns:r="http://schemas.openxmlformats.org/officeDocument/2006/relationships" xmlns:p14="http://schemas.microsoft.com/office/powerpoint/2010/main" xmlns:p15="http://schemas.microsoft.com/office/powerpoint/2012/main" xmlns:mc="http://schemas.openxmlformats.org/markup-compatibility/2006">
+<p:sld xmlns:a="http://schemas.openxmlformats.org/drawingml/2006/main" xmlns:r="http://schemas.openxmlformats.org/officeDocument/2006/relationships" xmlns:p="http://schemas.openxmlformats.org/presentationml/2006/main">
   <p:cSld>
     <p:spTree>
       <p:nvGrpSpPr>
@@ -3665,13 +4391,20 @@
           </a:ln>
         </p:spPr>
         <p:style>
-          <a:lnRef idx="0"/>
-          <a:fillRef idx="0"/>
-          <a:effectRef idx="0"/>
+          <a:lnRef idx="0">
+            <a:scrgbClr r="0" g="0" b="0"/>
+          </a:lnRef>
+          <a:fillRef idx="0">
+            <a:scrgbClr r="0" g="0" b="0"/>
+          </a:fillRef>
+          <a:effectRef idx="0">
+            <a:scrgbClr r="0" g="0" b="0"/>
+          </a:effectRef>
           <a:fontRef idx="minor"/>
         </p:style>
         <p:txBody>
-          <a:bodyPr lIns="0" rIns="0" tIns="0" bIns="0" anchor="ctr"/>
+          <a:bodyPr lIns="0" tIns="0" rIns="0" bIns="0" anchor="ctr"/>
+          <a:lstStyle/>
           <a:p>
             <a:pPr algn="ctr">
               <a:lnSpc>
@@ -3679,7 +4412,7 @@
               </a:lnSpc>
             </a:pPr>
             <a:r>
-              <a:rPr b="0" lang="cs-CZ" sz="4400" spc="-1" strike="noStrike">
+              <a:rPr lang="cs-CZ" sz="4400" b="0" strike="noStrike" spc="-1">
                 <a:solidFill>
                   <a:srgbClr val="000000"/>
                 </a:solidFill>
@@ -3688,7 +4421,7 @@
               </a:rPr>
               <a:t>První program - poloha</a:t>
             </a:r>
-            <a:endParaRPr b="0" lang="cs-CZ" sz="4400" spc="-1" strike="noStrike">
+            <a:endParaRPr lang="cs-CZ" sz="4400" b="0" strike="noStrike" spc="-1">
               <a:latin typeface="Arial"/>
             </a:endParaRPr>
           </a:p>
@@ -3709,24 +4442,31 @@
             <a:avLst/>
           </a:prstGeom>
           <a:solidFill>
-            <a:srgbClr val="dddddd"/>
+            <a:srgbClr val="DDDDDD"/>
           </a:solidFill>
           <a:ln>
             <a:solidFill>
-              <a:srgbClr val="3465a4"/>
+              <a:srgbClr val="3465A4"/>
             </a:solidFill>
           </a:ln>
         </p:spPr>
         <p:style>
-          <a:lnRef idx="0"/>
-          <a:fillRef idx="0"/>
-          <a:effectRef idx="0"/>
+          <a:lnRef idx="0">
+            <a:scrgbClr r="0" g="0" b="0"/>
+          </a:lnRef>
+          <a:fillRef idx="0">
+            <a:scrgbClr r="0" g="0" b="0"/>
+          </a:fillRef>
+          <a:effectRef idx="0">
+            <a:scrgbClr r="0" g="0" b="0"/>
+          </a:effectRef>
           <a:fontRef idx="minor"/>
         </p:style>
         <p:txBody>
-          <a:bodyPr lIns="0" rIns="0" tIns="0" bIns="0">
+          <a:bodyPr lIns="0" tIns="0" rIns="0" bIns="0">
             <a:normAutofit/>
           </a:bodyPr>
+          <a:lstStyle/>
           <a:p>
             <a:pPr>
               <a:lnSpc>
@@ -3734,7 +4474,7 @@
               </a:lnSpc>
             </a:pPr>
             <a:r>
-              <a:rPr b="0" lang="cs-CZ" sz="2400" spc="-1" strike="noStrike">
+              <a:rPr lang="cs-CZ" sz="2400" b="0" strike="noStrike" spc="-1">
                 <a:solidFill>
                   <a:srgbClr val="008000"/>
                 </a:solidFill>
@@ -3744,7 +4484,7 @@
               <a:t>from</a:t>
             </a:r>
             <a:r>
-              <a:rPr b="0" lang="cs-CZ" sz="2400" spc="-1" strike="noStrike">
+              <a:rPr lang="cs-CZ" sz="2400" b="0" strike="noStrike" spc="-1">
                 <a:solidFill>
                   <a:srgbClr val="000000"/>
                 </a:solidFill>
@@ -3754,9 +4494,9 @@
               <a:t> </a:t>
             </a:r>
             <a:r>
-              <a:rPr b="0" lang="cs-CZ" sz="2400" spc="-1" strike="noStrike">
-                <a:solidFill>
-                  <a:srgbClr val="0000ff"/>
+              <a:rPr lang="cs-CZ" sz="2400" b="0" strike="noStrike" spc="-1">
+                <a:solidFill>
+                  <a:srgbClr val="0000FF"/>
                 </a:solidFill>
                 <a:latin typeface="Courier New"/>
                 <a:ea typeface="DejaVu Sans"/>
@@ -3764,7 +4504,7 @@
               <a:t>microbit</a:t>
             </a:r>
             <a:r>
-              <a:rPr b="0" lang="cs-CZ" sz="2400" spc="-1" strike="noStrike">
+              <a:rPr lang="cs-CZ" sz="2400" b="0" strike="noStrike" spc="-1">
                 <a:solidFill>
                   <a:srgbClr val="000000"/>
                 </a:solidFill>
@@ -3774,7 +4514,7 @@
               <a:t> </a:t>
             </a:r>
             <a:r>
-              <a:rPr b="0" lang="cs-CZ" sz="2400" spc="-1" strike="noStrike">
+              <a:rPr lang="cs-CZ" sz="2400" b="0" strike="noStrike" spc="-1">
                 <a:solidFill>
                   <a:srgbClr val="008000"/>
                 </a:solidFill>
@@ -3784,7 +4524,7 @@
               <a:t>import</a:t>
             </a:r>
             <a:r>
-              <a:rPr b="0" lang="cs-CZ" sz="2400" spc="-1" strike="noStrike">
+              <a:rPr lang="cs-CZ" sz="2400" b="0" strike="noStrike" spc="-1">
                 <a:solidFill>
                   <a:srgbClr val="000000"/>
                 </a:solidFill>
@@ -3794,7 +4534,7 @@
               <a:t> </a:t>
             </a:r>
             <a:r>
-              <a:rPr b="0" lang="cs-CZ" sz="2400" spc="-1" strike="noStrike">
+              <a:rPr lang="cs-CZ" sz="2400" b="0" strike="noStrike" spc="-1">
                 <a:solidFill>
                   <a:srgbClr val="666666"/>
                 </a:solidFill>
@@ -3803,7 +4543,7 @@
               </a:rPr>
               <a:t>*</a:t>
             </a:r>
-            <a:endParaRPr b="0" lang="cs-CZ" sz="2400" spc="-1" strike="noStrike">
+            <a:endParaRPr lang="cs-CZ" sz="2400" b="0" strike="noStrike" spc="-1">
               <a:latin typeface="Courier New"/>
             </a:endParaRPr>
           </a:p>
@@ -3814,7 +4554,7 @@
               </a:lnSpc>
             </a:pPr>
             <a:r>
-              <a:rPr b="0" lang="cs-CZ" sz="2400" spc="-1" strike="noStrike">
+              <a:rPr lang="cs-CZ" sz="2400" b="0" strike="noStrike" spc="-1">
                 <a:solidFill>
                   <a:srgbClr val="008000"/>
                 </a:solidFill>
@@ -3824,7 +4564,7 @@
               <a:t>while</a:t>
             </a:r>
             <a:r>
-              <a:rPr b="0" lang="cs-CZ" sz="2400" spc="-1" strike="noStrike">
+              <a:rPr lang="cs-CZ" sz="2400" b="0" strike="noStrike" spc="-1">
                 <a:solidFill>
                   <a:srgbClr val="000000"/>
                 </a:solidFill>
@@ -3834,7 +4574,7 @@
               <a:t> </a:t>
             </a:r>
             <a:r>
-              <a:rPr b="0" lang="cs-CZ" sz="2400" spc="-1" strike="noStrike">
+              <a:rPr lang="cs-CZ" sz="2400" b="0" strike="noStrike" spc="-1">
                 <a:solidFill>
                   <a:srgbClr val="008000"/>
                 </a:solidFill>
@@ -3844,7 +4584,7 @@
               <a:t>True</a:t>
             </a:r>
             <a:r>
-              <a:rPr b="0" lang="cs-CZ" sz="2400" spc="-1" strike="noStrike">
+              <a:rPr lang="cs-CZ" sz="2400" b="0" strike="noStrike" spc="-1">
                 <a:solidFill>
                   <a:srgbClr val="000000"/>
                 </a:solidFill>
@@ -3853,7 +4593,7 @@
               </a:rPr>
               <a:t>:</a:t>
             </a:r>
-            <a:endParaRPr b="0" lang="cs-CZ" sz="2400" spc="-1" strike="noStrike">
+            <a:endParaRPr lang="cs-CZ" sz="2400" b="0" strike="noStrike" spc="-1">
               <a:latin typeface="Courier New"/>
             </a:endParaRPr>
           </a:p>
@@ -3864,27 +4604,17 @@
               </a:lnSpc>
             </a:pPr>
             <a:r>
-              <a:rPr b="0" lang="cs-CZ" sz="2400" spc="-1" strike="noStrike">
-                <a:solidFill>
-                  <a:srgbClr val="000000"/>
-                </a:solidFill>
-                <a:latin typeface="Courier New"/>
-                <a:ea typeface="DejaVu Sans"/>
-              </a:rPr>
-              <a:t>    </a:t>
-            </a:r>
-            <a:r>
-              <a:rPr b="0" lang="cs-CZ" sz="2400" spc="-1" strike="noStrike">
-                <a:solidFill>
-                  <a:srgbClr val="000000"/>
-                </a:solidFill>
-                <a:latin typeface="Courier New"/>
-                <a:ea typeface="DejaVu Sans"/>
-              </a:rPr>
-              <a:t>gesture </a:t>
-            </a:r>
-            <a:r>
-              <a:rPr b="0" lang="cs-CZ" sz="2400" spc="-1" strike="noStrike">
+              <a:rPr lang="cs-CZ" sz="2400" b="0" strike="noStrike" spc="-1">
+                <a:solidFill>
+                  <a:srgbClr val="000000"/>
+                </a:solidFill>
+                <a:latin typeface="Courier New"/>
+                <a:ea typeface="DejaVu Sans"/>
+              </a:rPr>
+              <a:t>    gesture </a:t>
+            </a:r>
+            <a:r>
+              <a:rPr lang="cs-CZ" sz="2400" b="0" strike="noStrike" spc="-1">
                 <a:solidFill>
                   <a:srgbClr val="666666"/>
                 </a:solidFill>
@@ -3894,7 +4624,7 @@
               <a:t>=</a:t>
             </a:r>
             <a:r>
-              <a:rPr b="0" lang="cs-CZ" sz="2400" spc="-1" strike="noStrike">
+              <a:rPr lang="cs-CZ" sz="2400" b="0" strike="noStrike" spc="-1">
                 <a:solidFill>
                   <a:srgbClr val="000000"/>
                 </a:solidFill>
@@ -3904,7 +4634,7 @@
               <a:t> accelerometer</a:t>
             </a:r>
             <a:r>
-              <a:rPr b="0" lang="cs-CZ" sz="2400" spc="-1" strike="noStrike">
+              <a:rPr lang="cs-CZ" sz="2400" b="0" strike="noStrike" spc="-1">
                 <a:solidFill>
                   <a:srgbClr val="666666"/>
                 </a:solidFill>
@@ -3914,7 +4644,7 @@
               <a:t>.</a:t>
             </a:r>
             <a:r>
-              <a:rPr b="0" lang="cs-CZ" sz="2400" spc="-1" strike="noStrike">
+              <a:rPr lang="cs-CZ" sz="2400" b="0" strike="noStrike" spc="-1">
                 <a:solidFill>
                   <a:srgbClr val="000000"/>
                 </a:solidFill>
@@ -3923,7 +4653,7 @@
               </a:rPr>
               <a:t>current_gesture()</a:t>
             </a:r>
-            <a:endParaRPr b="0" lang="cs-CZ" sz="2400" spc="-1" strike="noStrike">
+            <a:endParaRPr lang="cs-CZ" sz="2400" b="0" strike="noStrike" spc="-1">
               <a:latin typeface="Courier New"/>
             </a:endParaRPr>
           </a:p>
@@ -3934,7 +4664,7 @@
               </a:lnSpc>
             </a:pPr>
             <a:r>
-              <a:rPr b="0" lang="cs-CZ" sz="2400" spc="-1" strike="noStrike">
+              <a:rPr lang="cs-CZ" sz="2400" b="0" strike="noStrike" spc="-1">
                 <a:solidFill>
                   <a:srgbClr val="000000"/>
                 </a:solidFill>
@@ -3944,7 +4674,7 @@
               <a:t>    </a:t>
             </a:r>
             <a:r>
-              <a:rPr b="0" lang="cs-CZ" sz="2400" spc="-1" strike="noStrike">
+              <a:rPr lang="cs-CZ" sz="2400" b="0" strike="noStrike" spc="-1">
                 <a:solidFill>
                   <a:srgbClr val="008000"/>
                 </a:solidFill>
@@ -3954,7 +4684,7 @@
               <a:t>if</a:t>
             </a:r>
             <a:r>
-              <a:rPr b="0" lang="cs-CZ" sz="2400" spc="-1" strike="noStrike">
+              <a:rPr lang="cs-CZ" sz="2400" b="0" strike="noStrike" spc="-1">
                 <a:solidFill>
                   <a:srgbClr val="000000"/>
                 </a:solidFill>
@@ -3964,7 +4694,7 @@
               <a:t> gesture </a:t>
             </a:r>
             <a:r>
-              <a:rPr b="0" lang="cs-CZ" sz="2400" spc="-1" strike="noStrike">
+              <a:rPr lang="cs-CZ" sz="2400" b="0" strike="noStrike" spc="-1">
                 <a:solidFill>
                   <a:srgbClr val="666666"/>
                 </a:solidFill>
@@ -3974,7 +4704,7 @@
               <a:t>==</a:t>
             </a:r>
             <a:r>
-              <a:rPr b="0" lang="cs-CZ" sz="2400" spc="-1" strike="noStrike">
+              <a:rPr lang="cs-CZ" sz="2400" b="0" strike="noStrike" spc="-1">
                 <a:solidFill>
                   <a:srgbClr val="000000"/>
                 </a:solidFill>
@@ -3984,9 +4714,9 @@
               <a:t> </a:t>
             </a:r>
             <a:r>
-              <a:rPr b="0" lang="cs-CZ" sz="2400" spc="-1" strike="noStrike">
-                <a:solidFill>
-                  <a:srgbClr val="ba2121"/>
+              <a:rPr lang="cs-CZ" sz="2400" b="0" strike="noStrike" spc="-1">
+                <a:solidFill>
+                  <a:srgbClr val="BA2121"/>
                 </a:solidFill>
                 <a:latin typeface="Courier New"/>
                 <a:ea typeface="DejaVu Sans"/>
@@ -3994,7 +4724,7 @@
               <a:t>"face up"</a:t>
             </a:r>
             <a:r>
-              <a:rPr b="0" lang="cs-CZ" sz="2400" spc="-1" strike="noStrike">
+              <a:rPr lang="cs-CZ" sz="2400" b="0" strike="noStrike" spc="-1">
                 <a:solidFill>
                   <a:srgbClr val="000000"/>
                 </a:solidFill>
@@ -4003,7 +4733,7 @@
               </a:rPr>
               <a:t>:</a:t>
             </a:r>
-            <a:endParaRPr b="0" lang="cs-CZ" sz="2400" spc="-1" strike="noStrike">
+            <a:endParaRPr lang="cs-CZ" sz="2400" b="0" strike="noStrike" spc="-1">
               <a:latin typeface="Courier New"/>
             </a:endParaRPr>
           </a:p>
@@ -4014,27 +4744,17 @@
               </a:lnSpc>
             </a:pPr>
             <a:r>
-              <a:rPr b="0" lang="cs-CZ" sz="2400" spc="-1" strike="noStrike">
-                <a:solidFill>
-                  <a:srgbClr val="000000"/>
-                </a:solidFill>
-                <a:latin typeface="Courier New"/>
-                <a:ea typeface="DejaVu Sans"/>
-              </a:rPr>
-              <a:t>        </a:t>
-            </a:r>
-            <a:r>
-              <a:rPr b="0" lang="cs-CZ" sz="2400" spc="-1" strike="noStrike">
-                <a:solidFill>
-                  <a:srgbClr val="000000"/>
-                </a:solidFill>
-                <a:latin typeface="Courier New"/>
-                <a:ea typeface="DejaVu Sans"/>
-              </a:rPr>
-              <a:t>display</a:t>
-            </a:r>
-            <a:r>
-              <a:rPr b="0" lang="cs-CZ" sz="2400" spc="-1" strike="noStrike">
+              <a:rPr lang="cs-CZ" sz="2400" b="0" strike="noStrike" spc="-1">
+                <a:solidFill>
+                  <a:srgbClr val="000000"/>
+                </a:solidFill>
+                <a:latin typeface="Courier New"/>
+                <a:ea typeface="DejaVu Sans"/>
+              </a:rPr>
+              <a:t>        display</a:t>
+            </a:r>
+            <a:r>
+              <a:rPr lang="cs-CZ" sz="2400" b="0" strike="noStrike" spc="-1">
                 <a:solidFill>
                   <a:srgbClr val="666666"/>
                 </a:solidFill>
@@ -4044,7 +4764,7 @@
               <a:t>.</a:t>
             </a:r>
             <a:r>
-              <a:rPr b="0" lang="cs-CZ" sz="2400" spc="-1" strike="noStrike">
+              <a:rPr lang="cs-CZ" sz="2400" b="0" strike="noStrike" spc="-1">
                 <a:solidFill>
                   <a:srgbClr val="000000"/>
                 </a:solidFill>
@@ -4054,7 +4774,7 @@
               <a:t>show(Image</a:t>
             </a:r>
             <a:r>
-              <a:rPr b="0" lang="cs-CZ" sz="2400" spc="-1" strike="noStrike">
+              <a:rPr lang="cs-CZ" sz="2400" b="0" strike="noStrike" spc="-1">
                 <a:solidFill>
                   <a:srgbClr val="666666"/>
                 </a:solidFill>
@@ -4064,7 +4784,7 @@
               <a:t>.</a:t>
             </a:r>
             <a:r>
-              <a:rPr b="0" lang="cs-CZ" sz="2400" spc="-1" strike="noStrike">
+              <a:rPr lang="cs-CZ" sz="2400" b="0" strike="noStrike" spc="-1">
                 <a:solidFill>
                   <a:srgbClr val="000000"/>
                 </a:solidFill>
@@ -4073,7 +4793,7 @@
               </a:rPr>
               <a:t>HAPPY)</a:t>
             </a:r>
-            <a:endParaRPr b="0" lang="cs-CZ" sz="2400" spc="-1" strike="noStrike">
+            <a:endParaRPr lang="cs-CZ" sz="2400" b="0" strike="noStrike" spc="-1">
               <a:latin typeface="Courier New"/>
             </a:endParaRPr>
           </a:p>
@@ -4084,7 +4804,7 @@
               </a:lnSpc>
             </a:pPr>
             <a:r>
-              <a:rPr b="0" lang="cs-CZ" sz="2400" spc="-1" strike="noStrike">
+              <a:rPr lang="cs-CZ" sz="2400" b="0" strike="noStrike" spc="-1">
                 <a:solidFill>
                   <a:srgbClr val="000000"/>
                 </a:solidFill>
@@ -4094,7 +4814,7 @@
               <a:t>    </a:t>
             </a:r>
             <a:r>
-              <a:rPr b="0" lang="cs-CZ" sz="2400" spc="-1" strike="noStrike">
+              <a:rPr lang="cs-CZ" sz="2400" b="0" strike="noStrike" spc="-1">
                 <a:solidFill>
                   <a:srgbClr val="008000"/>
                 </a:solidFill>
@@ -4104,7 +4824,7 @@
               <a:t>else</a:t>
             </a:r>
             <a:r>
-              <a:rPr b="0" lang="cs-CZ" sz="2400" spc="-1" strike="noStrike">
+              <a:rPr lang="cs-CZ" sz="2400" b="0" strike="noStrike" spc="-1">
                 <a:solidFill>
                   <a:srgbClr val="000000"/>
                 </a:solidFill>
@@ -4113,7 +4833,7 @@
               </a:rPr>
               <a:t>:</a:t>
             </a:r>
-            <a:endParaRPr b="0" lang="cs-CZ" sz="2400" spc="-1" strike="noStrike">
+            <a:endParaRPr lang="cs-CZ" sz="2400" b="0" strike="noStrike" spc="-1">
               <a:latin typeface="Courier New"/>
             </a:endParaRPr>
           </a:p>
@@ -4124,27 +4844,17 @@
               </a:lnSpc>
             </a:pPr>
             <a:r>
-              <a:rPr b="0" lang="cs-CZ" sz="2400" spc="-1" strike="noStrike">
-                <a:solidFill>
-                  <a:srgbClr val="000000"/>
-                </a:solidFill>
-                <a:latin typeface="Courier New"/>
-                <a:ea typeface="DejaVu Sans"/>
-              </a:rPr>
-              <a:t>        </a:t>
-            </a:r>
-            <a:r>
-              <a:rPr b="0" lang="cs-CZ" sz="2400" spc="-1" strike="noStrike">
-                <a:solidFill>
-                  <a:srgbClr val="000000"/>
-                </a:solidFill>
-                <a:latin typeface="Courier New"/>
-                <a:ea typeface="DejaVu Sans"/>
-              </a:rPr>
-              <a:t>display</a:t>
-            </a:r>
-            <a:r>
-              <a:rPr b="0" lang="cs-CZ" sz="2400" spc="-1" strike="noStrike">
+              <a:rPr lang="cs-CZ" sz="2400" b="0" strike="noStrike" spc="-1">
+                <a:solidFill>
+                  <a:srgbClr val="000000"/>
+                </a:solidFill>
+                <a:latin typeface="Courier New"/>
+                <a:ea typeface="DejaVu Sans"/>
+              </a:rPr>
+              <a:t>        display</a:t>
+            </a:r>
+            <a:r>
+              <a:rPr lang="cs-CZ" sz="2400" b="0" strike="noStrike" spc="-1">
                 <a:solidFill>
                   <a:srgbClr val="666666"/>
                 </a:solidFill>
@@ -4154,7 +4864,7 @@
               <a:t>.</a:t>
             </a:r>
             <a:r>
-              <a:rPr b="0" lang="cs-CZ" sz="2400" spc="-1" strike="noStrike">
+              <a:rPr lang="cs-CZ" sz="2400" b="0" strike="noStrike" spc="-1">
                 <a:solidFill>
                   <a:srgbClr val="000000"/>
                 </a:solidFill>
@@ -4164,7 +4874,7 @@
               <a:t>show(Image</a:t>
             </a:r>
             <a:r>
-              <a:rPr b="0" lang="cs-CZ" sz="2400" spc="-1" strike="noStrike">
+              <a:rPr lang="cs-CZ" sz="2400" b="0" strike="noStrike" spc="-1">
                 <a:solidFill>
                   <a:srgbClr val="666666"/>
                 </a:solidFill>
@@ -4174,7 +4884,7 @@
               <a:t>.</a:t>
             </a:r>
             <a:r>
-              <a:rPr b="0" lang="cs-CZ" sz="2400" spc="-1" strike="noStrike">
+              <a:rPr lang="cs-CZ" sz="2400" b="0" strike="noStrike" spc="-1">
                 <a:solidFill>
                   <a:srgbClr val="000000"/>
                 </a:solidFill>
@@ -4183,7 +4893,7 @@
               </a:rPr>
               <a:t>ANGRY)</a:t>
             </a:r>
-            <a:endParaRPr b="0" lang="cs-CZ" sz="2400" spc="-1" strike="noStrike">
+            <a:endParaRPr lang="cs-CZ" sz="2400" b="0" strike="noStrike" spc="-1">
               <a:latin typeface="Courier New"/>
             </a:endParaRPr>
           </a:p>
@@ -4193,7 +4903,7 @@
                 <a:spcPct val="100000"/>
               </a:lnSpc>
             </a:pPr>
-            <a:endParaRPr b="0" lang="cs-CZ" sz="2400" spc="-1" strike="noStrike">
+            <a:endParaRPr lang="cs-CZ" sz="2400" b="0" strike="noStrike" spc="-1">
               <a:latin typeface="Courier New"/>
             </a:endParaRPr>
           </a:p>
@@ -4201,22 +4911,25 @@
       </p:sp>
     </p:spTree>
   </p:cSld>
+  <p:clrMapOvr>
+    <a:masterClrMapping/>
+  </p:clrMapOvr>
   <p:timing>
     <p:tnLst>
       <p:par>
-        <p:cTn id="3" dur="indefinite" restart="never" nodeType="tmRoot">
+        <p:cTn id="1" dur="indefinite" restart="never" nodeType="tmRoot">
           <p:childTnLst>
             <p:seq>
-              <p:cTn id="4" dur="indefinite" nodeType="mainSeq"/>
+              <p:cTn id="2" dur="indefinite" nodeType="mainSeq"/>
               <p:prevCondLst>
-                <p:cond delay="0" evt="onPrev">
+                <p:cond evt="onPrev" delay="0">
                   <p:tgtEl>
                     <p:sldTgt/>
                   </p:tgtEl>
                 </p:cond>
               </p:prevCondLst>
               <p:nextCondLst>
-                <p:cond delay="0" evt="onNext">
+                <p:cond evt="onNext" delay="0">
                   <p:tgtEl>
                     <p:sldTgt/>
                   </p:tgtEl>
@@ -4232,7 +4945,7 @@
 </file>
 
 <file path=ppt/slides/slide3.xml><?xml version="1.0" encoding="utf-8"?>
-<p:sld xmlns:a="http://schemas.openxmlformats.org/drawingml/2006/main" xmlns:p="http://schemas.openxmlformats.org/presentationml/2006/main" xmlns:r="http://schemas.openxmlformats.org/officeDocument/2006/relationships" xmlns:p14="http://schemas.microsoft.com/office/powerpoint/2010/main" xmlns:p15="http://schemas.microsoft.com/office/powerpoint/2012/main" xmlns:mc="http://schemas.openxmlformats.org/markup-compatibility/2006">
+<p:sld xmlns:a="http://schemas.openxmlformats.org/drawingml/2006/main" xmlns:r="http://schemas.openxmlformats.org/officeDocument/2006/relationships" xmlns:p="http://schemas.openxmlformats.org/presentationml/2006/main">
   <p:cSld>
     <p:spTree>
       <p:nvGrpSpPr>
@@ -4268,13 +4981,20 @@
           </a:ln>
         </p:spPr>
         <p:style>
-          <a:lnRef idx="0"/>
-          <a:fillRef idx="0"/>
-          <a:effectRef idx="0"/>
+          <a:lnRef idx="0">
+            <a:scrgbClr r="0" g="0" b="0"/>
+          </a:lnRef>
+          <a:fillRef idx="0">
+            <a:scrgbClr r="0" g="0" b="0"/>
+          </a:fillRef>
+          <a:effectRef idx="0">
+            <a:scrgbClr r="0" g="0" b="0"/>
+          </a:effectRef>
           <a:fontRef idx="minor"/>
         </p:style>
         <p:txBody>
-          <a:bodyPr lIns="0" rIns="0" tIns="0" bIns="0" anchor="ctr"/>
+          <a:bodyPr lIns="0" tIns="0" rIns="0" bIns="0" anchor="ctr"/>
+          <a:lstStyle/>
           <a:p>
             <a:pPr algn="ctr">
               <a:lnSpc>
@@ -4282,7 +5002,7 @@
               </a:lnSpc>
             </a:pPr>
             <a:r>
-              <a:rPr b="0" lang="cs-CZ" sz="4400" spc="-1" strike="noStrike">
+              <a:rPr lang="cs-CZ" sz="4400" b="0" strike="noStrike" spc="-1">
                 <a:solidFill>
                   <a:srgbClr val="000000"/>
                 </a:solidFill>
@@ -4291,7 +5011,7 @@
               </a:rPr>
               <a:t>Druhý program – magic 8 ball</a:t>
             </a:r>
-            <a:endParaRPr b="0" lang="cs-CZ" sz="4400" spc="-1" strike="noStrike">
+            <a:endParaRPr lang="cs-CZ" sz="4400" b="0" strike="noStrike" spc="-1">
               <a:latin typeface="Arial"/>
             </a:endParaRPr>
           </a:p>
@@ -4312,22 +5032,29 @@
             <a:avLst/>
           </a:prstGeom>
           <a:solidFill>
-            <a:srgbClr val="dddddd"/>
+            <a:srgbClr val="DDDDDD"/>
           </a:solidFill>
           <a:ln>
             <a:solidFill>
-              <a:srgbClr val="3465a4"/>
+              <a:srgbClr val="3465A4"/>
             </a:solidFill>
           </a:ln>
         </p:spPr>
         <p:style>
-          <a:lnRef idx="0"/>
-          <a:fillRef idx="0"/>
-          <a:effectRef idx="0"/>
+          <a:lnRef idx="0">
+            <a:scrgbClr r="0" g="0" b="0"/>
+          </a:lnRef>
+          <a:fillRef idx="0">
+            <a:scrgbClr r="0" g="0" b="0"/>
+          </a:fillRef>
+          <a:effectRef idx="0">
+            <a:scrgbClr r="0" g="0" b="0"/>
+          </a:effectRef>
           <a:fontRef idx="minor"/>
         </p:style>
         <p:txBody>
-          <a:bodyPr lIns="90000" rIns="90000" tIns="45000" bIns="45000"/>
+          <a:bodyPr lIns="90000" tIns="45000" rIns="90000" bIns="45000"/>
+          <a:lstStyle/>
           <a:p>
             <a:pPr>
               <a:lnSpc>
@@ -4335,7 +5062,7 @@
               </a:lnSpc>
             </a:pPr>
             <a:r>
-              <a:rPr b="0" lang="cs-CZ" sz="2400" spc="-1" strike="noStrike">
+              <a:rPr lang="cs-CZ" sz="2400" b="0" strike="noStrike" spc="-1" dirty="0" err="1">
                 <a:solidFill>
                   <a:srgbClr val="008000"/>
                 </a:solidFill>
@@ -4345,7 +5072,7 @@
               <a:t>from</a:t>
             </a:r>
             <a:r>
-              <a:rPr b="0" lang="cs-CZ" sz="2400" spc="-1" strike="noStrike">
+              <a:rPr lang="cs-CZ" sz="2400" b="0" strike="noStrike" spc="-1" dirty="0">
                 <a:solidFill>
                   <a:srgbClr val="000000"/>
                 </a:solidFill>
@@ -4355,9 +5082,9 @@
               <a:t> </a:t>
             </a:r>
             <a:r>
-              <a:rPr b="0" lang="cs-CZ" sz="2400" spc="-1" strike="noStrike">
-                <a:solidFill>
-                  <a:srgbClr val="0000ff"/>
+              <a:rPr lang="cs-CZ" sz="2400" b="0" strike="noStrike" spc="-1" dirty="0" err="1">
+                <a:solidFill>
+                  <a:srgbClr val="0000FF"/>
                 </a:solidFill>
                 <a:latin typeface="Courier New"/>
                 <a:ea typeface="DejaVu Sans"/>
@@ -4365,7 +5092,7 @@
               <a:t>microbit</a:t>
             </a:r>
             <a:r>
-              <a:rPr b="0" lang="cs-CZ" sz="2400" spc="-1" strike="noStrike">
+              <a:rPr lang="cs-CZ" sz="2400" b="0" strike="noStrike" spc="-1" dirty="0">
                 <a:solidFill>
                   <a:srgbClr val="000000"/>
                 </a:solidFill>
@@ -4375,7 +5102,7 @@
               <a:t> </a:t>
             </a:r>
             <a:r>
-              <a:rPr b="0" lang="cs-CZ" sz="2400" spc="-1" strike="noStrike">
+              <a:rPr lang="cs-CZ" sz="2400" b="0" strike="noStrike" spc="-1" dirty="0">
                 <a:solidFill>
                   <a:srgbClr val="008000"/>
                 </a:solidFill>
@@ -4385,7 +5112,7 @@
               <a:t>import</a:t>
             </a:r>
             <a:r>
-              <a:rPr b="0" lang="cs-CZ" sz="2400" spc="-1" strike="noStrike">
+              <a:rPr lang="cs-CZ" sz="2400" b="0" strike="noStrike" spc="-1" dirty="0">
                 <a:solidFill>
                   <a:srgbClr val="000000"/>
                 </a:solidFill>
@@ -4395,7 +5122,7 @@
               <a:t> </a:t>
             </a:r>
             <a:r>
-              <a:rPr b="0" lang="cs-CZ" sz="2400" spc="-1" strike="noStrike">
+              <a:rPr lang="cs-CZ" sz="2400" b="0" strike="noStrike" spc="-1" dirty="0">
                 <a:solidFill>
                   <a:srgbClr val="666666"/>
                 </a:solidFill>
@@ -4404,7 +5131,7 @@
               </a:rPr>
               <a:t>*</a:t>
             </a:r>
-            <a:endParaRPr b="0" lang="cs-CZ" sz="2400" spc="-1" strike="noStrike">
+            <a:endParaRPr lang="cs-CZ" sz="2400" b="0" strike="noStrike" spc="-1" dirty="0">
               <a:latin typeface="Courier New"/>
             </a:endParaRPr>
           </a:p>
@@ -4415,7 +5142,7 @@
               </a:lnSpc>
             </a:pPr>
             <a:r>
-              <a:rPr b="0" lang="cs-CZ" sz="2400" spc="-1" strike="noStrike">
+              <a:rPr lang="cs-CZ" sz="2400" b="0" strike="noStrike" spc="-1" dirty="0">
                 <a:solidFill>
                   <a:srgbClr val="008000"/>
                 </a:solidFill>
@@ -4425,7 +5152,7 @@
               <a:t>import</a:t>
             </a:r>
             <a:r>
-              <a:rPr b="0" lang="cs-CZ" sz="2400" spc="-1" strike="noStrike">
+              <a:rPr lang="cs-CZ" sz="2400" b="0" strike="noStrike" spc="-1" dirty="0">
                 <a:solidFill>
                   <a:srgbClr val="000000"/>
                 </a:solidFill>
@@ -4435,16 +5162,16 @@
               <a:t> </a:t>
             </a:r>
             <a:r>
-              <a:rPr b="0" lang="cs-CZ" sz="2400" spc="-1" strike="noStrike">
-                <a:solidFill>
-                  <a:srgbClr val="0000ff"/>
+              <a:rPr lang="cs-CZ" sz="2400" b="0" strike="noStrike" spc="-1" dirty="0" err="1">
+                <a:solidFill>
+                  <a:srgbClr val="0000FF"/>
                 </a:solidFill>
                 <a:latin typeface="Courier New"/>
                 <a:ea typeface="DejaVu Sans"/>
               </a:rPr>
               <a:t>random</a:t>
             </a:r>
-            <a:endParaRPr b="0" lang="cs-CZ" sz="2400" spc="-1" strike="noStrike">
+            <a:endParaRPr lang="cs-CZ" sz="2400" b="0" strike="noStrike" spc="-1" dirty="0">
               <a:latin typeface="Courier New"/>
             </a:endParaRPr>
           </a:p>
@@ -4455,17 +5182,27 @@
               </a:lnSpc>
             </a:pPr>
             <a:r>
-              <a:rPr b="0" lang="cs-CZ" sz="2400" spc="-1" strike="noStrike">
-                <a:solidFill>
-                  <a:srgbClr val="000000"/>
-                </a:solidFill>
-                <a:latin typeface="Courier New"/>
-                <a:ea typeface="DejaVu Sans"/>
-              </a:rPr>
-              <a:t>odpovedi </a:t>
-            </a:r>
-            <a:r>
-              <a:rPr b="0" lang="cs-CZ" sz="2400" spc="-1" strike="noStrike">
+              <a:rPr lang="cs-CZ" sz="2400" b="0" strike="noStrike" spc="-1" dirty="0" err="1">
+                <a:solidFill>
+                  <a:srgbClr val="000000"/>
+                </a:solidFill>
+                <a:latin typeface="Courier New"/>
+                <a:ea typeface="DejaVu Sans"/>
+              </a:rPr>
+              <a:t>odpovedi</a:t>
+            </a:r>
+            <a:r>
+              <a:rPr lang="cs-CZ" sz="2400" b="0" strike="noStrike" spc="-1" dirty="0">
+                <a:solidFill>
+                  <a:srgbClr val="000000"/>
+                </a:solidFill>
+                <a:latin typeface="Courier New"/>
+                <a:ea typeface="DejaVu Sans"/>
+              </a:rPr>
+              <a:t> </a:t>
+            </a:r>
+            <a:r>
+              <a:rPr lang="cs-CZ" sz="2400" b="0" strike="noStrike" spc="-1" dirty="0">
                 <a:solidFill>
                   <a:srgbClr val="666666"/>
                 </a:solidFill>
@@ -4475,16 +5212,36 @@
               <a:t>=</a:t>
             </a:r>
             <a:r>
-              <a:rPr b="0" lang="cs-CZ" sz="2400" spc="-1" strike="noStrike">
-                <a:solidFill>
-                  <a:srgbClr val="000000"/>
-                </a:solidFill>
-                <a:latin typeface="Courier New"/>
-                <a:ea typeface="DejaVu Sans"/>
-              </a:rPr>
-              <a:t> [</a:t>
-            </a:r>
-            <a:endParaRPr b="0" lang="cs-CZ" sz="2400" spc="-1" strike="noStrike">
+              <a:rPr lang="cs-CZ" sz="2400" b="0" strike="noStrike" spc="-1" dirty="0">
+                <a:solidFill>
+                  <a:srgbClr val="000000"/>
+                </a:solidFill>
+                <a:latin typeface="Courier New"/>
+                <a:ea typeface="DejaVu Sans"/>
+              </a:rPr>
+              <a:t> [“Ano“,“Ne“,“</a:t>
+            </a:r>
+            <a:r>
+              <a:rPr lang="cs-CZ" sz="2400" b="0" strike="noStrike" spc="-1" dirty="0" err="1">
+                <a:solidFill>
+                  <a:srgbClr val="000000"/>
+                </a:solidFill>
+                <a:latin typeface="Courier New"/>
+                <a:ea typeface="DejaVu Sans"/>
+              </a:rPr>
+              <a:t>Nevim</a:t>
+            </a:r>
+            <a:r>
+              <a:rPr lang="cs-CZ" sz="2400" b="0" strike="noStrike" spc="-1" dirty="0">
+                <a:solidFill>
+                  <a:srgbClr val="000000"/>
+                </a:solidFill>
+                <a:latin typeface="Courier New"/>
+                <a:ea typeface="DejaVu Sans"/>
+              </a:rPr>
+              <a:t>“]</a:t>
+            </a:r>
+            <a:endParaRPr lang="cs-CZ" sz="2400" b="0" strike="noStrike" spc="-1" dirty="0">
               <a:latin typeface="Courier New"/>
             </a:endParaRPr>
           </a:p>
@@ -4495,26 +5252,46 @@
               </a:lnSpc>
             </a:pPr>
             <a:r>
-              <a:rPr b="0" lang="cs-CZ" sz="2400" spc="-1" strike="noStrike">
-                <a:solidFill>
-                  <a:srgbClr val="000000"/>
-                </a:solidFill>
-                <a:latin typeface="Courier New"/>
-                <a:ea typeface="DejaVu Sans"/>
-              </a:rPr>
-              <a:t>    “</a:t>
-            </a:r>
-            <a:r>
-              <a:rPr b="0" lang="cs-CZ" sz="2400" spc="-1" strike="noStrike">
-                <a:solidFill>
-                  <a:srgbClr val="000000"/>
-                </a:solidFill>
-                <a:latin typeface="Courier New"/>
-                <a:ea typeface="DejaVu Sans"/>
-              </a:rPr>
-              <a:t>Ano“, “Ne“, “Nevim“, ]</a:t>
-            </a:r>
-            <a:endParaRPr b="0" lang="cs-CZ" sz="2400" spc="-1" strike="noStrike">
+              <a:rPr lang="cs-CZ" sz="2400" b="0" strike="noStrike" spc="-1" dirty="0" err="1">
+                <a:solidFill>
+                  <a:srgbClr val="008000"/>
+                </a:solidFill>
+                <a:latin typeface="Courier New"/>
+                <a:ea typeface="DejaVu Sans"/>
+              </a:rPr>
+              <a:t>while</a:t>
+            </a:r>
+            <a:r>
+              <a:rPr lang="cs-CZ" sz="2400" b="0" strike="noStrike" spc="-1" dirty="0">
+                <a:solidFill>
+                  <a:srgbClr val="000000"/>
+                </a:solidFill>
+                <a:latin typeface="Courier New"/>
+                <a:ea typeface="DejaVu Sans"/>
+              </a:rPr>
+              <a:t> </a:t>
+            </a:r>
+            <a:r>
+              <a:rPr lang="cs-CZ" sz="2400" b="0" strike="noStrike" spc="-1" dirty="0" err="1">
+                <a:solidFill>
+                  <a:srgbClr val="008000"/>
+                </a:solidFill>
+                <a:latin typeface="Courier New"/>
+                <a:ea typeface="DejaVu Sans"/>
+              </a:rPr>
+              <a:t>True</a:t>
+            </a:r>
+            <a:r>
+              <a:rPr lang="cs-CZ" sz="2400" b="0" strike="noStrike" spc="-1" dirty="0">
+                <a:solidFill>
+                  <a:srgbClr val="000000"/>
+                </a:solidFill>
+                <a:latin typeface="Courier New"/>
+                <a:ea typeface="DejaVu Sans"/>
+              </a:rPr>
+              <a:t>:</a:t>
+            </a:r>
+            <a:endParaRPr lang="cs-CZ" sz="2400" b="0" strike="noStrike" spc="-1" dirty="0">
               <a:latin typeface="Courier New"/>
             </a:endParaRPr>
           </a:p>
@@ -4525,46 +5302,76 @@
               </a:lnSpc>
             </a:pPr>
             <a:r>
-              <a:rPr b="0" lang="cs-CZ" sz="2400" spc="-1" strike="noStrike">
-                <a:solidFill>
-                  <a:srgbClr val="008000"/>
-                </a:solidFill>
-                <a:latin typeface="Courier New"/>
-                <a:ea typeface="DejaVu Sans"/>
-              </a:rPr>
-              <a:t>while</a:t>
-            </a:r>
-            <a:r>
-              <a:rPr b="0" lang="cs-CZ" sz="2400" spc="-1" strike="noStrike">
-                <a:solidFill>
-                  <a:srgbClr val="000000"/>
-                </a:solidFill>
-                <a:latin typeface="Courier New"/>
-                <a:ea typeface="DejaVu Sans"/>
-              </a:rPr>
-              <a:t> </a:t>
-            </a:r>
-            <a:r>
-              <a:rPr b="0" lang="cs-CZ" sz="2400" spc="-1" strike="noStrike">
-                <a:solidFill>
-                  <a:srgbClr val="008000"/>
-                </a:solidFill>
-                <a:latin typeface="Courier New"/>
-                <a:ea typeface="DejaVu Sans"/>
-              </a:rPr>
-              <a:t>True</a:t>
-            </a:r>
-            <a:r>
-              <a:rPr b="0" lang="cs-CZ" sz="2400" spc="-1" strike="noStrike">
-                <a:solidFill>
-                  <a:srgbClr val="000000"/>
-                </a:solidFill>
-                <a:latin typeface="Courier New"/>
-                <a:ea typeface="DejaVu Sans"/>
-              </a:rPr>
-              <a:t>:</a:t>
-            </a:r>
-            <a:endParaRPr b="0" lang="cs-CZ" sz="2400" spc="-1" strike="noStrike">
+              <a:rPr lang="cs-CZ" sz="2400" b="0" strike="noStrike" spc="-1" dirty="0">
+                <a:solidFill>
+                  <a:srgbClr val="000000"/>
+                </a:solidFill>
+                <a:latin typeface="Courier New"/>
+                <a:ea typeface="DejaVu Sans"/>
+              </a:rPr>
+              <a:t>    </a:t>
+            </a:r>
+            <a:r>
+              <a:rPr lang="cs-CZ" sz="2400" b="0" strike="noStrike" spc="-1" dirty="0" err="1">
+                <a:solidFill>
+                  <a:srgbClr val="000000"/>
+                </a:solidFill>
+                <a:latin typeface="Courier New"/>
+                <a:ea typeface="DejaVu Sans"/>
+              </a:rPr>
+              <a:t>display</a:t>
+            </a:r>
+            <a:r>
+              <a:rPr lang="cs-CZ" sz="2400" b="0" strike="noStrike" spc="-1" dirty="0" err="1">
+                <a:solidFill>
+                  <a:srgbClr val="666666"/>
+                </a:solidFill>
+                <a:latin typeface="Courier New"/>
+                <a:ea typeface="DejaVu Sans"/>
+              </a:rPr>
+              <a:t>.</a:t>
+            </a:r>
+            <a:r>
+              <a:rPr lang="cs-CZ" sz="2400" b="0" strike="noStrike" spc="-1" dirty="0" err="1">
+                <a:solidFill>
+                  <a:srgbClr val="000000"/>
+                </a:solidFill>
+                <a:latin typeface="Courier New"/>
+                <a:ea typeface="DejaVu Sans"/>
+              </a:rPr>
+              <a:t>show</a:t>
+            </a:r>
+            <a:r>
+              <a:rPr lang="cs-CZ" sz="2400" b="0" strike="noStrike" spc="-1" dirty="0">
+                <a:solidFill>
+                  <a:srgbClr val="000000"/>
+                </a:solidFill>
+                <a:latin typeface="Courier New"/>
+                <a:ea typeface="DejaVu Sans"/>
+              </a:rPr>
+              <a:t>(</a:t>
+            </a:r>
+            <a:r>
+              <a:rPr lang="cs-CZ" sz="2400" b="0" strike="noStrike" spc="-1" dirty="0">
+                <a:solidFill>
+                  <a:srgbClr val="BA2121"/>
+                </a:solidFill>
+                <a:latin typeface="Courier New"/>
+                <a:ea typeface="DejaVu Sans"/>
+              </a:rPr>
+              <a:t>'8'</a:t>
+            </a:r>
+            <a:r>
+              <a:rPr lang="cs-CZ" sz="2400" b="0" strike="noStrike" spc="-1" dirty="0">
+                <a:solidFill>
+                  <a:srgbClr val="000000"/>
+                </a:solidFill>
+                <a:latin typeface="Courier New"/>
+                <a:ea typeface="DejaVu Sans"/>
+              </a:rPr>
+              <a:t>)</a:t>
+            </a:r>
+            <a:endParaRPr lang="cs-CZ" sz="2400" b="0" strike="noStrike" spc="-1" dirty="0">
               <a:latin typeface="Courier New"/>
             </a:endParaRPr>
           </a:p>
@@ -4575,7 +5382,7 @@
               </a:lnSpc>
             </a:pPr>
             <a:r>
-              <a:rPr b="0" lang="cs-CZ" sz="2400" spc="-1" strike="noStrike">
+              <a:rPr lang="cs-CZ" sz="2400" b="0" strike="noStrike" spc="-1" dirty="0">
                 <a:solidFill>
                   <a:srgbClr val="000000"/>
                 </a:solidFill>
@@ -4585,17 +5392,37 @@
               <a:t>    </a:t>
             </a:r>
             <a:r>
-              <a:rPr b="0" lang="cs-CZ" sz="2400" spc="-1" strike="noStrike">
-                <a:solidFill>
-                  <a:srgbClr val="000000"/>
-                </a:solidFill>
-                <a:latin typeface="Courier New"/>
-                <a:ea typeface="DejaVu Sans"/>
-              </a:rPr>
-              <a:t>display</a:t>
-            </a:r>
-            <a:r>
-              <a:rPr b="0" lang="cs-CZ" sz="2400" spc="-1" strike="noStrike">
+              <a:rPr lang="cs-CZ" sz="2400" b="0" strike="noStrike" spc="-1" dirty="0" err="1">
+                <a:solidFill>
+                  <a:srgbClr val="008000"/>
+                </a:solidFill>
+                <a:latin typeface="Courier New"/>
+                <a:ea typeface="DejaVu Sans"/>
+              </a:rPr>
+              <a:t>if</a:t>
+            </a:r>
+            <a:r>
+              <a:rPr lang="cs-CZ" sz="2400" b="0" strike="noStrike" spc="-1" dirty="0">
+                <a:solidFill>
+                  <a:srgbClr val="000000"/>
+                </a:solidFill>
+                <a:latin typeface="Courier New"/>
+                <a:ea typeface="DejaVu Sans"/>
+              </a:rPr>
+              <a:t> </a:t>
+            </a:r>
+            <a:r>
+              <a:rPr lang="cs-CZ" sz="2400" b="0" strike="noStrike" spc="-1" dirty="0" err="1">
+                <a:solidFill>
+                  <a:srgbClr val="000000"/>
+                </a:solidFill>
+                <a:latin typeface="Courier New"/>
+                <a:ea typeface="DejaVu Sans"/>
+              </a:rPr>
+              <a:t>accelerometer</a:t>
+            </a:r>
+            <a:r>
+              <a:rPr lang="cs-CZ" sz="2400" b="0" strike="noStrike" spc="-1" dirty="0" err="1">
                 <a:solidFill>
                   <a:srgbClr val="666666"/>
                 </a:solidFill>
@@ -4605,36 +5432,66 @@
               <a:t>.</a:t>
             </a:r>
             <a:r>
-              <a:rPr b="0" lang="cs-CZ" sz="2400" spc="-1" strike="noStrike">
-                <a:solidFill>
-                  <a:srgbClr val="000000"/>
-                </a:solidFill>
-                <a:latin typeface="Courier New"/>
-                <a:ea typeface="DejaVu Sans"/>
-              </a:rPr>
-              <a:t>show(</a:t>
-            </a:r>
-            <a:r>
-              <a:rPr b="0" lang="cs-CZ" sz="2400" spc="-1" strike="noStrike">
-                <a:solidFill>
-                  <a:srgbClr val="ba2121"/>
-                </a:solidFill>
-                <a:latin typeface="Courier New"/>
-                <a:ea typeface="DejaVu Sans"/>
-              </a:rPr>
-              <a:t>'8'</a:t>
-            </a:r>
-            <a:r>
-              <a:rPr b="0" lang="cs-CZ" sz="2400" spc="-1" strike="noStrike">
-                <a:solidFill>
-                  <a:srgbClr val="000000"/>
-                </a:solidFill>
-                <a:latin typeface="Courier New"/>
-                <a:ea typeface="DejaVu Sans"/>
-              </a:rPr>
-              <a:t>)</a:t>
-            </a:r>
-            <a:endParaRPr b="0" lang="cs-CZ" sz="2400" spc="-1" strike="noStrike">
+              <a:rPr lang="cs-CZ" sz="2400" b="0" strike="noStrike" spc="-1" dirty="0" err="1">
+                <a:solidFill>
+                  <a:srgbClr val="000000"/>
+                </a:solidFill>
+                <a:latin typeface="Courier New"/>
+                <a:ea typeface="DejaVu Sans"/>
+              </a:rPr>
+              <a:t>was_gesture</a:t>
+            </a:r>
+            <a:r>
+              <a:rPr lang="cs-CZ" sz="2400" b="0" strike="noStrike" spc="-1" dirty="0">
+                <a:solidFill>
+                  <a:srgbClr val="000000"/>
+                </a:solidFill>
+                <a:latin typeface="Courier New"/>
+                <a:ea typeface="DejaVu Sans"/>
+              </a:rPr>
+              <a:t>(</a:t>
+            </a:r>
+            <a:r>
+              <a:rPr lang="cs-CZ" sz="2400" b="0" strike="noStrike" spc="-1" dirty="0">
+                <a:solidFill>
+                  <a:srgbClr val="BA2121"/>
+                </a:solidFill>
+                <a:latin typeface="Courier New"/>
+                <a:ea typeface="DejaVu Sans"/>
+              </a:rPr>
+              <a:t>'</a:t>
+            </a:r>
+            <a:r>
+              <a:rPr lang="cs-CZ" sz="2400" b="0" strike="noStrike" spc="-1" dirty="0" err="1">
+                <a:solidFill>
+                  <a:srgbClr val="BA2121"/>
+                </a:solidFill>
+                <a:latin typeface="Courier New"/>
+                <a:ea typeface="DejaVu Sans"/>
+              </a:rPr>
+              <a:t>shake</a:t>
+            </a:r>
+            <a:r>
+              <a:rPr lang="cs-CZ" sz="2400" b="0" strike="noStrike" spc="-1" dirty="0">
+                <a:solidFill>
+                  <a:srgbClr val="BA2121"/>
+                </a:solidFill>
+                <a:latin typeface="Courier New"/>
+                <a:ea typeface="DejaVu Sans"/>
+              </a:rPr>
+              <a:t>'</a:t>
+            </a:r>
+            <a:r>
+              <a:rPr lang="cs-CZ" sz="2400" b="0" strike="noStrike" spc="-1" dirty="0">
+                <a:solidFill>
+                  <a:srgbClr val="000000"/>
+                </a:solidFill>
+                <a:latin typeface="Courier New"/>
+                <a:ea typeface="DejaVu Sans"/>
+              </a:rPr>
+              <a:t>):</a:t>
+            </a:r>
+            <a:endParaRPr lang="cs-CZ" sz="2400" b="0" strike="noStrike" spc="-1" dirty="0">
               <a:latin typeface="Courier New"/>
             </a:endParaRPr>
           </a:p>
@@ -4645,37 +5502,27 @@
               </a:lnSpc>
             </a:pPr>
             <a:r>
-              <a:rPr b="0" lang="cs-CZ" sz="2400" spc="-1" strike="noStrike">
-                <a:solidFill>
-                  <a:srgbClr val="000000"/>
-                </a:solidFill>
-                <a:latin typeface="Courier New"/>
-                <a:ea typeface="DejaVu Sans"/>
-              </a:rPr>
-              <a:t>    </a:t>
-            </a:r>
-            <a:r>
-              <a:rPr b="0" lang="cs-CZ" sz="2400" spc="-1" strike="noStrike">
-                <a:solidFill>
-                  <a:srgbClr val="008000"/>
-                </a:solidFill>
-                <a:latin typeface="Courier New"/>
-                <a:ea typeface="DejaVu Sans"/>
-              </a:rPr>
-              <a:t>if</a:t>
-            </a:r>
-            <a:r>
-              <a:rPr b="0" lang="cs-CZ" sz="2400" spc="-1" strike="noStrike">
-                <a:solidFill>
-                  <a:srgbClr val="000000"/>
-                </a:solidFill>
-                <a:latin typeface="Courier New"/>
-                <a:ea typeface="DejaVu Sans"/>
-              </a:rPr>
-              <a:t> accelerometer</a:t>
-            </a:r>
-            <a:r>
-              <a:rPr b="0" lang="cs-CZ" sz="2400" spc="-1" strike="noStrike">
+              <a:rPr lang="cs-CZ" sz="2400" b="0" strike="noStrike" spc="-1" dirty="0">
+                <a:solidFill>
+                  <a:srgbClr val="000000"/>
+                </a:solidFill>
+                <a:latin typeface="Courier New"/>
+                <a:ea typeface="DejaVu Sans"/>
+              </a:rPr>
+              <a:t>        </a:t>
+            </a:r>
+            <a:r>
+              <a:rPr lang="cs-CZ" sz="2400" b="0" strike="noStrike" spc="-1" dirty="0" err="1">
+                <a:solidFill>
+                  <a:srgbClr val="000000"/>
+                </a:solidFill>
+                <a:latin typeface="Courier New"/>
+                <a:ea typeface="DejaVu Sans"/>
+              </a:rPr>
+              <a:t>display</a:t>
+            </a:r>
+            <a:r>
+              <a:rPr lang="cs-CZ" sz="2400" b="0" strike="noStrike" spc="-1" dirty="0" err="1">
                 <a:solidFill>
                   <a:srgbClr val="666666"/>
                 </a:solidFill>
@@ -4685,36 +5532,26 @@
               <a:t>.</a:t>
             </a:r>
             <a:r>
-              <a:rPr b="0" lang="cs-CZ" sz="2400" spc="-1" strike="noStrike">
-                <a:solidFill>
-                  <a:srgbClr val="000000"/>
-                </a:solidFill>
-                <a:latin typeface="Courier New"/>
-                <a:ea typeface="DejaVu Sans"/>
-              </a:rPr>
-              <a:t>was_gesture(</a:t>
-            </a:r>
-            <a:r>
-              <a:rPr b="0" lang="cs-CZ" sz="2400" spc="-1" strike="noStrike">
-                <a:solidFill>
-                  <a:srgbClr val="ba2121"/>
-                </a:solidFill>
-                <a:latin typeface="Courier New"/>
-                <a:ea typeface="DejaVu Sans"/>
-              </a:rPr>
-              <a:t>'shake'</a:t>
-            </a:r>
-            <a:r>
-              <a:rPr b="0" lang="cs-CZ" sz="2400" spc="-1" strike="noStrike">
-                <a:solidFill>
-                  <a:srgbClr val="000000"/>
-                </a:solidFill>
-                <a:latin typeface="Courier New"/>
-                <a:ea typeface="DejaVu Sans"/>
-              </a:rPr>
-              <a:t>):</a:t>
-            </a:r>
-            <a:endParaRPr b="0" lang="cs-CZ" sz="2400" spc="-1" strike="noStrike">
+              <a:rPr lang="cs-CZ" sz="2400" b="0" strike="noStrike" spc="-1" dirty="0" err="1">
+                <a:solidFill>
+                  <a:srgbClr val="000000"/>
+                </a:solidFill>
+                <a:latin typeface="Courier New"/>
+                <a:ea typeface="DejaVu Sans"/>
+              </a:rPr>
+              <a:t>clear</a:t>
+            </a:r>
+            <a:r>
+              <a:rPr lang="cs-CZ" sz="2400" b="0" strike="noStrike" spc="-1" dirty="0">
+                <a:solidFill>
+                  <a:srgbClr val="000000"/>
+                </a:solidFill>
+                <a:latin typeface="Courier New"/>
+                <a:ea typeface="DejaVu Sans"/>
+              </a:rPr>
+              <a:t>()</a:t>
+            </a:r>
+            <a:endParaRPr lang="cs-CZ" sz="2400" b="0" strike="noStrike" spc="-1" dirty="0">
               <a:latin typeface="Courier New"/>
             </a:endParaRPr>
           </a:p>
@@ -4725,7 +5562,7 @@
               </a:lnSpc>
             </a:pPr>
             <a:r>
-              <a:rPr b="0" lang="cs-CZ" sz="2400" spc="-1" strike="noStrike">
+              <a:rPr lang="cs-CZ" sz="2400" b="0" strike="noStrike" spc="-1" dirty="0">
                 <a:solidFill>
                   <a:srgbClr val="000000"/>
                 </a:solidFill>
@@ -4735,36 +5572,46 @@
               <a:t>        </a:t>
             </a:r>
             <a:r>
-              <a:rPr b="0" lang="cs-CZ" sz="2400" spc="-1" strike="noStrike">
-                <a:solidFill>
-                  <a:srgbClr val="000000"/>
-                </a:solidFill>
-                <a:latin typeface="Courier New"/>
-                <a:ea typeface="DejaVu Sans"/>
-              </a:rPr>
-              <a:t>display</a:t>
-            </a:r>
-            <a:r>
-              <a:rPr b="0" lang="cs-CZ" sz="2400" spc="-1" strike="noStrike">
+              <a:rPr lang="cs-CZ" sz="2400" b="0" strike="noStrike" spc="-1" dirty="0" err="1">
+                <a:solidFill>
+                  <a:srgbClr val="000000"/>
+                </a:solidFill>
+                <a:latin typeface="Courier New"/>
+                <a:ea typeface="DejaVu Sans"/>
+              </a:rPr>
+              <a:t>sleep</a:t>
+            </a:r>
+            <a:r>
+              <a:rPr lang="cs-CZ" sz="2400" b="0" strike="noStrike" spc="-1" dirty="0">
+                <a:solidFill>
+                  <a:srgbClr val="000000"/>
+                </a:solidFill>
+                <a:latin typeface="Courier New"/>
+                <a:ea typeface="DejaVu Sans"/>
+              </a:rPr>
+              <a:t>(</a:t>
+            </a:r>
+            <a:r>
+              <a:rPr lang="cs-CZ" sz="2400" b="0" strike="noStrike" spc="-1" dirty="0">
                 <a:solidFill>
                   <a:srgbClr val="666666"/>
                 </a:solidFill>
                 <a:latin typeface="Courier New"/>
                 <a:ea typeface="DejaVu Sans"/>
               </a:rPr>
-              <a:t>.</a:t>
-            </a:r>
-            <a:r>
-              <a:rPr b="0" lang="cs-CZ" sz="2400" spc="-1" strike="noStrike">
-                <a:solidFill>
-                  <a:srgbClr val="000000"/>
-                </a:solidFill>
-                <a:latin typeface="Courier New"/>
-                <a:ea typeface="DejaVu Sans"/>
-              </a:rPr>
-              <a:t>clear()</a:t>
-            </a:r>
-            <a:endParaRPr b="0" lang="cs-CZ" sz="2400" spc="-1" strike="noStrike">
+              <a:t>1000</a:t>
+            </a:r>
+            <a:r>
+              <a:rPr lang="cs-CZ" sz="2400" b="0" strike="noStrike" spc="-1" dirty="0">
+                <a:solidFill>
+                  <a:srgbClr val="000000"/>
+                </a:solidFill>
+                <a:latin typeface="Courier New"/>
+                <a:ea typeface="DejaVu Sans"/>
+              </a:rPr>
+              <a:t>)</a:t>
+            </a:r>
+            <a:endParaRPr lang="cs-CZ" sz="2400" b="0" strike="noStrike" spc="-1" dirty="0">
               <a:latin typeface="Courier New"/>
             </a:endParaRPr>
           </a:p>
@@ -4775,7 +5622,7 @@
               </a:lnSpc>
             </a:pPr>
             <a:r>
-              <a:rPr b="0" lang="cs-CZ" sz="2400" spc="-1" strike="noStrike">
+              <a:rPr lang="cs-CZ" sz="2400" b="0" strike="noStrike" spc="-1" dirty="0">
                 <a:solidFill>
                   <a:srgbClr val="000000"/>
                 </a:solidFill>
@@ -4785,36 +5632,106 @@
               <a:t>        </a:t>
             </a:r>
             <a:r>
-              <a:rPr b="0" lang="cs-CZ" sz="2400" spc="-1" strike="noStrike">
-                <a:solidFill>
-                  <a:srgbClr val="000000"/>
-                </a:solidFill>
-                <a:latin typeface="Courier New"/>
-                <a:ea typeface="DejaVu Sans"/>
-              </a:rPr>
-              <a:t>sleep(</a:t>
-            </a:r>
-            <a:r>
-              <a:rPr b="0" lang="cs-CZ" sz="2400" spc="-1" strike="noStrike">
+              <a:rPr lang="cs-CZ" sz="2400" b="0" strike="noStrike" spc="-1" dirty="0" err="1">
+                <a:solidFill>
+                  <a:srgbClr val="000000"/>
+                </a:solidFill>
+                <a:latin typeface="Courier New"/>
+                <a:ea typeface="DejaVu Sans"/>
+              </a:rPr>
+              <a:t>display</a:t>
+            </a:r>
+            <a:r>
+              <a:rPr lang="cs-CZ" sz="2400" b="0" strike="noStrike" spc="-1" dirty="0" err="1">
                 <a:solidFill>
                   <a:srgbClr val="666666"/>
                 </a:solidFill>
                 <a:latin typeface="Courier New"/>
                 <a:ea typeface="DejaVu Sans"/>
               </a:rPr>
-              <a:t>1000</a:t>
-            </a:r>
-            <a:r>
-              <a:rPr b="0" lang="cs-CZ" sz="2400" spc="-1" strike="noStrike">
-                <a:solidFill>
-                  <a:srgbClr val="000000"/>
-                </a:solidFill>
-                <a:latin typeface="Courier New"/>
-                <a:ea typeface="DejaVu Sans"/>
-              </a:rPr>
-              <a:t>)</a:t>
-            </a:r>
-            <a:endParaRPr b="0" lang="cs-CZ" sz="2400" spc="-1" strike="noStrike">
+              <a:t>.</a:t>
+            </a:r>
+            <a:r>
+              <a:rPr lang="cs-CZ" sz="2400" b="0" strike="noStrike" spc="-1" dirty="0" err="1">
+                <a:solidFill>
+                  <a:srgbClr val="000000"/>
+                </a:solidFill>
+                <a:latin typeface="Courier New"/>
+                <a:ea typeface="DejaVu Sans"/>
+              </a:rPr>
+              <a:t>scroll</a:t>
+            </a:r>
+            <a:r>
+              <a:rPr lang="cs-CZ" sz="2400" b="0" strike="noStrike" spc="-1" dirty="0">
+                <a:solidFill>
+                  <a:srgbClr val="000000"/>
+                </a:solidFill>
+                <a:latin typeface="Courier New"/>
+                <a:ea typeface="DejaVu Sans"/>
+              </a:rPr>
+              <a:t>(</a:t>
+            </a:r>
+            <a:r>
+              <a:rPr lang="cs-CZ" sz="2400" b="0" strike="noStrike" spc="-1" dirty="0" err="1">
+                <a:solidFill>
+                  <a:srgbClr val="000000"/>
+                </a:solidFill>
+                <a:latin typeface="Courier New"/>
+                <a:ea typeface="DejaVu Sans"/>
+              </a:rPr>
+              <a:t>random</a:t>
+            </a:r>
+            <a:r>
+              <a:rPr lang="cs-CZ" sz="2400" b="0" strike="noStrike" spc="-1" dirty="0" err="1">
+                <a:solidFill>
+                  <a:srgbClr val="666666"/>
+                </a:solidFill>
+                <a:latin typeface="Courier New"/>
+                <a:ea typeface="DejaVu Sans"/>
+              </a:rPr>
+              <a:t>.</a:t>
+            </a:r>
+            <a:r>
+              <a:rPr lang="cs-CZ" sz="2400" b="0" strike="noStrike" spc="-1" dirty="0" err="1">
+                <a:solidFill>
+                  <a:srgbClr val="000000"/>
+                </a:solidFill>
+                <a:latin typeface="Courier New"/>
+                <a:ea typeface="DejaVu Sans"/>
+              </a:rPr>
+              <a:t>choice</a:t>
+            </a:r>
+            <a:r>
+              <a:rPr lang="cs-CZ" sz="2400" b="0" strike="noStrike" spc="-1" dirty="0">
+                <a:solidFill>
+                  <a:srgbClr val="000000"/>
+                </a:solidFill>
+                <a:latin typeface="Courier New"/>
+                <a:ea typeface="DejaVu Sans"/>
+              </a:rPr>
+              <a:t>(</a:t>
+            </a:r>
+            <a:r>
+              <a:rPr lang="cs-CZ" sz="2400" b="0" strike="noStrike" spc="-1" dirty="0" err="1">
+                <a:solidFill>
+                  <a:srgbClr val="000000"/>
+                </a:solidFill>
+                <a:latin typeface="Courier New"/>
+                <a:ea typeface="DejaVu Sans"/>
+              </a:rPr>
+              <a:t>odpovedi</a:t>
+            </a:r>
+            <a:r>
+              <a:rPr lang="cs-CZ" sz="2400" b="0" strike="noStrike" spc="-1" dirty="0">
+                <a:solidFill>
+                  <a:srgbClr val="000000"/>
+                </a:solidFill>
+                <a:latin typeface="Courier New"/>
+                <a:ea typeface="DejaVu Sans"/>
+              </a:rPr>
+              <a:t>))</a:t>
+            </a:r>
+            <a:endParaRPr lang="cs-CZ" sz="2400" b="0" strike="noStrike" spc="-1" dirty="0">
               <a:latin typeface="Courier New"/>
             </a:endParaRPr>
           </a:p>
@@ -4825,66 +5742,56 @@
               </a:lnSpc>
             </a:pPr>
             <a:r>
-              <a:rPr b="0" lang="cs-CZ" sz="2400" spc="-1" strike="noStrike">
-                <a:solidFill>
-                  <a:srgbClr val="000000"/>
-                </a:solidFill>
-                <a:latin typeface="Courier New"/>
-                <a:ea typeface="DejaVu Sans"/>
-              </a:rPr>
-              <a:t>        </a:t>
-            </a:r>
-            <a:r>
-              <a:rPr b="0" lang="cs-CZ" sz="2400" spc="-1" strike="noStrike">
-                <a:solidFill>
-                  <a:srgbClr val="000000"/>
-                </a:solidFill>
-                <a:latin typeface="Courier New"/>
-                <a:ea typeface="DejaVu Sans"/>
-              </a:rPr>
-              <a:t>display</a:t>
-            </a:r>
-            <a:r>
-              <a:rPr b="0" lang="cs-CZ" sz="2400" spc="-1" strike="noStrike">
+              <a:rPr lang="cs-CZ" sz="2400" b="0" strike="noStrike" spc="-1" dirty="0">
+                <a:solidFill>
+                  <a:srgbClr val="000000"/>
+                </a:solidFill>
+                <a:latin typeface="Courier New"/>
+                <a:ea typeface="DejaVu Sans"/>
+              </a:rPr>
+              <a:t>    </a:t>
+            </a:r>
+            <a:r>
+              <a:rPr lang="cs-CZ" sz="2400" b="0" strike="noStrike" spc="-1" dirty="0" err="1">
+                <a:solidFill>
+                  <a:srgbClr val="000000"/>
+                </a:solidFill>
+                <a:latin typeface="Courier New"/>
+                <a:ea typeface="DejaVu Sans"/>
+              </a:rPr>
+              <a:t>sleep</a:t>
+            </a:r>
+            <a:r>
+              <a:rPr lang="cs-CZ" sz="2400" b="0" strike="noStrike" spc="-1" dirty="0">
+                <a:solidFill>
+                  <a:srgbClr val="000000"/>
+                </a:solidFill>
+                <a:latin typeface="Courier New"/>
+                <a:ea typeface="DejaVu Sans"/>
+              </a:rPr>
+              <a:t>(</a:t>
+            </a:r>
+            <a:r>
+              <a:rPr lang="cs-CZ" sz="2400" b="0" strike="noStrike" spc="-1" dirty="0">
                 <a:solidFill>
                   <a:srgbClr val="666666"/>
                 </a:solidFill>
                 <a:latin typeface="Courier New"/>
                 <a:ea typeface="DejaVu Sans"/>
               </a:rPr>
-              <a:t>.</a:t>
-            </a:r>
-            <a:r>
-              <a:rPr b="0" lang="cs-CZ" sz="2400" spc="-1" strike="noStrike">
-                <a:solidFill>
-                  <a:srgbClr val="000000"/>
-                </a:solidFill>
-                <a:latin typeface="Courier New"/>
-                <a:ea typeface="DejaVu Sans"/>
-              </a:rPr>
-              <a:t>scroll(random</a:t>
-            </a:r>
-            <a:r>
-              <a:rPr b="0" lang="cs-CZ" sz="2400" spc="-1" strike="noStrike">
-                <a:solidFill>
-                  <a:srgbClr val="666666"/>
-                </a:solidFill>
-                <a:latin typeface="Courier New"/>
-                <a:ea typeface="DejaVu Sans"/>
-              </a:rPr>
-              <a:t>.</a:t>
-            </a:r>
-            <a:r>
-              <a:rPr b="0" lang="cs-CZ" sz="2400" spc="-1" strike="noStrike">
-                <a:solidFill>
-                  <a:srgbClr val="000000"/>
-                </a:solidFill>
-                <a:latin typeface="Courier New"/>
-                <a:ea typeface="DejaVu Sans"/>
-              </a:rPr>
-              <a:t>choice(odpovedi))</a:t>
-            </a:r>
-            <a:endParaRPr b="0" lang="cs-CZ" sz="2400" spc="-1" strike="noStrike">
+              <a:t>10</a:t>
+            </a:r>
+            <a:r>
+              <a:rPr lang="cs-CZ" sz="2400" b="0" strike="noStrike" spc="-1" dirty="0">
+                <a:solidFill>
+                  <a:srgbClr val="000000"/>
+                </a:solidFill>
+                <a:latin typeface="Courier New"/>
+                <a:ea typeface="DejaVu Sans"/>
+              </a:rPr>
+              <a:t>)</a:t>
+            </a:r>
+            <a:endParaRPr lang="cs-CZ" sz="2400" b="0" strike="noStrike" spc="-1" dirty="0">
               <a:latin typeface="Courier New"/>
             </a:endParaRPr>
           </a:p>
@@ -4894,57 +5801,7 @@
                 <a:spcPct val="100000"/>
               </a:lnSpc>
             </a:pPr>
-            <a:r>
-              <a:rPr b="0" lang="cs-CZ" sz="2400" spc="-1" strike="noStrike">
-                <a:solidFill>
-                  <a:srgbClr val="000000"/>
-                </a:solidFill>
-                <a:latin typeface="Courier New"/>
-                <a:ea typeface="DejaVu Sans"/>
-              </a:rPr>
-              <a:t>    </a:t>
-            </a:r>
-            <a:r>
-              <a:rPr b="0" lang="cs-CZ" sz="2400" spc="-1" strike="noStrike">
-                <a:solidFill>
-                  <a:srgbClr val="000000"/>
-                </a:solidFill>
-                <a:latin typeface="Courier New"/>
-                <a:ea typeface="DejaVu Sans"/>
-              </a:rPr>
-              <a:t>sleep(</a:t>
-            </a:r>
-            <a:r>
-              <a:rPr b="0" lang="cs-CZ" sz="2400" spc="-1" strike="noStrike">
-                <a:solidFill>
-                  <a:srgbClr val="666666"/>
-                </a:solidFill>
-                <a:latin typeface="Courier New"/>
-                <a:ea typeface="DejaVu Sans"/>
-              </a:rPr>
-              <a:t>10</a:t>
-            </a:r>
-            <a:r>
-              <a:rPr b="0" lang="cs-CZ" sz="2400" spc="-1" strike="noStrike">
-                <a:solidFill>
-                  <a:srgbClr val="000000"/>
-                </a:solidFill>
-                <a:latin typeface="Courier New"/>
-                <a:ea typeface="DejaVu Sans"/>
-              </a:rPr>
-              <a:t>)</a:t>
-            </a:r>
-            <a:endParaRPr b="0" lang="cs-CZ" sz="2400" spc="-1" strike="noStrike">
-              <a:latin typeface="Courier New"/>
-            </a:endParaRPr>
-          </a:p>
-          <a:p>
-            <a:pPr>
-              <a:lnSpc>
-                <a:spcPct val="100000"/>
-              </a:lnSpc>
-            </a:pPr>
-            <a:endParaRPr b="0" lang="cs-CZ" sz="2400" spc="-1" strike="noStrike">
+            <a:endParaRPr lang="cs-CZ" sz="2400" b="0" strike="noStrike" spc="-1" dirty="0">
               <a:latin typeface="Courier New"/>
             </a:endParaRPr>
           </a:p>
@@ -4970,38 +5827,39 @@
           </a:ln>
         </p:spPr>
         <p:txBody>
-          <a:bodyPr lIns="90000" rIns="90000" tIns="45000" bIns="45000"/>
-          <a:p>
-            <a:r>
-              <a:rPr b="0" lang="cs-CZ" sz="2400" spc="-1" strike="noStrike">
+          <a:bodyPr lIns="90000" tIns="45000" rIns="90000" bIns="45000"/>
+          <a:lstStyle/>
+          <a:p>
+            <a:r>
+              <a:rPr lang="cs-CZ" sz="2400" b="0" strike="noStrike" spc="-1">
                 <a:latin typeface="Arial"/>
               </a:rPr>
               <a:t>Zjednodušená verze</a:t>
             </a:r>
-            <a:endParaRPr b="0" lang="cs-CZ" sz="2400" spc="-1" strike="noStrike">
-              <a:latin typeface="Arial"/>
-            </a:endParaRPr>
           </a:p>
         </p:txBody>
       </p:sp>
     </p:spTree>
   </p:cSld>
+  <p:clrMapOvr>
+    <a:masterClrMapping/>
+  </p:clrMapOvr>
   <p:timing>
     <p:tnLst>
       <p:par>
-        <p:cTn id="5" dur="indefinite" restart="never" nodeType="tmRoot">
+        <p:cTn id="1" dur="indefinite" restart="never" nodeType="tmRoot">
           <p:childTnLst>
             <p:seq>
-              <p:cTn id="6" dur="indefinite" nodeType="mainSeq"/>
+              <p:cTn id="2" dur="indefinite" nodeType="mainSeq"/>
               <p:prevCondLst>
-                <p:cond delay="0" evt="onPrev">
+                <p:cond evt="onPrev" delay="0">
                   <p:tgtEl>
                     <p:sldTgt/>
                   </p:tgtEl>
                 </p:cond>
               </p:prevCondLst>
               <p:nextCondLst>
-                <p:cond delay="0" evt="onNext">
+                <p:cond evt="onNext" delay="0">
                   <p:tgtEl>
                     <p:sldTgt/>
                   </p:tgtEl>
@@ -5027,31 +5885,31 @@
         <a:sysClr val="window" lastClr="FFFFFF"/>
       </a:lt1>
       <a:dk2>
-        <a:srgbClr val="1f497d"/>
+        <a:srgbClr val="1F497D"/>
       </a:dk2>
       <a:lt2>
-        <a:srgbClr val="eeece1"/>
+        <a:srgbClr val="EEECE1"/>
       </a:lt2>
       <a:accent1>
-        <a:srgbClr val="4f81bd"/>
+        <a:srgbClr val="4F81BD"/>
       </a:accent1>
       <a:accent2>
-        <a:srgbClr val="c0504d"/>
+        <a:srgbClr val="C0504D"/>
       </a:accent2>
       <a:accent3>
-        <a:srgbClr val="9bbb59"/>
+        <a:srgbClr val="9BBB59"/>
       </a:accent3>
       <a:accent4>
-        <a:srgbClr val="8064a2"/>
+        <a:srgbClr val="8064A2"/>
       </a:accent4>
       <a:accent5>
-        <a:srgbClr val="4bacc6"/>
+        <a:srgbClr val="4BACC6"/>
       </a:accent5>
       <a:accent6>
-        <a:srgbClr val="f79646"/>
+        <a:srgbClr val="F79646"/>
       </a:accent6>
       <a:hlink>
-        <a:srgbClr val="0000ff"/>
+        <a:srgbClr val="0000FF"/>
       </a:hlink>
       <a:folHlink>
         <a:srgbClr val="800080"/>
@@ -5236,6 +6094,8 @@
       </a:bgFillStyleLst>
     </a:fmtScheme>
   </a:themeElements>
+  <a:objectDefaults/>
+  <a:extraClrSchemeLst/>
 </a:theme>
 </file>
 
@@ -5250,31 +6110,31 @@
         <a:sysClr val="window" lastClr="FFFFFF"/>
       </a:lt1>
       <a:dk2>
-        <a:srgbClr val="1f497d"/>
+        <a:srgbClr val="1F497D"/>
       </a:dk2>
       <a:lt2>
-        <a:srgbClr val="eeece1"/>
+        <a:srgbClr val="EEECE1"/>
       </a:lt2>
       <a:accent1>
-        <a:srgbClr val="4f81bd"/>
+        <a:srgbClr val="4F81BD"/>
       </a:accent1>
       <a:accent2>
-        <a:srgbClr val="c0504d"/>
+        <a:srgbClr val="C0504D"/>
       </a:accent2>
       <a:accent3>
-        <a:srgbClr val="9bbb59"/>
+        <a:srgbClr val="9BBB59"/>
       </a:accent3>
       <a:accent4>
-        <a:srgbClr val="8064a2"/>
+        <a:srgbClr val="8064A2"/>
       </a:accent4>
       <a:accent5>
-        <a:srgbClr val="4bacc6"/>
+        <a:srgbClr val="4BACC6"/>
       </a:accent5>
       <a:accent6>
-        <a:srgbClr val="f79646"/>
+        <a:srgbClr val="F79646"/>
       </a:accent6>
       <a:hlink>
-        <a:srgbClr val="0000ff"/>
+        <a:srgbClr val="0000FF"/>
       </a:hlink>
       <a:folHlink>
         <a:srgbClr val="800080"/>
@@ -5459,5 +6319,7 @@
       </a:bgFillStyleLst>
     </a:fmtScheme>
   </a:themeElements>
+  <a:objectDefaults/>
+  <a:extraClrSchemeLst/>
 </a:theme>
 </file>